--- a/01BacsiConceptsInNuclearPhysics.pptx
+++ b/01BacsiConceptsInNuclearPhysics.pptx
@@ -6,10 +6,10 @@
   </p:sldMasterIdLst>
   <p:sldIdLst>
     <p:sldId id="256" r:id="rId2"/>
-    <p:sldId id="257" r:id="rId3"/>
-    <p:sldId id="258" r:id="rId4"/>
-    <p:sldId id="259" r:id="rId5"/>
-    <p:sldId id="260" r:id="rId6"/>
+    <p:sldId id="259" r:id="rId3"/>
+    <p:sldId id="260" r:id="rId4"/>
+    <p:sldId id="261" r:id="rId5"/>
+    <p:sldId id="262" r:id="rId6"/>
   </p:sldIdLst>
   <p:sldSz cx="12192000" cy="6858000"/>
   <p:notesSz cx="6858000" cy="9144000"/>
@@ -108,6 +108,11 @@
       </a:defRPr>
     </a:lvl9pPr>
   </p:defaultTextStyle>
+  <p:extLst>
+    <p:ext uri="{EFAFB233-063F-42B5-8137-9DF3F51BA10A}">
+      <p15:sldGuideLst xmlns:p15="http://schemas.microsoft.com/office/powerpoint/2012/main"/>
+    </p:ext>
+  </p:extLst>
 </p:presentation>
 </file>
 
@@ -2976,8 +2981,8 @@
         </p:nvSpPr>
         <p:spPr>
           <a:xfrm>
-            <a:off x="296268" y="278859"/>
-            <a:ext cx="3056021" cy="646331"/>
+            <a:off x="272205" y="294901"/>
+            <a:ext cx="6338994" cy="646331"/>
           </a:xfrm>
           <a:prstGeom prst="rect">
             <a:avLst/>
@@ -3001,7 +3006,7 @@
                   <a:srgbClr val="FF0000"/>
                 </a:solidFill>
               </a:rPr>
-              <a:t>Date:</a:t>
+              <a:t>Date: 2018-10-15</a:t>
             </a:r>
           </a:p>
           <a:p>
@@ -3011,7 +3016,7 @@
                   <a:srgbClr val="FF0000"/>
                 </a:solidFill>
               </a:rPr>
-              <a:t>Source:</a:t>
+              <a:t>Source: google &lt;Triggering in Particle Physics Experiments&gt;</a:t>
             </a:r>
             <a:endParaRPr lang="zh-CN" altLang="en-US" dirty="0">
               <a:solidFill>
@@ -3021,6 +3026,36 @@
           </a:p>
         </p:txBody>
       </p:sp>
+      <p:pic>
+        <p:nvPicPr>
+          <p:cNvPr id="2" name="图片 1"/>
+          <p:cNvPicPr>
+            <a:picLocks noChangeAspect="1"/>
+          </p:cNvPicPr>
+          <p:nvPr/>
+        </p:nvPicPr>
+        <p:blipFill>
+          <a:blip r:embed="rId2">
+            <a:extLst>
+              <a:ext uri="{28A0092B-C50C-407E-A947-70E740481C1C}">
+                <a14:useLocalDpi xmlns:a14="http://schemas.microsoft.com/office/drawing/2010/main" val="0"/>
+              </a:ext>
+            </a:extLst>
+          </a:blip>
+          <a:stretch>
+            <a:fillRect/>
+          </a:stretch>
+        </p:blipFill>
+        <p:spPr>
+          <a:xfrm>
+            <a:off x="1394105" y="1385991"/>
+            <a:ext cx="8184589" cy="5159187"/>
+          </a:xfrm>
+          <a:prstGeom prst="rect">
+            <a:avLst/>
+          </a:prstGeom>
+        </p:spPr>
+      </p:pic>
     </p:spTree>
     <p:extLst>
       <p:ext uri="{BB962C8B-B14F-4D97-AF65-F5344CB8AC3E}">
@@ -3060,7 +3095,7 @@
         <p:spPr>
           <a:xfrm>
             <a:off x="296268" y="278859"/>
-            <a:ext cx="3056021" cy="646331"/>
+            <a:ext cx="8191240" cy="646331"/>
           </a:xfrm>
           <a:prstGeom prst="rect">
             <a:avLst/>
@@ -3084,7 +3119,7 @@
                   <a:srgbClr val="FF0000"/>
                 </a:solidFill>
               </a:rPr>
-              <a:t>Date:</a:t>
+              <a:t>Date: 2018-10-15</a:t>
             </a:r>
           </a:p>
           <a:p>
@@ -3094,7 +3129,7 @@
                   <a:srgbClr val="FF0000"/>
                 </a:solidFill>
               </a:rPr>
-              <a:t>Source:</a:t>
+              <a:t>Source: CAEN &lt;Digital Pulse Processing in Nuclear Physics&gt;</a:t>
             </a:r>
             <a:endParaRPr lang="zh-CN" altLang="en-US" dirty="0">
               <a:solidFill>
@@ -3107,7 +3142,7 @@
     </p:spTree>
     <p:extLst>
       <p:ext uri="{BB962C8B-B14F-4D97-AF65-F5344CB8AC3E}">
-        <p14:creationId xmlns:p14="http://schemas.microsoft.com/office/powerpoint/2010/main" val="2334899085"/>
+        <p14:creationId xmlns:p14="http://schemas.microsoft.com/office/powerpoint/2010/main" val="1639705202"/>
       </p:ext>
     </p:extLst>
   </p:cSld>
@@ -3190,7 +3225,7 @@
     </p:spTree>
     <p:extLst>
       <p:ext uri="{BB962C8B-B14F-4D97-AF65-F5344CB8AC3E}">
-        <p14:creationId xmlns:p14="http://schemas.microsoft.com/office/powerpoint/2010/main" val="2669468979"/>
+        <p14:creationId xmlns:p14="http://schemas.microsoft.com/office/powerpoint/2010/main" val="3488402378"/>
       </p:ext>
     </p:extLst>
   </p:cSld>
@@ -3217,63 +3252,10 @@
           <a:chExt cx="0" cy="0"/>
         </a:xfrm>
       </p:grpSpPr>
-      <p:sp>
-        <p:nvSpPr>
-          <p:cNvPr id="4" name="文本框 3"/>
-          <p:cNvSpPr txBox="1"/>
-          <p:nvPr/>
-        </p:nvSpPr>
-        <p:spPr>
-          <a:xfrm>
-            <a:off x="296268" y="278859"/>
-            <a:ext cx="3056021" cy="646331"/>
-          </a:xfrm>
-          <a:prstGeom prst="rect">
-            <a:avLst/>
-          </a:prstGeom>
-          <a:noFill/>
-          <a:ln w="25400">
-            <a:solidFill>
-              <a:srgbClr val="FF0000"/>
-            </a:solidFill>
-          </a:ln>
-        </p:spPr>
-        <p:txBody>
-          <a:bodyPr wrap="square" rtlCol="0">
-            <a:spAutoFit/>
-          </a:bodyPr>
-          <a:lstStyle/>
-          <a:p>
-            <a:r>
-              <a:rPr lang="en-US" altLang="zh-CN" dirty="0" smtClean="0">
-                <a:solidFill>
-                  <a:srgbClr val="FF0000"/>
-                </a:solidFill>
-              </a:rPr>
-              <a:t>Date:</a:t>
-            </a:r>
-          </a:p>
-          <a:p>
-            <a:r>
-              <a:rPr lang="en-US" altLang="zh-CN" dirty="0" smtClean="0">
-                <a:solidFill>
-                  <a:srgbClr val="FF0000"/>
-                </a:solidFill>
-              </a:rPr>
-              <a:t>Source:</a:t>
-            </a:r>
-            <a:endParaRPr lang="zh-CN" altLang="en-US" dirty="0">
-              <a:solidFill>
-                <a:srgbClr val="FF0000"/>
-              </a:solidFill>
-            </a:endParaRPr>
-          </a:p>
-        </p:txBody>
-      </p:sp>
     </p:spTree>
     <p:extLst>
       <p:ext uri="{BB962C8B-B14F-4D97-AF65-F5344CB8AC3E}">
-        <p14:creationId xmlns:p14="http://schemas.microsoft.com/office/powerpoint/2010/main" val="1639705202"/>
+        <p14:creationId xmlns:p14="http://schemas.microsoft.com/office/powerpoint/2010/main" val="1832017264"/>
       </p:ext>
     </p:extLst>
   </p:cSld>
@@ -3300,63 +3282,10 @@
           <a:chExt cx="0" cy="0"/>
         </a:xfrm>
       </p:grpSpPr>
-      <p:sp>
-        <p:nvSpPr>
-          <p:cNvPr id="4" name="文本框 3"/>
-          <p:cNvSpPr txBox="1"/>
-          <p:nvPr/>
-        </p:nvSpPr>
-        <p:spPr>
-          <a:xfrm>
-            <a:off x="296268" y="278859"/>
-            <a:ext cx="3056021" cy="646331"/>
-          </a:xfrm>
-          <a:prstGeom prst="rect">
-            <a:avLst/>
-          </a:prstGeom>
-          <a:noFill/>
-          <a:ln w="25400">
-            <a:solidFill>
-              <a:srgbClr val="FF0000"/>
-            </a:solidFill>
-          </a:ln>
-        </p:spPr>
-        <p:txBody>
-          <a:bodyPr wrap="square" rtlCol="0">
-            <a:spAutoFit/>
-          </a:bodyPr>
-          <a:lstStyle/>
-          <a:p>
-            <a:r>
-              <a:rPr lang="en-US" altLang="zh-CN" dirty="0" smtClean="0">
-                <a:solidFill>
-                  <a:srgbClr val="FF0000"/>
-                </a:solidFill>
-              </a:rPr>
-              <a:t>Date:</a:t>
-            </a:r>
-          </a:p>
-          <a:p>
-            <a:r>
-              <a:rPr lang="en-US" altLang="zh-CN" dirty="0" smtClean="0">
-                <a:solidFill>
-                  <a:srgbClr val="FF0000"/>
-                </a:solidFill>
-              </a:rPr>
-              <a:t>Source:</a:t>
-            </a:r>
-            <a:endParaRPr lang="zh-CN" altLang="en-US" dirty="0">
-              <a:solidFill>
-                <a:srgbClr val="FF0000"/>
-              </a:solidFill>
-            </a:endParaRPr>
-          </a:p>
-        </p:txBody>
-      </p:sp>
     </p:spTree>
     <p:extLst>
       <p:ext uri="{BB962C8B-B14F-4D97-AF65-F5344CB8AC3E}">
-        <p14:creationId xmlns:p14="http://schemas.microsoft.com/office/powerpoint/2010/main" val="3488402378"/>
+        <p14:creationId xmlns:p14="http://schemas.microsoft.com/office/powerpoint/2010/main" val="1102873507"/>
       </p:ext>
     </p:extLst>
   </p:cSld>

--- a/01BacsiConceptsInNuclearPhysics.pptx
+++ b/01BacsiConceptsInNuclearPhysics.pptx
@@ -5,11 +5,11 @@
     <p:sldMasterId id="2147483648" r:id="rId1"/>
   </p:sldMasterIdLst>
   <p:sldIdLst>
-    <p:sldId id="256" r:id="rId2"/>
-    <p:sldId id="259" r:id="rId3"/>
-    <p:sldId id="260" r:id="rId4"/>
-    <p:sldId id="261" r:id="rId5"/>
-    <p:sldId id="262" r:id="rId6"/>
+    <p:sldId id="262" r:id="rId2"/>
+    <p:sldId id="261" r:id="rId3"/>
+    <p:sldId id="256" r:id="rId4"/>
+    <p:sldId id="259" r:id="rId5"/>
+    <p:sldId id="260" r:id="rId6"/>
   </p:sldIdLst>
   <p:sldSz cx="12192000" cy="6858000"/>
   <p:notesSz cx="6858000" cy="9144000"/>
@@ -247,7 +247,7 @@
           <a:p>
             <a:fld id="{671484C7-CE74-40BE-9A81-F48CEFF7399F}" type="datetimeFigureOut">
               <a:rPr lang="zh-CN" altLang="en-US" smtClean="0"/>
-              <a:t>2018/10/17</a:t>
+              <a:t>2018/10/30</a:t>
             </a:fld>
             <a:endParaRPr lang="zh-CN" altLang="en-US"/>
           </a:p>
@@ -417,7 +417,7 @@
           <a:p>
             <a:fld id="{671484C7-CE74-40BE-9A81-F48CEFF7399F}" type="datetimeFigureOut">
               <a:rPr lang="zh-CN" altLang="en-US" smtClean="0"/>
-              <a:t>2018/10/17</a:t>
+              <a:t>2018/10/30</a:t>
             </a:fld>
             <a:endParaRPr lang="zh-CN" altLang="en-US"/>
           </a:p>
@@ -597,7 +597,7 @@
           <a:p>
             <a:fld id="{671484C7-CE74-40BE-9A81-F48CEFF7399F}" type="datetimeFigureOut">
               <a:rPr lang="zh-CN" altLang="en-US" smtClean="0"/>
-              <a:t>2018/10/17</a:t>
+              <a:t>2018/10/30</a:t>
             </a:fld>
             <a:endParaRPr lang="zh-CN" altLang="en-US"/>
           </a:p>
@@ -767,7 +767,7 @@
           <a:p>
             <a:fld id="{671484C7-CE74-40BE-9A81-F48CEFF7399F}" type="datetimeFigureOut">
               <a:rPr lang="zh-CN" altLang="en-US" smtClean="0"/>
-              <a:t>2018/10/17</a:t>
+              <a:t>2018/10/30</a:t>
             </a:fld>
             <a:endParaRPr lang="zh-CN" altLang="en-US"/>
           </a:p>
@@ -1013,7 +1013,7 @@
           <a:p>
             <a:fld id="{671484C7-CE74-40BE-9A81-F48CEFF7399F}" type="datetimeFigureOut">
               <a:rPr lang="zh-CN" altLang="en-US" smtClean="0"/>
-              <a:t>2018/10/17</a:t>
+              <a:t>2018/10/30</a:t>
             </a:fld>
             <a:endParaRPr lang="zh-CN" altLang="en-US"/>
           </a:p>
@@ -1245,7 +1245,7 @@
           <a:p>
             <a:fld id="{671484C7-CE74-40BE-9A81-F48CEFF7399F}" type="datetimeFigureOut">
               <a:rPr lang="zh-CN" altLang="en-US" smtClean="0"/>
-              <a:t>2018/10/17</a:t>
+              <a:t>2018/10/30</a:t>
             </a:fld>
             <a:endParaRPr lang="zh-CN" altLang="en-US"/>
           </a:p>
@@ -1612,7 +1612,7 @@
           <a:p>
             <a:fld id="{671484C7-CE74-40BE-9A81-F48CEFF7399F}" type="datetimeFigureOut">
               <a:rPr lang="zh-CN" altLang="en-US" smtClean="0"/>
-              <a:t>2018/10/17</a:t>
+              <a:t>2018/10/30</a:t>
             </a:fld>
             <a:endParaRPr lang="zh-CN" altLang="en-US"/>
           </a:p>
@@ -1730,7 +1730,7 @@
           <a:p>
             <a:fld id="{671484C7-CE74-40BE-9A81-F48CEFF7399F}" type="datetimeFigureOut">
               <a:rPr lang="zh-CN" altLang="en-US" smtClean="0"/>
-              <a:t>2018/10/17</a:t>
+              <a:t>2018/10/30</a:t>
             </a:fld>
             <a:endParaRPr lang="zh-CN" altLang="en-US"/>
           </a:p>
@@ -1825,7 +1825,7 @@
           <a:p>
             <a:fld id="{671484C7-CE74-40BE-9A81-F48CEFF7399F}" type="datetimeFigureOut">
               <a:rPr lang="zh-CN" altLang="en-US" smtClean="0"/>
-              <a:t>2018/10/17</a:t>
+              <a:t>2018/10/30</a:t>
             </a:fld>
             <a:endParaRPr lang="zh-CN" altLang="en-US"/>
           </a:p>
@@ -2102,7 +2102,7 @@
           <a:p>
             <a:fld id="{671484C7-CE74-40BE-9A81-F48CEFF7399F}" type="datetimeFigureOut">
               <a:rPr lang="zh-CN" altLang="en-US" smtClean="0"/>
-              <a:t>2018/10/17</a:t>
+              <a:t>2018/10/30</a:t>
             </a:fld>
             <a:endParaRPr lang="zh-CN" altLang="en-US"/>
           </a:p>
@@ -2355,7 +2355,7 @@
           <a:p>
             <a:fld id="{671484C7-CE74-40BE-9A81-F48CEFF7399F}" type="datetimeFigureOut">
               <a:rPr lang="zh-CN" altLang="en-US" smtClean="0"/>
-              <a:t>2018/10/17</a:t>
+              <a:t>2018/10/30</a:t>
             </a:fld>
             <a:endParaRPr lang="zh-CN" altLang="en-US"/>
           </a:p>
@@ -2568,7 +2568,7 @@
           <a:p>
             <a:fld id="{671484C7-CE74-40BE-9A81-F48CEFF7399F}" type="datetimeFigureOut">
               <a:rPr lang="zh-CN" altLang="en-US" smtClean="0"/>
-              <a:t>2018/10/17</a:t>
+              <a:t>2018/10/30</a:t>
             </a:fld>
             <a:endParaRPr lang="zh-CN" altLang="en-US"/>
           </a:p>
@@ -2975,6 +2975,96 @@
       </p:grpSpPr>
       <p:sp>
         <p:nvSpPr>
+          <p:cNvPr id="2" name="TextBox 1"/>
+          <p:cNvSpPr txBox="1"/>
+          <p:nvPr/>
+        </p:nvSpPr>
+        <p:spPr>
+          <a:xfrm>
+            <a:off x="286870" y="268941"/>
+            <a:ext cx="7718612" cy="369332"/>
+          </a:xfrm>
+          <a:prstGeom prst="rect">
+            <a:avLst/>
+          </a:prstGeom>
+          <a:noFill/>
+        </p:spPr>
+        <p:txBody>
+          <a:bodyPr wrap="square" rtlCol="0">
+            <a:spAutoFit/>
+          </a:bodyPr>
+          <a:lstStyle/>
+          <a:p>
+            <a:r>
+              <a:rPr lang="en-US" dirty="0" smtClean="0"/>
+              <a:t>Q1: What is an event? What is an entry? What is multiplicity?</a:t>
+            </a:r>
+            <a:endParaRPr lang="en-US" dirty="0"/>
+          </a:p>
+        </p:txBody>
+      </p:sp>
+    </p:spTree>
+    <p:extLst>
+      <p:ext uri="{BB962C8B-B14F-4D97-AF65-F5344CB8AC3E}">
+        <p14:creationId xmlns:p14="http://schemas.microsoft.com/office/powerpoint/2010/main" val="1102873507"/>
+      </p:ext>
+    </p:extLst>
+  </p:cSld>
+  <p:clrMapOvr>
+    <a:masterClrMapping/>
+  </p:clrMapOvr>
+</p:sld>
+</file>
+
+<file path=ppt/slides/slide2.xml><?xml version="1.0" encoding="utf-8"?>
+<p:sld xmlns:a="http://schemas.openxmlformats.org/drawingml/2006/main" xmlns:r="http://schemas.openxmlformats.org/officeDocument/2006/relationships" xmlns:p="http://schemas.openxmlformats.org/presentationml/2006/main">
+  <p:cSld>
+    <p:spTree>
+      <p:nvGrpSpPr>
+        <p:cNvPr id="1" name=""/>
+        <p:cNvGrpSpPr/>
+        <p:nvPr/>
+      </p:nvGrpSpPr>
+      <p:grpSpPr>
+        <a:xfrm>
+          <a:off x="0" y="0"/>
+          <a:ext cx="0" cy="0"/>
+          <a:chOff x="0" y="0"/>
+          <a:chExt cx="0" cy="0"/>
+        </a:xfrm>
+      </p:grpSpPr>
+    </p:spTree>
+    <p:extLst>
+      <p:ext uri="{BB962C8B-B14F-4D97-AF65-F5344CB8AC3E}">
+        <p14:creationId xmlns:p14="http://schemas.microsoft.com/office/powerpoint/2010/main" val="1832017264"/>
+      </p:ext>
+    </p:extLst>
+  </p:cSld>
+  <p:clrMapOvr>
+    <a:masterClrMapping/>
+  </p:clrMapOvr>
+</p:sld>
+</file>
+
+<file path=ppt/slides/slide3.xml><?xml version="1.0" encoding="utf-8"?>
+<p:sld xmlns:a="http://schemas.openxmlformats.org/drawingml/2006/main" xmlns:r="http://schemas.openxmlformats.org/officeDocument/2006/relationships" xmlns:p="http://schemas.openxmlformats.org/presentationml/2006/main">
+  <p:cSld>
+    <p:spTree>
+      <p:nvGrpSpPr>
+        <p:cNvPr id="1" name=""/>
+        <p:cNvGrpSpPr/>
+        <p:nvPr/>
+      </p:nvGrpSpPr>
+      <p:grpSpPr>
+        <a:xfrm>
+          <a:off x="0" y="0"/>
+          <a:ext cx="0" cy="0"/>
+          <a:chOff x="0" y="0"/>
+          <a:chExt cx="0" cy="0"/>
+        </a:xfrm>
+      </p:grpSpPr>
+      <p:sp>
+        <p:nvSpPr>
           <p:cNvPr id="4" name="文本框 3"/>
           <p:cNvSpPr txBox="1"/>
           <p:nvPr/>
@@ -3069,172 +3159,6 @@
 </p:sld>
 </file>
 
-<file path=ppt/slides/slide2.xml><?xml version="1.0" encoding="utf-8"?>
-<p:sld xmlns:a="http://schemas.openxmlformats.org/drawingml/2006/main" xmlns:r="http://schemas.openxmlformats.org/officeDocument/2006/relationships" xmlns:p="http://schemas.openxmlformats.org/presentationml/2006/main">
-  <p:cSld>
-    <p:spTree>
-      <p:nvGrpSpPr>
-        <p:cNvPr id="1" name=""/>
-        <p:cNvGrpSpPr/>
-        <p:nvPr/>
-      </p:nvGrpSpPr>
-      <p:grpSpPr>
-        <a:xfrm>
-          <a:off x="0" y="0"/>
-          <a:ext cx="0" cy="0"/>
-          <a:chOff x="0" y="0"/>
-          <a:chExt cx="0" cy="0"/>
-        </a:xfrm>
-      </p:grpSpPr>
-      <p:sp>
-        <p:nvSpPr>
-          <p:cNvPr id="4" name="文本框 3"/>
-          <p:cNvSpPr txBox="1"/>
-          <p:nvPr/>
-        </p:nvSpPr>
-        <p:spPr>
-          <a:xfrm>
-            <a:off x="296268" y="278859"/>
-            <a:ext cx="8191240" cy="646331"/>
-          </a:xfrm>
-          <a:prstGeom prst="rect">
-            <a:avLst/>
-          </a:prstGeom>
-          <a:noFill/>
-          <a:ln w="25400">
-            <a:solidFill>
-              <a:srgbClr val="FF0000"/>
-            </a:solidFill>
-          </a:ln>
-        </p:spPr>
-        <p:txBody>
-          <a:bodyPr wrap="square" rtlCol="0">
-            <a:spAutoFit/>
-          </a:bodyPr>
-          <a:lstStyle/>
-          <a:p>
-            <a:r>
-              <a:rPr lang="en-US" altLang="zh-CN" dirty="0" smtClean="0">
-                <a:solidFill>
-                  <a:srgbClr val="FF0000"/>
-                </a:solidFill>
-              </a:rPr>
-              <a:t>Date: 2018-10-15</a:t>
-            </a:r>
-          </a:p>
-          <a:p>
-            <a:r>
-              <a:rPr lang="en-US" altLang="zh-CN" dirty="0" smtClean="0">
-                <a:solidFill>
-                  <a:srgbClr val="FF0000"/>
-                </a:solidFill>
-              </a:rPr>
-              <a:t>Source: CAEN &lt;Digital Pulse Processing in Nuclear Physics&gt;</a:t>
-            </a:r>
-            <a:endParaRPr lang="zh-CN" altLang="en-US" dirty="0">
-              <a:solidFill>
-                <a:srgbClr val="FF0000"/>
-              </a:solidFill>
-            </a:endParaRPr>
-          </a:p>
-        </p:txBody>
-      </p:sp>
-    </p:spTree>
-    <p:extLst>
-      <p:ext uri="{BB962C8B-B14F-4D97-AF65-F5344CB8AC3E}">
-        <p14:creationId xmlns:p14="http://schemas.microsoft.com/office/powerpoint/2010/main" val="1639705202"/>
-      </p:ext>
-    </p:extLst>
-  </p:cSld>
-  <p:clrMapOvr>
-    <a:masterClrMapping/>
-  </p:clrMapOvr>
-</p:sld>
-</file>
-
-<file path=ppt/slides/slide3.xml><?xml version="1.0" encoding="utf-8"?>
-<p:sld xmlns:a="http://schemas.openxmlformats.org/drawingml/2006/main" xmlns:r="http://schemas.openxmlformats.org/officeDocument/2006/relationships" xmlns:p="http://schemas.openxmlformats.org/presentationml/2006/main">
-  <p:cSld>
-    <p:spTree>
-      <p:nvGrpSpPr>
-        <p:cNvPr id="1" name=""/>
-        <p:cNvGrpSpPr/>
-        <p:nvPr/>
-      </p:nvGrpSpPr>
-      <p:grpSpPr>
-        <a:xfrm>
-          <a:off x="0" y="0"/>
-          <a:ext cx="0" cy="0"/>
-          <a:chOff x="0" y="0"/>
-          <a:chExt cx="0" cy="0"/>
-        </a:xfrm>
-      </p:grpSpPr>
-      <p:sp>
-        <p:nvSpPr>
-          <p:cNvPr id="4" name="文本框 3"/>
-          <p:cNvSpPr txBox="1"/>
-          <p:nvPr/>
-        </p:nvSpPr>
-        <p:spPr>
-          <a:xfrm>
-            <a:off x="296268" y="278859"/>
-            <a:ext cx="3056021" cy="646331"/>
-          </a:xfrm>
-          <a:prstGeom prst="rect">
-            <a:avLst/>
-          </a:prstGeom>
-          <a:noFill/>
-          <a:ln w="25400">
-            <a:solidFill>
-              <a:srgbClr val="FF0000"/>
-            </a:solidFill>
-          </a:ln>
-        </p:spPr>
-        <p:txBody>
-          <a:bodyPr wrap="square" rtlCol="0">
-            <a:spAutoFit/>
-          </a:bodyPr>
-          <a:lstStyle/>
-          <a:p>
-            <a:r>
-              <a:rPr lang="en-US" altLang="zh-CN" dirty="0" smtClean="0">
-                <a:solidFill>
-                  <a:srgbClr val="FF0000"/>
-                </a:solidFill>
-              </a:rPr>
-              <a:t>Date:</a:t>
-            </a:r>
-          </a:p>
-          <a:p>
-            <a:r>
-              <a:rPr lang="en-US" altLang="zh-CN" dirty="0" smtClean="0">
-                <a:solidFill>
-                  <a:srgbClr val="FF0000"/>
-                </a:solidFill>
-              </a:rPr>
-              <a:t>Source:</a:t>
-            </a:r>
-            <a:endParaRPr lang="zh-CN" altLang="en-US" dirty="0">
-              <a:solidFill>
-                <a:srgbClr val="FF0000"/>
-              </a:solidFill>
-            </a:endParaRPr>
-          </a:p>
-        </p:txBody>
-      </p:sp>
-    </p:spTree>
-    <p:extLst>
-      <p:ext uri="{BB962C8B-B14F-4D97-AF65-F5344CB8AC3E}">
-        <p14:creationId xmlns:p14="http://schemas.microsoft.com/office/powerpoint/2010/main" val="3488402378"/>
-      </p:ext>
-    </p:extLst>
-  </p:cSld>
-  <p:clrMapOvr>
-    <a:masterClrMapping/>
-  </p:clrMapOvr>
-</p:sld>
-</file>
-
 <file path=ppt/slides/slide4.xml><?xml version="1.0" encoding="utf-8"?>
 <p:sld xmlns:a="http://schemas.openxmlformats.org/drawingml/2006/main" xmlns:r="http://schemas.openxmlformats.org/officeDocument/2006/relationships" xmlns:p="http://schemas.openxmlformats.org/presentationml/2006/main">
   <p:cSld>
@@ -3252,10 +3176,71 @@
           <a:chExt cx="0" cy="0"/>
         </a:xfrm>
       </p:grpSpPr>
+      <p:sp>
+        <p:nvSpPr>
+          <p:cNvPr id="4" name="文本框 3"/>
+          <p:cNvSpPr txBox="1"/>
+          <p:nvPr/>
+        </p:nvSpPr>
+        <p:spPr>
+          <a:xfrm>
+            <a:off x="296268" y="278859"/>
+            <a:ext cx="8191240" cy="646331"/>
+          </a:xfrm>
+          <a:prstGeom prst="rect">
+            <a:avLst/>
+          </a:prstGeom>
+          <a:noFill/>
+          <a:ln w="25400">
+            <a:solidFill>
+              <a:srgbClr val="FF0000"/>
+            </a:solidFill>
+          </a:ln>
+        </p:spPr>
+        <p:txBody>
+          <a:bodyPr wrap="square" rtlCol="0">
+            <a:spAutoFit/>
+          </a:bodyPr>
+          <a:lstStyle/>
+          <a:p>
+            <a:r>
+              <a:rPr lang="en-US" altLang="zh-CN" dirty="0" smtClean="0">
+                <a:solidFill>
+                  <a:srgbClr val="FF0000"/>
+                </a:solidFill>
+              </a:rPr>
+              <a:t>Date: 2018-10-15</a:t>
+            </a:r>
+          </a:p>
+          <a:p>
+            <a:r>
+              <a:rPr lang="en-US" altLang="zh-CN" dirty="0" smtClean="0">
+                <a:solidFill>
+                  <a:srgbClr val="FF0000"/>
+                </a:solidFill>
+              </a:rPr>
+              <a:t>Source</a:t>
+            </a:r>
+            <a:r>
+              <a:rPr lang="en-US" altLang="zh-CN" dirty="0" smtClean="0">
+                <a:solidFill>
+                  <a:srgbClr val="FF0000"/>
+                </a:solidFill>
+              </a:rPr>
+              <a:t>:</a:t>
+            </a:r>
+            <a:endParaRPr lang="zh-CN" altLang="en-US" dirty="0">
+              <a:solidFill>
+                <a:srgbClr val="FF0000"/>
+              </a:solidFill>
+            </a:endParaRPr>
+          </a:p>
+        </p:txBody>
+      </p:sp>
     </p:spTree>
     <p:extLst>
       <p:ext uri="{BB962C8B-B14F-4D97-AF65-F5344CB8AC3E}">
-        <p14:creationId xmlns:p14="http://schemas.microsoft.com/office/powerpoint/2010/main" val="1832017264"/>
+        <p14:creationId xmlns:p14="http://schemas.microsoft.com/office/powerpoint/2010/main" val="1639705202"/>
       </p:ext>
     </p:extLst>
   </p:cSld>
@@ -3282,10 +3267,63 @@
           <a:chExt cx="0" cy="0"/>
         </a:xfrm>
       </p:grpSpPr>
+      <p:sp>
+        <p:nvSpPr>
+          <p:cNvPr id="4" name="文本框 3"/>
+          <p:cNvSpPr txBox="1"/>
+          <p:nvPr/>
+        </p:nvSpPr>
+        <p:spPr>
+          <a:xfrm>
+            <a:off x="296268" y="278859"/>
+            <a:ext cx="3056021" cy="646331"/>
+          </a:xfrm>
+          <a:prstGeom prst="rect">
+            <a:avLst/>
+          </a:prstGeom>
+          <a:noFill/>
+          <a:ln w="25400">
+            <a:solidFill>
+              <a:srgbClr val="FF0000"/>
+            </a:solidFill>
+          </a:ln>
+        </p:spPr>
+        <p:txBody>
+          <a:bodyPr wrap="square" rtlCol="0">
+            <a:spAutoFit/>
+          </a:bodyPr>
+          <a:lstStyle/>
+          <a:p>
+            <a:r>
+              <a:rPr lang="en-US" altLang="zh-CN" dirty="0" smtClean="0">
+                <a:solidFill>
+                  <a:srgbClr val="FF0000"/>
+                </a:solidFill>
+              </a:rPr>
+              <a:t>Date:</a:t>
+            </a:r>
+          </a:p>
+          <a:p>
+            <a:r>
+              <a:rPr lang="en-US" altLang="zh-CN" dirty="0" smtClean="0">
+                <a:solidFill>
+                  <a:srgbClr val="FF0000"/>
+                </a:solidFill>
+              </a:rPr>
+              <a:t>Source:</a:t>
+            </a:r>
+            <a:endParaRPr lang="zh-CN" altLang="en-US" dirty="0">
+              <a:solidFill>
+                <a:srgbClr val="FF0000"/>
+              </a:solidFill>
+            </a:endParaRPr>
+          </a:p>
+        </p:txBody>
+      </p:sp>
     </p:spTree>
     <p:extLst>
       <p:ext uri="{BB962C8B-B14F-4D97-AF65-F5344CB8AC3E}">
-        <p14:creationId xmlns:p14="http://schemas.microsoft.com/office/powerpoint/2010/main" val="1102873507"/>
+        <p14:creationId xmlns:p14="http://schemas.microsoft.com/office/powerpoint/2010/main" val="3488402378"/>
       </p:ext>
     </p:extLst>
   </p:cSld>

--- a/01BacsiConceptsInNuclearPhysics.pptx
+++ b/01BacsiConceptsInNuclearPhysics.pptx
@@ -10,6 +10,12 @@
     <p:sldId id="256" r:id="rId4"/>
     <p:sldId id="259" r:id="rId5"/>
     <p:sldId id="260" r:id="rId6"/>
+    <p:sldId id="263" r:id="rId7"/>
+    <p:sldId id="264" r:id="rId8"/>
+    <p:sldId id="265" r:id="rId9"/>
+    <p:sldId id="266" r:id="rId10"/>
+    <p:sldId id="267" r:id="rId11"/>
+    <p:sldId id="268" r:id="rId12"/>
   </p:sldIdLst>
   <p:sldSz cx="12192000" cy="6858000"/>
   <p:notesSz cx="6858000" cy="9144000"/>
@@ -247,7 +253,7 @@
           <a:p>
             <a:fld id="{671484C7-CE74-40BE-9A81-F48CEFF7399F}" type="datetimeFigureOut">
               <a:rPr lang="zh-CN" altLang="en-US" smtClean="0"/>
-              <a:t>2018/10/30</a:t>
+              <a:t>2018/11/1</a:t>
             </a:fld>
             <a:endParaRPr lang="zh-CN" altLang="en-US"/>
           </a:p>
@@ -417,7 +423,7 @@
           <a:p>
             <a:fld id="{671484C7-CE74-40BE-9A81-F48CEFF7399F}" type="datetimeFigureOut">
               <a:rPr lang="zh-CN" altLang="en-US" smtClean="0"/>
-              <a:t>2018/10/30</a:t>
+              <a:t>2018/11/1</a:t>
             </a:fld>
             <a:endParaRPr lang="zh-CN" altLang="en-US"/>
           </a:p>
@@ -597,7 +603,7 @@
           <a:p>
             <a:fld id="{671484C7-CE74-40BE-9A81-F48CEFF7399F}" type="datetimeFigureOut">
               <a:rPr lang="zh-CN" altLang="en-US" smtClean="0"/>
-              <a:t>2018/10/30</a:t>
+              <a:t>2018/11/1</a:t>
             </a:fld>
             <a:endParaRPr lang="zh-CN" altLang="en-US"/>
           </a:p>
@@ -767,7 +773,7 @@
           <a:p>
             <a:fld id="{671484C7-CE74-40BE-9A81-F48CEFF7399F}" type="datetimeFigureOut">
               <a:rPr lang="zh-CN" altLang="en-US" smtClean="0"/>
-              <a:t>2018/10/30</a:t>
+              <a:t>2018/11/1</a:t>
             </a:fld>
             <a:endParaRPr lang="zh-CN" altLang="en-US"/>
           </a:p>
@@ -1013,7 +1019,7 @@
           <a:p>
             <a:fld id="{671484C7-CE74-40BE-9A81-F48CEFF7399F}" type="datetimeFigureOut">
               <a:rPr lang="zh-CN" altLang="en-US" smtClean="0"/>
-              <a:t>2018/10/30</a:t>
+              <a:t>2018/11/1</a:t>
             </a:fld>
             <a:endParaRPr lang="zh-CN" altLang="en-US"/>
           </a:p>
@@ -1245,7 +1251,7 @@
           <a:p>
             <a:fld id="{671484C7-CE74-40BE-9A81-F48CEFF7399F}" type="datetimeFigureOut">
               <a:rPr lang="zh-CN" altLang="en-US" smtClean="0"/>
-              <a:t>2018/10/30</a:t>
+              <a:t>2018/11/1</a:t>
             </a:fld>
             <a:endParaRPr lang="zh-CN" altLang="en-US"/>
           </a:p>
@@ -1612,7 +1618,7 @@
           <a:p>
             <a:fld id="{671484C7-CE74-40BE-9A81-F48CEFF7399F}" type="datetimeFigureOut">
               <a:rPr lang="zh-CN" altLang="en-US" smtClean="0"/>
-              <a:t>2018/10/30</a:t>
+              <a:t>2018/11/1</a:t>
             </a:fld>
             <a:endParaRPr lang="zh-CN" altLang="en-US"/>
           </a:p>
@@ -1730,7 +1736,7 @@
           <a:p>
             <a:fld id="{671484C7-CE74-40BE-9A81-F48CEFF7399F}" type="datetimeFigureOut">
               <a:rPr lang="zh-CN" altLang="en-US" smtClean="0"/>
-              <a:t>2018/10/30</a:t>
+              <a:t>2018/11/1</a:t>
             </a:fld>
             <a:endParaRPr lang="zh-CN" altLang="en-US"/>
           </a:p>
@@ -1825,7 +1831,7 @@
           <a:p>
             <a:fld id="{671484C7-CE74-40BE-9A81-F48CEFF7399F}" type="datetimeFigureOut">
               <a:rPr lang="zh-CN" altLang="en-US" smtClean="0"/>
-              <a:t>2018/10/30</a:t>
+              <a:t>2018/11/1</a:t>
             </a:fld>
             <a:endParaRPr lang="zh-CN" altLang="en-US"/>
           </a:p>
@@ -2102,7 +2108,7 @@
           <a:p>
             <a:fld id="{671484C7-CE74-40BE-9A81-F48CEFF7399F}" type="datetimeFigureOut">
               <a:rPr lang="zh-CN" altLang="en-US" smtClean="0"/>
-              <a:t>2018/10/30</a:t>
+              <a:t>2018/11/1</a:t>
             </a:fld>
             <a:endParaRPr lang="zh-CN" altLang="en-US"/>
           </a:p>
@@ -2355,7 +2361,7 @@
           <a:p>
             <a:fld id="{671484C7-CE74-40BE-9A81-F48CEFF7399F}" type="datetimeFigureOut">
               <a:rPr lang="zh-CN" altLang="en-US" smtClean="0"/>
-              <a:t>2018/10/30</a:t>
+              <a:t>2018/11/1</a:t>
             </a:fld>
             <a:endParaRPr lang="zh-CN" altLang="en-US"/>
           </a:p>
@@ -2568,7 +2574,7 @@
           <a:p>
             <a:fld id="{671484C7-CE74-40BE-9A81-F48CEFF7399F}" type="datetimeFigureOut">
               <a:rPr lang="zh-CN" altLang="en-US" smtClean="0"/>
-              <a:t>2018/10/30</a:t>
+              <a:t>2018/11/1</a:t>
             </a:fld>
             <a:endParaRPr lang="zh-CN" altLang="en-US"/>
           </a:p>
@@ -3016,6 +3022,172 @@
 </p:sld>
 </file>
 
+<file path=ppt/slides/slide10.xml><?xml version="1.0" encoding="utf-8"?>
+<p:sld xmlns:a="http://schemas.openxmlformats.org/drawingml/2006/main" xmlns:r="http://schemas.openxmlformats.org/officeDocument/2006/relationships" xmlns:p="http://schemas.openxmlformats.org/presentationml/2006/main">
+  <p:cSld>
+    <p:spTree>
+      <p:nvGrpSpPr>
+        <p:cNvPr id="1" name=""/>
+        <p:cNvGrpSpPr/>
+        <p:nvPr/>
+      </p:nvGrpSpPr>
+      <p:grpSpPr>
+        <a:xfrm>
+          <a:off x="0" y="0"/>
+          <a:ext cx="0" cy="0"/>
+          <a:chOff x="0" y="0"/>
+          <a:chExt cx="0" cy="0"/>
+        </a:xfrm>
+      </p:grpSpPr>
+      <p:sp>
+        <p:nvSpPr>
+          <p:cNvPr id="4" name="文本框 3"/>
+          <p:cNvSpPr txBox="1"/>
+          <p:nvPr/>
+        </p:nvSpPr>
+        <p:spPr>
+          <a:xfrm>
+            <a:off x="0" y="0"/>
+            <a:ext cx="3056021" cy="646331"/>
+          </a:xfrm>
+          <a:prstGeom prst="rect">
+            <a:avLst/>
+          </a:prstGeom>
+          <a:noFill/>
+          <a:ln w="25400">
+            <a:solidFill>
+              <a:srgbClr val="FF0000"/>
+            </a:solidFill>
+          </a:ln>
+        </p:spPr>
+        <p:txBody>
+          <a:bodyPr wrap="square" rtlCol="0">
+            <a:spAutoFit/>
+          </a:bodyPr>
+          <a:lstStyle/>
+          <a:p>
+            <a:r>
+              <a:rPr lang="en-US" altLang="zh-CN" dirty="0" smtClean="0">
+                <a:solidFill>
+                  <a:srgbClr val="FF0000"/>
+                </a:solidFill>
+              </a:rPr>
+              <a:t>Date:</a:t>
+            </a:r>
+          </a:p>
+          <a:p>
+            <a:r>
+              <a:rPr lang="en-US" altLang="zh-CN" dirty="0" smtClean="0">
+                <a:solidFill>
+                  <a:srgbClr val="FF0000"/>
+                </a:solidFill>
+              </a:rPr>
+              <a:t>Source:</a:t>
+            </a:r>
+            <a:endParaRPr lang="zh-CN" altLang="en-US" dirty="0">
+              <a:solidFill>
+                <a:srgbClr val="FF0000"/>
+              </a:solidFill>
+            </a:endParaRPr>
+          </a:p>
+        </p:txBody>
+      </p:sp>
+    </p:spTree>
+    <p:extLst>
+      <p:ext uri="{BB962C8B-B14F-4D97-AF65-F5344CB8AC3E}">
+        <p14:creationId xmlns:p14="http://schemas.microsoft.com/office/powerpoint/2010/main" val="2705758811"/>
+      </p:ext>
+    </p:extLst>
+  </p:cSld>
+  <p:clrMapOvr>
+    <a:masterClrMapping/>
+  </p:clrMapOvr>
+</p:sld>
+</file>
+
+<file path=ppt/slides/slide11.xml><?xml version="1.0" encoding="utf-8"?>
+<p:sld xmlns:a="http://schemas.openxmlformats.org/drawingml/2006/main" xmlns:r="http://schemas.openxmlformats.org/officeDocument/2006/relationships" xmlns:p="http://schemas.openxmlformats.org/presentationml/2006/main">
+  <p:cSld>
+    <p:spTree>
+      <p:nvGrpSpPr>
+        <p:cNvPr id="1" name=""/>
+        <p:cNvGrpSpPr/>
+        <p:nvPr/>
+      </p:nvGrpSpPr>
+      <p:grpSpPr>
+        <a:xfrm>
+          <a:off x="0" y="0"/>
+          <a:ext cx="0" cy="0"/>
+          <a:chOff x="0" y="0"/>
+          <a:chExt cx="0" cy="0"/>
+        </a:xfrm>
+      </p:grpSpPr>
+      <p:sp>
+        <p:nvSpPr>
+          <p:cNvPr id="4" name="文本框 3"/>
+          <p:cNvSpPr txBox="1"/>
+          <p:nvPr/>
+        </p:nvSpPr>
+        <p:spPr>
+          <a:xfrm>
+            <a:off x="0" y="0"/>
+            <a:ext cx="3056021" cy="646331"/>
+          </a:xfrm>
+          <a:prstGeom prst="rect">
+            <a:avLst/>
+          </a:prstGeom>
+          <a:noFill/>
+          <a:ln w="25400">
+            <a:solidFill>
+              <a:srgbClr val="FF0000"/>
+            </a:solidFill>
+          </a:ln>
+        </p:spPr>
+        <p:txBody>
+          <a:bodyPr wrap="square" rtlCol="0">
+            <a:spAutoFit/>
+          </a:bodyPr>
+          <a:lstStyle/>
+          <a:p>
+            <a:r>
+              <a:rPr lang="en-US" altLang="zh-CN" dirty="0" smtClean="0">
+                <a:solidFill>
+                  <a:srgbClr val="FF0000"/>
+                </a:solidFill>
+              </a:rPr>
+              <a:t>Date:</a:t>
+            </a:r>
+          </a:p>
+          <a:p>
+            <a:r>
+              <a:rPr lang="en-US" altLang="zh-CN" dirty="0" smtClean="0">
+                <a:solidFill>
+                  <a:srgbClr val="FF0000"/>
+                </a:solidFill>
+              </a:rPr>
+              <a:t>Source:</a:t>
+            </a:r>
+            <a:endParaRPr lang="zh-CN" altLang="en-US" dirty="0">
+              <a:solidFill>
+                <a:srgbClr val="FF0000"/>
+              </a:solidFill>
+            </a:endParaRPr>
+          </a:p>
+        </p:txBody>
+      </p:sp>
+    </p:spTree>
+    <p:extLst>
+      <p:ext uri="{BB962C8B-B14F-4D97-AF65-F5344CB8AC3E}">
+        <p14:creationId xmlns:p14="http://schemas.microsoft.com/office/powerpoint/2010/main" val="665078398"/>
+      </p:ext>
+    </p:extLst>
+  </p:cSld>
+  <p:clrMapOvr>
+    <a:masterClrMapping/>
+  </p:clrMapOvr>
+</p:sld>
+</file>
+
 <file path=ppt/slides/slide2.xml><?xml version="1.0" encoding="utf-8"?>
 <p:sld xmlns:a="http://schemas.openxmlformats.org/drawingml/2006/main" xmlns:r="http://schemas.openxmlformats.org/officeDocument/2006/relationships" xmlns:p="http://schemas.openxmlformats.org/presentationml/2006/main">
   <p:cSld>
@@ -3184,7 +3356,7 @@
         </p:nvSpPr>
         <p:spPr>
           <a:xfrm>
-            <a:off x="296268" y="278859"/>
+            <a:off x="0" y="0"/>
             <a:ext cx="8191240" cy="646331"/>
           </a:xfrm>
           <a:prstGeom prst="rect">
@@ -3209,8 +3381,21 @@
                   <a:srgbClr val="FF0000"/>
                 </a:solidFill>
               </a:rPr>
-              <a:t>Date: 2018-10-15</a:t>
-            </a:r>
+              <a:t>Date: </a:t>
+            </a:r>
+            <a:r>
+              <a:rPr lang="en-US" altLang="zh-CN" dirty="0" smtClean="0">
+                <a:solidFill>
+                  <a:srgbClr val="FF0000"/>
+                </a:solidFill>
+              </a:rPr>
+              <a:t>2018-11-01</a:t>
+            </a:r>
+            <a:endParaRPr lang="en-US" altLang="zh-CN" dirty="0" smtClean="0">
+              <a:solidFill>
+                <a:srgbClr val="FF0000"/>
+              </a:solidFill>
+            </a:endParaRPr>
           </a:p>
           <a:p>
             <a:r>
@@ -3222,16 +3407,637 @@
               <a:t>Source</a:t>
             </a:r>
             <a:r>
-              <a:rPr lang="en-US" altLang="zh-CN" dirty="0" smtClean="0">
+              <a:rPr lang="en-US" altLang="zh-CN" dirty="0">
                 <a:solidFill>
                   <a:srgbClr val="FF0000"/>
                 </a:solidFill>
               </a:rPr>
-              <a:t>:</a:t>
+              <a:t>: https://cds.cern.ch/record/941318/files/p361.pdf</a:t>
             </a:r>
             <a:endParaRPr lang="zh-CN" altLang="en-US" dirty="0">
               <a:solidFill>
                 <a:srgbClr val="FF0000"/>
+              </a:solidFill>
+            </a:endParaRPr>
+          </a:p>
+        </p:txBody>
+      </p:sp>
+      <p:sp>
+        <p:nvSpPr>
+          <p:cNvPr id="3" name="TextBox 2"/>
+          <p:cNvSpPr txBox="1"/>
+          <p:nvPr/>
+        </p:nvSpPr>
+        <p:spPr>
+          <a:xfrm>
+            <a:off x="4508626" y="832919"/>
+            <a:ext cx="2534970" cy="461665"/>
+          </a:xfrm>
+          <a:prstGeom prst="rect">
+            <a:avLst/>
+          </a:prstGeom>
+          <a:noFill/>
+        </p:spPr>
+        <p:txBody>
+          <a:bodyPr wrap="square" rtlCol="0">
+            <a:spAutoFit/>
+          </a:bodyPr>
+          <a:lstStyle/>
+          <a:p>
+            <a:r>
+              <a:rPr lang="en-US" sz="2400" b="1" dirty="0" smtClean="0">
+                <a:latin typeface="Times New Roman" panose="02020603050405020304" pitchFamily="18" charset="0"/>
+                <a:cs typeface="Times New Roman" panose="02020603050405020304" pitchFamily="18" charset="0"/>
+              </a:rPr>
+              <a:t>Luminosity</a:t>
+            </a:r>
+            <a:endParaRPr lang="en-US" sz="2400" b="1" dirty="0">
+              <a:latin typeface="Times New Roman" panose="02020603050405020304" pitchFamily="18" charset="0"/>
+              <a:cs typeface="Times New Roman" panose="02020603050405020304" pitchFamily="18" charset="0"/>
+            </a:endParaRPr>
+          </a:p>
+        </p:txBody>
+      </p:sp>
+      <mc:AlternateContent xmlns:mc="http://schemas.openxmlformats.org/markup-compatibility/2006">
+        <mc:Choice xmlns:a14="http://schemas.microsoft.com/office/drawing/2010/main" Requires="a14">
+          <p:sp>
+            <p:nvSpPr>
+              <p:cNvPr id="5" name="TextBox 4"/>
+              <p:cNvSpPr txBox="1"/>
+              <p:nvPr/>
+            </p:nvSpPr>
+            <p:spPr>
+              <a:xfrm>
+                <a:off x="199176" y="1571706"/>
+                <a:ext cx="7792888" cy="508537"/>
+              </a:xfrm>
+              <a:prstGeom prst="rect">
+                <a:avLst/>
+              </a:prstGeom>
+              <a:noFill/>
+            </p:spPr>
+            <p:txBody>
+              <a:bodyPr wrap="square" rtlCol="0">
+                <a:spAutoFit/>
+              </a:bodyPr>
+              <a:lstStyle/>
+              <a:p>
+                <a:r>
+                  <a:rPr lang="en-US" dirty="0" smtClean="0"/>
+                  <a:t>● count rate </a:t>
+                </a:r>
+                <a14:m>
+                  <m:oMath xmlns:m="http://schemas.openxmlformats.org/officeDocument/2006/math">
+                    <m:f>
+                      <m:fPr>
+                        <m:ctrlPr>
+                          <a:rPr lang="en-US" i="1" smtClean="0">
+                            <a:latin typeface="Cambria Math" panose="02040503050406030204" pitchFamily="18" charset="0"/>
+                          </a:rPr>
+                        </m:ctrlPr>
+                      </m:fPr>
+                      <m:num>
+                        <m:r>
+                          <a:rPr lang="en-US" b="0" i="1" smtClean="0">
+                            <a:latin typeface="Cambria Math" panose="02040503050406030204" pitchFamily="18" charset="0"/>
+                          </a:rPr>
+                          <m:t>𝑑𝑅</m:t>
+                        </m:r>
+                      </m:num>
+                      <m:den>
+                        <m:r>
+                          <a:rPr lang="en-US" b="0" i="1" smtClean="0">
+                            <a:latin typeface="Cambria Math" panose="02040503050406030204" pitchFamily="18" charset="0"/>
+                          </a:rPr>
+                          <m:t>𝑑𝑡</m:t>
+                        </m:r>
+                      </m:den>
+                    </m:f>
+                    <m:r>
+                      <a:rPr lang="en-US" b="0" i="1" smtClean="0">
+                        <a:latin typeface="Cambria Math" panose="02040503050406030204" pitchFamily="18" charset="0"/>
+                      </a:rPr>
+                      <m:t>=</m:t>
+                    </m:r>
+                    <m:r>
+                      <a:rPr lang="en-US" b="0" i="1" smtClean="0">
+                        <a:latin typeface="Cambria Math" panose="02040503050406030204" pitchFamily="18" charset="0"/>
+                        <a:ea typeface="Cambria Math" panose="02040503050406030204" pitchFamily="18" charset="0"/>
+                      </a:rPr>
+                      <m:t>ℒ</m:t>
+                    </m:r>
+                    <m:r>
+                      <a:rPr lang="en-US" b="0" i="1" smtClean="0">
+                        <a:latin typeface="Cambria Math" panose="02040503050406030204" pitchFamily="18" charset="0"/>
+                        <a:ea typeface="Cambria Math" panose="02040503050406030204" pitchFamily="18" charset="0"/>
+                      </a:rPr>
+                      <m:t>∙</m:t>
+                    </m:r>
+                    <m:sSub>
+                      <m:sSubPr>
+                        <m:ctrlPr>
+                          <a:rPr lang="en-US" b="0" i="1" smtClean="0">
+                            <a:latin typeface="Cambria Math" panose="02040503050406030204" pitchFamily="18" charset="0"/>
+                            <a:ea typeface="Cambria Math" panose="02040503050406030204" pitchFamily="18" charset="0"/>
+                          </a:rPr>
+                        </m:ctrlPr>
+                      </m:sSubPr>
+                      <m:e>
+                        <m:r>
+                          <a:rPr lang="en-US" b="0" i="1" smtClean="0">
+                            <a:latin typeface="Cambria Math" panose="02040503050406030204" pitchFamily="18" charset="0"/>
+                            <a:ea typeface="Cambria Math" panose="02040503050406030204" pitchFamily="18" charset="0"/>
+                          </a:rPr>
+                          <m:t>𝜎</m:t>
+                        </m:r>
+                      </m:e>
+                      <m:sub>
+                        <m:r>
+                          <a:rPr lang="en-US" b="0" i="1" smtClean="0">
+                            <a:latin typeface="Cambria Math" panose="02040503050406030204" pitchFamily="18" charset="0"/>
+                            <a:ea typeface="Cambria Math" panose="02040503050406030204" pitchFamily="18" charset="0"/>
+                          </a:rPr>
+                          <m:t>𝑃</m:t>
+                        </m:r>
+                      </m:sub>
+                    </m:sSub>
+                  </m:oMath>
+                </a14:m>
+                <a:endParaRPr lang="en-US" dirty="0"/>
+              </a:p>
+            </p:txBody>
+          </p:sp>
+        </mc:Choice>
+        <mc:Fallback>
+          <p:sp>
+            <p:nvSpPr>
+              <p:cNvPr id="5" name="TextBox 4"/>
+              <p:cNvSpPr txBox="1">
+                <a:spLocks noRot="1" noChangeAspect="1" noMove="1" noResize="1" noEditPoints="1" noAdjustHandles="1" noChangeArrowheads="1" noChangeShapeType="1" noTextEdit="1"/>
+              </p:cNvSpPr>
+              <p:nvPr/>
+            </p:nvSpPr>
+            <p:spPr>
+              <a:xfrm>
+                <a:off x="199176" y="1571706"/>
+                <a:ext cx="7792888" cy="508537"/>
+              </a:xfrm>
+              <a:prstGeom prst="rect">
+                <a:avLst/>
+              </a:prstGeom>
+              <a:blipFill rotWithShape="0">
+                <a:blip r:embed="rId2"/>
+                <a:stretch>
+                  <a:fillRect l="-704" b="-4819"/>
+                </a:stretch>
+              </a:blipFill>
+            </p:spPr>
+            <p:txBody>
+              <a:bodyPr/>
+              <a:lstStyle/>
+              <a:p>
+                <a:r>
+                  <a:rPr lang="en-US">
+                    <a:noFill/>
+                  </a:rPr>
+                  <a:t> </a:t>
+                </a:r>
+              </a:p>
+            </p:txBody>
+          </p:sp>
+        </mc:Fallback>
+      </mc:AlternateContent>
+      <mc:AlternateContent xmlns:mc="http://schemas.openxmlformats.org/markup-compatibility/2006">
+        <mc:Choice xmlns:a14="http://schemas.microsoft.com/office/drawing/2010/main" Requires="a14">
+          <p:sp>
+            <p:nvSpPr>
+              <p:cNvPr id="6" name="TextBox 5"/>
+              <p:cNvSpPr txBox="1"/>
+              <p:nvPr/>
+            </p:nvSpPr>
+            <p:spPr>
+              <a:xfrm>
+                <a:off x="199176" y="2219959"/>
+                <a:ext cx="7792888" cy="2862322"/>
+              </a:xfrm>
+              <a:prstGeom prst="rect">
+                <a:avLst/>
+              </a:prstGeom>
+              <a:noFill/>
+            </p:spPr>
+            <p:txBody>
+              <a:bodyPr wrap="square" rtlCol="0">
+                <a:spAutoFit/>
+              </a:bodyPr>
+              <a:lstStyle/>
+              <a:p>
+                <a:r>
+                  <a:rPr lang="en-US" dirty="0" smtClean="0"/>
+                  <a:t>● Computation of fixed target luminosity</a:t>
+                </a:r>
+              </a:p>
+              <a:p>
+                <a:endParaRPr lang="en-US" dirty="0"/>
+              </a:p>
+              <a:p>
+                <a:r>
+                  <a:rPr lang="en-US" dirty="0" smtClean="0"/>
+                  <a:t>      ● </a:t>
+                </a:r>
+                <a:r>
+                  <a:rPr lang="en-US" b="1" dirty="0" smtClean="0">
+                    <a:solidFill>
+                      <a:srgbClr val="FF0000"/>
+                    </a:solidFill>
+                  </a:rPr>
+                  <a:t>beam flux: </a:t>
+                </a:r>
+                <a14:m>
+                  <m:oMath xmlns:m="http://schemas.openxmlformats.org/officeDocument/2006/math">
+                    <m:r>
+                      <a:rPr lang="el-GR" b="1" i="1" smtClean="0">
+                        <a:solidFill>
+                          <a:srgbClr val="FF0000"/>
+                        </a:solidFill>
+                        <a:latin typeface="Cambria Math" panose="02040503050406030204" pitchFamily="18" charset="0"/>
+                        <a:ea typeface="Cambria Math" panose="02040503050406030204" pitchFamily="18" charset="0"/>
+                      </a:rPr>
+                      <m:t>𝜱</m:t>
+                    </m:r>
+                    <m:r>
+                      <a:rPr lang="en-US" b="1" i="1" smtClean="0">
+                        <a:solidFill>
+                          <a:srgbClr val="FF0000"/>
+                        </a:solidFill>
+                        <a:latin typeface="Cambria Math" panose="02040503050406030204" pitchFamily="18" charset="0"/>
+                        <a:ea typeface="Cambria Math" panose="02040503050406030204" pitchFamily="18" charset="0"/>
+                      </a:rPr>
+                      <m:t> </m:t>
+                    </m:r>
+                  </m:oMath>
+                </a14:m>
+                <a:r>
+                  <a:rPr lang="en-US" b="1" dirty="0" smtClean="0">
+                    <a:solidFill>
+                      <a:srgbClr val="FF0000"/>
+                    </a:solidFill>
+                  </a:rPr>
+                  <a:t>, </a:t>
+                </a:r>
+                <a:r>
+                  <a:rPr lang="en-US" dirty="0" smtClean="0"/>
+                  <a:t>the number of particle per second</a:t>
+                </a:r>
+              </a:p>
+              <a:p>
+                <a:r>
+                  <a:rPr lang="en-US" dirty="0"/>
+                  <a:t> </a:t>
+                </a:r>
+                <a:r>
+                  <a:rPr lang="en-US" dirty="0" smtClean="0"/>
+                  <a:t>     ● when the target is homogeneous and larger than the </a:t>
+                </a:r>
+                <a:endParaRPr lang="en-US" dirty="0"/>
+              </a:p>
+              <a:p>
+                <a:r>
+                  <a:rPr lang="en-US" dirty="0" smtClean="0"/>
+                  <a:t>          incoming beam, the distribution of beam is not important </a:t>
+                </a:r>
+              </a:p>
+              <a:p>
+                <a:r>
+                  <a:rPr lang="en-US" dirty="0"/>
+                  <a:t> </a:t>
+                </a:r>
+                <a:r>
+                  <a:rPr lang="en-US" dirty="0" smtClean="0"/>
+                  <a:t>         for the luminosity.</a:t>
+                </a:r>
+              </a:p>
+              <a:p>
+                <a:r>
+                  <a:rPr lang="en-US" dirty="0"/>
+                  <a:t> </a:t>
+                </a:r>
+                <a:r>
+                  <a:rPr lang="en-US" dirty="0" smtClean="0"/>
+                  <a:t>     ● the target is described by its number density </a:t>
+                </a:r>
+                <a14:m>
+                  <m:oMath xmlns:m="http://schemas.openxmlformats.org/officeDocument/2006/math">
+                    <m:sSub>
+                      <m:sSubPr>
+                        <m:ctrlPr>
+                          <a:rPr lang="en-US" i="1" smtClean="0">
+                            <a:latin typeface="Cambria Math" panose="02040503050406030204" pitchFamily="18" charset="0"/>
+                          </a:rPr>
+                        </m:ctrlPr>
+                      </m:sSubPr>
+                      <m:e>
+                        <m:r>
+                          <a:rPr lang="en-US" i="1" smtClean="0">
+                            <a:latin typeface="Cambria Math" panose="02040503050406030204" pitchFamily="18" charset="0"/>
+                            <a:ea typeface="Cambria Math" panose="02040503050406030204" pitchFamily="18" charset="0"/>
+                          </a:rPr>
+                          <m:t>𝜌</m:t>
+                        </m:r>
+                      </m:e>
+                      <m:sub>
+                        <m:r>
+                          <a:rPr lang="en-US" b="0" i="1" smtClean="0">
+                            <a:latin typeface="Cambria Math" panose="02040503050406030204" pitchFamily="18" charset="0"/>
+                          </a:rPr>
+                          <m:t>𝑇</m:t>
+                        </m:r>
+                      </m:sub>
+                    </m:sSub>
+                  </m:oMath>
+                </a14:m>
+                <a:r>
+                  <a:rPr lang="en-US" dirty="0" smtClean="0"/>
+                  <a:t> and its length </a:t>
+                </a:r>
+                <a14:m>
+                  <m:oMath xmlns:m="http://schemas.openxmlformats.org/officeDocument/2006/math">
+                    <m:r>
+                      <a:rPr lang="en-US" b="0" i="1" smtClean="0">
+                        <a:latin typeface="Cambria Math" panose="02040503050406030204" pitchFamily="18" charset="0"/>
+                      </a:rPr>
+                      <m:t>𝑙</m:t>
+                    </m:r>
+                  </m:oMath>
+                </a14:m>
+                <a:r>
+                  <a:rPr lang="en-US" dirty="0" smtClean="0"/>
+                  <a:t>, the </a:t>
+                </a:r>
+              </a:p>
+              <a:p>
+                <a:r>
+                  <a:rPr lang="en-US" dirty="0"/>
+                  <a:t> </a:t>
+                </a:r>
+                <a:r>
+                  <a:rPr lang="en-US" dirty="0" smtClean="0"/>
+                  <a:t>        luminosity is </a:t>
+                </a:r>
+                <a14:m>
+                  <m:oMath xmlns:m="http://schemas.openxmlformats.org/officeDocument/2006/math">
+                    <m:r>
+                      <a:rPr lang="en-US" i="1" smtClean="0">
+                        <a:latin typeface="Cambria Math" panose="02040503050406030204" pitchFamily="18" charset="0"/>
+                        <a:ea typeface="Cambria Math" panose="02040503050406030204" pitchFamily="18" charset="0"/>
+                      </a:rPr>
+                      <m:t>ℒ</m:t>
+                    </m:r>
+                    <m:r>
+                      <a:rPr lang="en-US" b="0" i="1" smtClean="0">
+                        <a:latin typeface="Cambria Math" panose="02040503050406030204" pitchFamily="18" charset="0"/>
+                        <a:ea typeface="Cambria Math" panose="02040503050406030204" pitchFamily="18" charset="0"/>
+                      </a:rPr>
+                      <m:t>=</m:t>
+                    </m:r>
+                    <m:r>
+                      <m:rPr>
+                        <m:sty m:val="p"/>
+                      </m:rPr>
+                      <a:rPr lang="el-GR" b="0" i="1" smtClean="0">
+                        <a:latin typeface="Cambria Math" panose="02040503050406030204" pitchFamily="18" charset="0"/>
+                        <a:ea typeface="Cambria Math" panose="02040503050406030204" pitchFamily="18" charset="0"/>
+                      </a:rPr>
+                      <m:t>Φ</m:t>
+                    </m:r>
+                    <m:r>
+                      <a:rPr lang="el-GR" b="0" i="1" smtClean="0">
+                        <a:latin typeface="Cambria Math" panose="02040503050406030204" pitchFamily="18" charset="0"/>
+                        <a:ea typeface="Cambria Math" panose="02040503050406030204" pitchFamily="18" charset="0"/>
+                      </a:rPr>
+                      <m:t>∙</m:t>
+                    </m:r>
+                    <m:sSub>
+                      <m:sSubPr>
+                        <m:ctrlPr>
+                          <a:rPr lang="en-US" i="1">
+                            <a:latin typeface="Cambria Math" panose="02040503050406030204" pitchFamily="18" charset="0"/>
+                          </a:rPr>
+                        </m:ctrlPr>
+                      </m:sSubPr>
+                      <m:e>
+                        <m:r>
+                          <a:rPr lang="en-US" i="1">
+                            <a:latin typeface="Cambria Math" panose="02040503050406030204" pitchFamily="18" charset="0"/>
+                            <a:ea typeface="Cambria Math" panose="02040503050406030204" pitchFamily="18" charset="0"/>
+                          </a:rPr>
+                          <m:t>𝜌</m:t>
+                        </m:r>
+                      </m:e>
+                      <m:sub>
+                        <m:r>
+                          <a:rPr lang="en-US" i="1">
+                            <a:latin typeface="Cambria Math" panose="02040503050406030204" pitchFamily="18" charset="0"/>
+                          </a:rPr>
+                          <m:t>𝑇</m:t>
+                        </m:r>
+                      </m:sub>
+                    </m:sSub>
+                    <m:r>
+                      <a:rPr lang="en-US" i="1" smtClean="0">
+                        <a:latin typeface="Cambria Math" panose="02040503050406030204" pitchFamily="18" charset="0"/>
+                        <a:ea typeface="Cambria Math" panose="02040503050406030204" pitchFamily="18" charset="0"/>
+                      </a:rPr>
+                      <m:t>∙</m:t>
+                    </m:r>
+                    <m:r>
+                      <a:rPr lang="en-US" b="0" i="1" smtClean="0">
+                        <a:latin typeface="Cambria Math" panose="02040503050406030204" pitchFamily="18" charset="0"/>
+                      </a:rPr>
+                      <m:t>𝑙</m:t>
+                    </m:r>
+                  </m:oMath>
+                </a14:m>
+                <a:endParaRPr lang="en-US" dirty="0" smtClean="0"/>
+              </a:p>
+              <a:p>
+                <a:r>
+                  <a:rPr lang="en-US" dirty="0"/>
+                  <a:t> </a:t>
+                </a:r>
+                <a:r>
+                  <a:rPr lang="en-US" dirty="0" smtClean="0"/>
+                  <a:t>          </a:t>
+                </a:r>
+              </a:p>
+              <a:p>
+                <a:r>
+                  <a:rPr lang="en-US" dirty="0"/>
+                  <a:t> </a:t>
+                </a:r>
+                <a:r>
+                  <a:rPr lang="en-US" dirty="0" smtClean="0"/>
+                  <a:t>           </a:t>
+                </a:r>
+                <a:endParaRPr lang="en-US" dirty="0"/>
+              </a:p>
+            </p:txBody>
+          </p:sp>
+        </mc:Choice>
+        <mc:Fallback>
+          <p:sp>
+            <p:nvSpPr>
+              <p:cNvPr id="6" name="TextBox 5"/>
+              <p:cNvSpPr txBox="1">
+                <a:spLocks noRot="1" noChangeAspect="1" noMove="1" noResize="1" noEditPoints="1" noAdjustHandles="1" noChangeArrowheads="1" noChangeShapeType="1" noTextEdit="1"/>
+              </p:cNvSpPr>
+              <p:nvPr/>
+            </p:nvSpPr>
+            <p:spPr>
+              <a:xfrm>
+                <a:off x="199176" y="2219959"/>
+                <a:ext cx="7792888" cy="2862322"/>
+              </a:xfrm>
+              <a:prstGeom prst="rect">
+                <a:avLst/>
+              </a:prstGeom>
+              <a:blipFill rotWithShape="0">
+                <a:blip r:embed="rId3"/>
+                <a:stretch>
+                  <a:fillRect l="-704" t="-1064"/>
+                </a:stretch>
+              </a:blipFill>
+            </p:spPr>
+            <p:txBody>
+              <a:bodyPr/>
+              <a:lstStyle/>
+              <a:p>
+                <a:r>
+                  <a:rPr lang="en-US">
+                    <a:noFill/>
+                  </a:rPr>
+                  <a:t> </a:t>
+                </a:r>
+              </a:p>
+            </p:txBody>
+          </p:sp>
+        </mc:Fallback>
+      </mc:AlternateContent>
+      <p:pic>
+        <p:nvPicPr>
+          <p:cNvPr id="7" name="Picture 6"/>
+          <p:cNvPicPr>
+            <a:picLocks noChangeAspect="1"/>
+          </p:cNvPicPr>
+          <p:nvPr/>
+        </p:nvPicPr>
+        <p:blipFill>
+          <a:blip r:embed="rId4">
+            <a:extLst>
+              <a:ext uri="{28A0092B-C50C-407E-A947-70E740481C1C}">
+                <a14:useLocalDpi xmlns:a14="http://schemas.microsoft.com/office/drawing/2010/main" val="0"/>
+              </a:ext>
+            </a:extLst>
+          </a:blip>
+          <a:stretch>
+            <a:fillRect/>
+          </a:stretch>
+        </p:blipFill>
+        <p:spPr>
+          <a:xfrm>
+            <a:off x="7112922" y="3241141"/>
+            <a:ext cx="4799603" cy="2948447"/>
+          </a:xfrm>
+          <a:prstGeom prst="rect">
+            <a:avLst/>
+          </a:prstGeom>
+        </p:spPr>
+      </p:pic>
+      <p:sp>
+        <p:nvSpPr>
+          <p:cNvPr id="9" name="Right Brace 8"/>
+          <p:cNvSpPr/>
+          <p:nvPr/>
+        </p:nvSpPr>
+        <p:spPr>
+          <a:xfrm rot="16200000">
+            <a:off x="8709435" y="3071437"/>
+            <a:ext cx="253497" cy="531390"/>
+          </a:xfrm>
+          <a:prstGeom prst="rightBrace">
+            <a:avLst/>
+          </a:prstGeom>
+          <a:ln w="28575">
+            <a:solidFill>
+              <a:srgbClr val="00B050"/>
+            </a:solidFill>
+          </a:ln>
+        </p:spPr>
+        <p:style>
+          <a:lnRef idx="1">
+            <a:schemeClr val="accent1"/>
+          </a:lnRef>
+          <a:fillRef idx="0">
+            <a:schemeClr val="accent1"/>
+          </a:fillRef>
+          <a:effectRef idx="0">
+            <a:schemeClr val="accent1"/>
+          </a:effectRef>
+          <a:fontRef idx="minor">
+            <a:schemeClr val="tx1"/>
+          </a:fontRef>
+        </p:style>
+        <p:txBody>
+          <a:bodyPr rtlCol="0" anchor="ctr"/>
+          <a:lstStyle/>
+          <a:p>
+            <a:pPr algn="ctr"/>
+            <a:endParaRPr lang="en-US"/>
+          </a:p>
+        </p:txBody>
+      </p:sp>
+      <p:sp>
+        <p:nvSpPr>
+          <p:cNvPr id="10" name="TextBox 9"/>
+          <p:cNvSpPr txBox="1"/>
+          <p:nvPr/>
+        </p:nvSpPr>
+        <p:spPr>
+          <a:xfrm>
+            <a:off x="7932908" y="2473600"/>
+            <a:ext cx="2337941" cy="646331"/>
+          </a:xfrm>
+          <a:prstGeom prst="rect">
+            <a:avLst/>
+          </a:prstGeom>
+          <a:noFill/>
+        </p:spPr>
+        <p:txBody>
+          <a:bodyPr wrap="square" rtlCol="0">
+            <a:spAutoFit/>
+          </a:bodyPr>
+          <a:lstStyle/>
+          <a:p>
+            <a:r>
+              <a:rPr lang="en-US" dirty="0" smtClean="0">
+                <a:solidFill>
+                  <a:srgbClr val="00B050"/>
+                </a:solidFill>
+              </a:rPr>
+              <a:t>Number of interaction </a:t>
+            </a:r>
+          </a:p>
+          <a:p>
+            <a:r>
+              <a:rPr lang="en-US" dirty="0" smtClean="0">
+                <a:solidFill>
+                  <a:srgbClr val="00B050"/>
+                </a:solidFill>
+              </a:rPr>
+              <a:t>per beam particle </a:t>
+            </a:r>
+            <a:endParaRPr lang="en-US" dirty="0">
+              <a:solidFill>
+                <a:srgbClr val="00B050"/>
               </a:solidFill>
             </a:endParaRPr>
           </a:p>
@@ -3275,7 +4081,367 @@
         </p:nvSpPr>
         <p:spPr>
           <a:xfrm>
-            <a:off x="296268" y="278859"/>
+            <a:off x="0" y="0"/>
+            <a:ext cx="9325069" cy="646331"/>
+          </a:xfrm>
+          <a:prstGeom prst="rect">
+            <a:avLst/>
+          </a:prstGeom>
+          <a:noFill/>
+          <a:ln w="25400">
+            <a:solidFill>
+              <a:srgbClr val="FF0000"/>
+            </a:solidFill>
+          </a:ln>
+        </p:spPr>
+        <p:txBody>
+          <a:bodyPr wrap="square" rtlCol="0">
+            <a:spAutoFit/>
+          </a:bodyPr>
+          <a:lstStyle/>
+          <a:p>
+            <a:r>
+              <a:rPr lang="en-US" altLang="zh-CN" dirty="0" smtClean="0">
+                <a:solidFill>
+                  <a:srgbClr val="FF0000"/>
+                </a:solidFill>
+              </a:rPr>
+              <a:t>Date</a:t>
+            </a:r>
+            <a:r>
+              <a:rPr lang="en-US" altLang="zh-CN" dirty="0" smtClean="0">
+                <a:solidFill>
+                  <a:srgbClr val="FF0000"/>
+                </a:solidFill>
+              </a:rPr>
+              <a:t>: 2018-11-01</a:t>
+            </a:r>
+            <a:endParaRPr lang="en-US" altLang="zh-CN" dirty="0" smtClean="0">
+              <a:solidFill>
+                <a:srgbClr val="FF0000"/>
+              </a:solidFill>
+            </a:endParaRPr>
+          </a:p>
+          <a:p>
+            <a:r>
+              <a:rPr lang="en-US" altLang="zh-CN" dirty="0" err="1">
+                <a:solidFill>
+                  <a:srgbClr val="FF0000"/>
+                </a:solidFill>
+              </a:rPr>
+              <a:t>Source:https</a:t>
+            </a:r>
+            <a:r>
+              <a:rPr lang="en-US" altLang="zh-CN" dirty="0">
+                <a:solidFill>
+                  <a:srgbClr val="FF0000"/>
+                </a:solidFill>
+              </a:rPr>
+              <a:t>://facultystaff.richmond.edu/~</a:t>
+            </a:r>
+            <a:r>
+              <a:rPr lang="en-US" altLang="zh-CN" dirty="0" err="1">
+                <a:solidFill>
+                  <a:srgbClr val="FF0000"/>
+                </a:solidFill>
+              </a:rPr>
+              <a:t>ggilfoyl</a:t>
+            </a:r>
+            <a:r>
+              <a:rPr lang="en-US" altLang="zh-CN" dirty="0">
+                <a:solidFill>
+                  <a:srgbClr val="FF0000"/>
+                </a:solidFill>
+              </a:rPr>
+              <a:t>/research/nuclearCrossSections.pdf</a:t>
+            </a:r>
+            <a:endParaRPr lang="zh-CN" altLang="en-US" dirty="0">
+              <a:solidFill>
+                <a:srgbClr val="FF0000"/>
+              </a:solidFill>
+            </a:endParaRPr>
+          </a:p>
+        </p:txBody>
+      </p:sp>
+      <p:sp>
+        <p:nvSpPr>
+          <p:cNvPr id="3" name="TextBox 2"/>
+          <p:cNvSpPr txBox="1"/>
+          <p:nvPr/>
+        </p:nvSpPr>
+        <p:spPr>
+          <a:xfrm>
+            <a:off x="2987643" y="878186"/>
+            <a:ext cx="5196689" cy="461665"/>
+          </a:xfrm>
+          <a:prstGeom prst="rect">
+            <a:avLst/>
+          </a:prstGeom>
+          <a:noFill/>
+        </p:spPr>
+        <p:txBody>
+          <a:bodyPr wrap="square" rtlCol="0">
+            <a:spAutoFit/>
+          </a:bodyPr>
+          <a:lstStyle/>
+          <a:p>
+            <a:r>
+              <a:rPr lang="en-US" sz="2400" b="1" dirty="0" smtClean="0">
+                <a:latin typeface="Times New Roman" panose="02020603050405020304" pitchFamily="18" charset="0"/>
+                <a:cs typeface="Times New Roman" panose="02020603050405020304" pitchFamily="18" charset="0"/>
+              </a:rPr>
+              <a:t>How to measure cross section?</a:t>
+            </a:r>
+            <a:endParaRPr lang="en-US" sz="2400" b="1" dirty="0">
+              <a:latin typeface="Times New Roman" panose="02020603050405020304" pitchFamily="18" charset="0"/>
+              <a:cs typeface="Times New Roman" panose="02020603050405020304" pitchFamily="18" charset="0"/>
+            </a:endParaRPr>
+          </a:p>
+        </p:txBody>
+      </p:sp>
+      <p:sp>
+        <p:nvSpPr>
+          <p:cNvPr id="2" name="TextBox 1"/>
+          <p:cNvSpPr txBox="1"/>
+          <p:nvPr/>
+        </p:nvSpPr>
+        <p:spPr>
+          <a:xfrm>
+            <a:off x="126748" y="1571706"/>
+            <a:ext cx="2969537" cy="369332"/>
+          </a:xfrm>
+          <a:prstGeom prst="rect">
+            <a:avLst/>
+          </a:prstGeom>
+          <a:noFill/>
+        </p:spPr>
+        <p:txBody>
+          <a:bodyPr wrap="square" rtlCol="0">
+            <a:spAutoFit/>
+          </a:bodyPr>
+          <a:lstStyle/>
+          <a:p>
+            <a:r>
+              <a:rPr lang="en-US" dirty="0" smtClean="0"/>
+              <a:t>● </a:t>
+            </a:r>
+            <a:r>
+              <a:rPr lang="en-US" b="1" dirty="0" smtClean="0">
+                <a:solidFill>
+                  <a:srgbClr val="FF0000"/>
+                </a:solidFill>
+              </a:rPr>
+              <a:t>Types of cross sections</a:t>
+            </a:r>
+            <a:endParaRPr lang="en-US" b="1" dirty="0">
+              <a:solidFill>
+                <a:srgbClr val="FF0000"/>
+              </a:solidFill>
+            </a:endParaRPr>
+          </a:p>
+        </p:txBody>
+      </p:sp>
+      <p:pic>
+        <p:nvPicPr>
+          <p:cNvPr id="5" name="Picture 4"/>
+          <p:cNvPicPr>
+            <a:picLocks noChangeAspect="1"/>
+          </p:cNvPicPr>
+          <p:nvPr/>
+        </p:nvPicPr>
+        <p:blipFill>
+          <a:blip r:embed="rId2">
+            <a:extLst>
+              <a:ext uri="{28A0092B-C50C-407E-A947-70E740481C1C}">
+                <a14:useLocalDpi xmlns:a14="http://schemas.microsoft.com/office/drawing/2010/main" val="0"/>
+              </a:ext>
+            </a:extLst>
+          </a:blip>
+          <a:stretch>
+            <a:fillRect/>
+          </a:stretch>
+        </p:blipFill>
+        <p:spPr>
+          <a:xfrm>
+            <a:off x="3476530" y="1642896"/>
+            <a:ext cx="6306897" cy="4779666"/>
+          </a:xfrm>
+          <a:prstGeom prst="rect">
+            <a:avLst/>
+          </a:prstGeom>
+        </p:spPr>
+      </p:pic>
+    </p:spTree>
+    <p:extLst>
+      <p:ext uri="{BB962C8B-B14F-4D97-AF65-F5344CB8AC3E}">
+        <p14:creationId xmlns:p14="http://schemas.microsoft.com/office/powerpoint/2010/main" val="3488402378"/>
+      </p:ext>
+    </p:extLst>
+  </p:cSld>
+  <p:clrMapOvr>
+    <a:masterClrMapping/>
+  </p:clrMapOvr>
+</p:sld>
+</file>
+
+<file path=ppt/slides/slide6.xml><?xml version="1.0" encoding="utf-8"?>
+<p:sld xmlns:a="http://schemas.openxmlformats.org/drawingml/2006/main" xmlns:r="http://schemas.openxmlformats.org/officeDocument/2006/relationships" xmlns:p="http://schemas.openxmlformats.org/presentationml/2006/main">
+  <p:cSld>
+    <p:spTree>
+      <p:nvGrpSpPr>
+        <p:cNvPr id="1" name=""/>
+        <p:cNvGrpSpPr/>
+        <p:nvPr/>
+      </p:nvGrpSpPr>
+      <p:grpSpPr>
+        <a:xfrm>
+          <a:off x="0" y="0"/>
+          <a:ext cx="0" cy="0"/>
+          <a:chOff x="0" y="0"/>
+          <a:chExt cx="0" cy="0"/>
+        </a:xfrm>
+      </p:grpSpPr>
+      <p:sp>
+        <p:nvSpPr>
+          <p:cNvPr id="3" name="TextBox 2"/>
+          <p:cNvSpPr txBox="1"/>
+          <p:nvPr/>
+        </p:nvSpPr>
+        <p:spPr>
+          <a:xfrm>
+            <a:off x="90534" y="114098"/>
+            <a:ext cx="4065005" cy="369332"/>
+          </a:xfrm>
+          <a:prstGeom prst="rect">
+            <a:avLst/>
+          </a:prstGeom>
+          <a:noFill/>
+        </p:spPr>
+        <p:txBody>
+          <a:bodyPr wrap="square" rtlCol="0">
+            <a:spAutoFit/>
+          </a:bodyPr>
+          <a:lstStyle/>
+          <a:p>
+            <a:r>
+              <a:rPr lang="en-US" dirty="0" smtClean="0"/>
+              <a:t>● </a:t>
+            </a:r>
+            <a:r>
+              <a:rPr lang="en-US" b="1" dirty="0" smtClean="0">
+                <a:solidFill>
+                  <a:srgbClr val="FF0000"/>
+                </a:solidFill>
+              </a:rPr>
+              <a:t>Measurement of Cross section</a:t>
+            </a:r>
+            <a:endParaRPr lang="en-US" b="1" dirty="0">
+              <a:solidFill>
+                <a:srgbClr val="FF0000"/>
+              </a:solidFill>
+            </a:endParaRPr>
+          </a:p>
+        </p:txBody>
+      </p:sp>
+      <p:pic>
+        <p:nvPicPr>
+          <p:cNvPr id="2" name="Picture 1"/>
+          <p:cNvPicPr>
+            <a:picLocks noChangeAspect="1"/>
+          </p:cNvPicPr>
+          <p:nvPr/>
+        </p:nvPicPr>
+        <p:blipFill>
+          <a:blip r:embed="rId2">
+            <a:extLst>
+              <a:ext uri="{28A0092B-C50C-407E-A947-70E740481C1C}">
+                <a14:useLocalDpi xmlns:a14="http://schemas.microsoft.com/office/drawing/2010/main" val="0"/>
+              </a:ext>
+            </a:extLst>
+          </a:blip>
+          <a:stretch>
+            <a:fillRect/>
+          </a:stretch>
+        </p:blipFill>
+        <p:spPr>
+          <a:xfrm>
+            <a:off x="90534" y="1195057"/>
+            <a:ext cx="5948473" cy="4599160"/>
+          </a:xfrm>
+          <a:prstGeom prst="rect">
+            <a:avLst/>
+          </a:prstGeom>
+        </p:spPr>
+      </p:pic>
+      <p:pic>
+        <p:nvPicPr>
+          <p:cNvPr id="5" name="Picture 4"/>
+          <p:cNvPicPr>
+            <a:picLocks noChangeAspect="1"/>
+          </p:cNvPicPr>
+          <p:nvPr/>
+        </p:nvPicPr>
+        <p:blipFill>
+          <a:blip r:embed="rId3">
+            <a:extLst>
+              <a:ext uri="{28A0092B-C50C-407E-A947-70E740481C1C}">
+                <a14:useLocalDpi xmlns:a14="http://schemas.microsoft.com/office/drawing/2010/main" val="0"/>
+              </a:ext>
+            </a:extLst>
+          </a:blip>
+          <a:stretch>
+            <a:fillRect/>
+          </a:stretch>
+        </p:blipFill>
+        <p:spPr>
+          <a:xfrm>
+            <a:off x="6131311" y="1272760"/>
+            <a:ext cx="5970027" cy="4443753"/>
+          </a:xfrm>
+          <a:prstGeom prst="rect">
+            <a:avLst/>
+          </a:prstGeom>
+        </p:spPr>
+      </p:pic>
+    </p:spTree>
+    <p:extLst>
+      <p:ext uri="{BB962C8B-B14F-4D97-AF65-F5344CB8AC3E}">
+        <p14:creationId xmlns:p14="http://schemas.microsoft.com/office/powerpoint/2010/main" val="381967503"/>
+      </p:ext>
+    </p:extLst>
+  </p:cSld>
+  <p:clrMapOvr>
+    <a:masterClrMapping/>
+  </p:clrMapOvr>
+</p:sld>
+</file>
+
+<file path=ppt/slides/slide7.xml><?xml version="1.0" encoding="utf-8"?>
+<p:sld xmlns:a="http://schemas.openxmlformats.org/drawingml/2006/main" xmlns:r="http://schemas.openxmlformats.org/officeDocument/2006/relationships" xmlns:p="http://schemas.openxmlformats.org/presentationml/2006/main">
+  <p:cSld>
+    <p:spTree>
+      <p:nvGrpSpPr>
+        <p:cNvPr id="1" name=""/>
+        <p:cNvGrpSpPr/>
+        <p:nvPr/>
+      </p:nvGrpSpPr>
+      <p:grpSpPr>
+        <a:xfrm>
+          <a:off x="0" y="0"/>
+          <a:ext cx="0" cy="0"/>
+          <a:chOff x="0" y="0"/>
+          <a:chExt cx="0" cy="0"/>
+        </a:xfrm>
+      </p:grpSpPr>
+      <p:sp>
+        <p:nvSpPr>
+          <p:cNvPr id="4" name="文本框 3"/>
+          <p:cNvSpPr txBox="1"/>
+          <p:nvPr/>
+        </p:nvSpPr>
+        <p:spPr>
+          <a:xfrm>
+            <a:off x="0" y="0"/>
             <a:ext cx="3056021" cy="646331"/>
           </a:xfrm>
           <a:prstGeom prst="rect">
@@ -3323,7 +4489,173 @@
     </p:spTree>
     <p:extLst>
       <p:ext uri="{BB962C8B-B14F-4D97-AF65-F5344CB8AC3E}">
-        <p14:creationId xmlns:p14="http://schemas.microsoft.com/office/powerpoint/2010/main" val="3488402378"/>
+        <p14:creationId xmlns:p14="http://schemas.microsoft.com/office/powerpoint/2010/main" val="443480041"/>
+      </p:ext>
+    </p:extLst>
+  </p:cSld>
+  <p:clrMapOvr>
+    <a:masterClrMapping/>
+  </p:clrMapOvr>
+</p:sld>
+</file>
+
+<file path=ppt/slides/slide8.xml><?xml version="1.0" encoding="utf-8"?>
+<p:sld xmlns:a="http://schemas.openxmlformats.org/drawingml/2006/main" xmlns:r="http://schemas.openxmlformats.org/officeDocument/2006/relationships" xmlns:p="http://schemas.openxmlformats.org/presentationml/2006/main">
+  <p:cSld>
+    <p:spTree>
+      <p:nvGrpSpPr>
+        <p:cNvPr id="1" name=""/>
+        <p:cNvGrpSpPr/>
+        <p:nvPr/>
+      </p:nvGrpSpPr>
+      <p:grpSpPr>
+        <a:xfrm>
+          <a:off x="0" y="0"/>
+          <a:ext cx="0" cy="0"/>
+          <a:chOff x="0" y="0"/>
+          <a:chExt cx="0" cy="0"/>
+        </a:xfrm>
+      </p:grpSpPr>
+      <p:sp>
+        <p:nvSpPr>
+          <p:cNvPr id="4" name="文本框 3"/>
+          <p:cNvSpPr txBox="1"/>
+          <p:nvPr/>
+        </p:nvSpPr>
+        <p:spPr>
+          <a:xfrm>
+            <a:off x="0" y="0"/>
+            <a:ext cx="3056021" cy="646331"/>
+          </a:xfrm>
+          <a:prstGeom prst="rect">
+            <a:avLst/>
+          </a:prstGeom>
+          <a:noFill/>
+          <a:ln w="25400">
+            <a:solidFill>
+              <a:srgbClr val="FF0000"/>
+            </a:solidFill>
+          </a:ln>
+        </p:spPr>
+        <p:txBody>
+          <a:bodyPr wrap="square" rtlCol="0">
+            <a:spAutoFit/>
+          </a:bodyPr>
+          <a:lstStyle/>
+          <a:p>
+            <a:r>
+              <a:rPr lang="en-US" altLang="zh-CN" dirty="0" smtClean="0">
+                <a:solidFill>
+                  <a:srgbClr val="FF0000"/>
+                </a:solidFill>
+              </a:rPr>
+              <a:t>Date:</a:t>
+            </a:r>
+          </a:p>
+          <a:p>
+            <a:r>
+              <a:rPr lang="en-US" altLang="zh-CN" dirty="0" smtClean="0">
+                <a:solidFill>
+                  <a:srgbClr val="FF0000"/>
+                </a:solidFill>
+              </a:rPr>
+              <a:t>Source:</a:t>
+            </a:r>
+            <a:endParaRPr lang="zh-CN" altLang="en-US" dirty="0">
+              <a:solidFill>
+                <a:srgbClr val="FF0000"/>
+              </a:solidFill>
+            </a:endParaRPr>
+          </a:p>
+        </p:txBody>
+      </p:sp>
+    </p:spTree>
+    <p:extLst>
+      <p:ext uri="{BB962C8B-B14F-4D97-AF65-F5344CB8AC3E}">
+        <p14:creationId xmlns:p14="http://schemas.microsoft.com/office/powerpoint/2010/main" val="1077460954"/>
+      </p:ext>
+    </p:extLst>
+  </p:cSld>
+  <p:clrMapOvr>
+    <a:masterClrMapping/>
+  </p:clrMapOvr>
+</p:sld>
+</file>
+
+<file path=ppt/slides/slide9.xml><?xml version="1.0" encoding="utf-8"?>
+<p:sld xmlns:a="http://schemas.openxmlformats.org/drawingml/2006/main" xmlns:r="http://schemas.openxmlformats.org/officeDocument/2006/relationships" xmlns:p="http://schemas.openxmlformats.org/presentationml/2006/main">
+  <p:cSld>
+    <p:spTree>
+      <p:nvGrpSpPr>
+        <p:cNvPr id="1" name=""/>
+        <p:cNvGrpSpPr/>
+        <p:nvPr/>
+      </p:nvGrpSpPr>
+      <p:grpSpPr>
+        <a:xfrm>
+          <a:off x="0" y="0"/>
+          <a:ext cx="0" cy="0"/>
+          <a:chOff x="0" y="0"/>
+          <a:chExt cx="0" cy="0"/>
+        </a:xfrm>
+      </p:grpSpPr>
+      <p:sp>
+        <p:nvSpPr>
+          <p:cNvPr id="4" name="文本框 3"/>
+          <p:cNvSpPr txBox="1"/>
+          <p:nvPr/>
+        </p:nvSpPr>
+        <p:spPr>
+          <a:xfrm>
+            <a:off x="0" y="0"/>
+            <a:ext cx="3056021" cy="646331"/>
+          </a:xfrm>
+          <a:prstGeom prst="rect">
+            <a:avLst/>
+          </a:prstGeom>
+          <a:noFill/>
+          <a:ln w="25400">
+            <a:solidFill>
+              <a:srgbClr val="FF0000"/>
+            </a:solidFill>
+          </a:ln>
+        </p:spPr>
+        <p:txBody>
+          <a:bodyPr wrap="square" rtlCol="0">
+            <a:spAutoFit/>
+          </a:bodyPr>
+          <a:lstStyle/>
+          <a:p>
+            <a:r>
+              <a:rPr lang="en-US" altLang="zh-CN" dirty="0" smtClean="0">
+                <a:solidFill>
+                  <a:srgbClr val="FF0000"/>
+                </a:solidFill>
+              </a:rPr>
+              <a:t>Date:</a:t>
+            </a:r>
+          </a:p>
+          <a:p>
+            <a:r>
+              <a:rPr lang="en-US" altLang="zh-CN" dirty="0" smtClean="0">
+                <a:solidFill>
+                  <a:srgbClr val="FF0000"/>
+                </a:solidFill>
+              </a:rPr>
+              <a:t>Source:</a:t>
+            </a:r>
+            <a:endParaRPr lang="zh-CN" altLang="en-US" dirty="0">
+              <a:solidFill>
+                <a:srgbClr val="FF0000"/>
+              </a:solidFill>
+            </a:endParaRPr>
+          </a:p>
+        </p:txBody>
+      </p:sp>
+    </p:spTree>
+    <p:extLst>
+      <p:ext uri="{BB962C8B-B14F-4D97-AF65-F5344CB8AC3E}">
+        <p14:creationId xmlns:p14="http://schemas.microsoft.com/office/powerpoint/2010/main" val="1428967206"/>
       </p:ext>
     </p:extLst>
   </p:cSld>

--- a/01BacsiConceptsInNuclearPhysics.pptx
+++ b/01BacsiConceptsInNuclearPhysics.pptx
@@ -4,14 +4,17 @@
   <p:sldMasterIdLst>
     <p:sldMasterId id="2147483648" r:id="rId1"/>
   </p:sldMasterIdLst>
+  <p:notesMasterIdLst>
+    <p:notesMasterId r:id="rId13"/>
+  </p:notesMasterIdLst>
   <p:sldIdLst>
-    <p:sldId id="262" r:id="rId2"/>
-    <p:sldId id="261" r:id="rId3"/>
-    <p:sldId id="256" r:id="rId4"/>
-    <p:sldId id="259" r:id="rId5"/>
-    <p:sldId id="260" r:id="rId6"/>
-    <p:sldId id="263" r:id="rId7"/>
-    <p:sldId id="264" r:id="rId8"/>
+    <p:sldId id="261" r:id="rId2"/>
+    <p:sldId id="256" r:id="rId3"/>
+    <p:sldId id="259" r:id="rId4"/>
+    <p:sldId id="260" r:id="rId5"/>
+    <p:sldId id="263" r:id="rId6"/>
+    <p:sldId id="264" r:id="rId7"/>
+    <p:sldId id="262" r:id="rId8"/>
     <p:sldId id="265" r:id="rId9"/>
     <p:sldId id="266" r:id="rId10"/>
     <p:sldId id="267" r:id="rId11"/>
@@ -122,6 +125,440 @@
 </p:presentation>
 </file>
 
+<file path=ppt/notesMasters/notesMaster1.xml><?xml version="1.0" encoding="utf-8"?>
+<p:notesMaster xmlns:a="http://schemas.openxmlformats.org/drawingml/2006/main" xmlns:r="http://schemas.openxmlformats.org/officeDocument/2006/relationships" xmlns:p="http://schemas.openxmlformats.org/presentationml/2006/main">
+  <p:cSld>
+    <p:bg>
+      <p:bgRef idx="1001">
+        <a:schemeClr val="bg1"/>
+      </p:bgRef>
+    </p:bg>
+    <p:spTree>
+      <p:nvGrpSpPr>
+        <p:cNvPr id="1" name=""/>
+        <p:cNvGrpSpPr/>
+        <p:nvPr/>
+      </p:nvGrpSpPr>
+      <p:grpSpPr>
+        <a:xfrm>
+          <a:off x="0" y="0"/>
+          <a:ext cx="0" cy="0"/>
+          <a:chOff x="0" y="0"/>
+          <a:chExt cx="0" cy="0"/>
+        </a:xfrm>
+      </p:grpSpPr>
+      <p:sp>
+        <p:nvSpPr>
+          <p:cNvPr id="2" name="Header Placeholder 1"/>
+          <p:cNvSpPr>
+            <a:spLocks noGrp="1"/>
+          </p:cNvSpPr>
+          <p:nvPr>
+            <p:ph type="hdr" sz="quarter"/>
+          </p:nvPr>
+        </p:nvSpPr>
+        <p:spPr>
+          <a:xfrm>
+            <a:off x="0" y="0"/>
+            <a:ext cx="2971800" cy="458788"/>
+          </a:xfrm>
+          <a:prstGeom prst="rect">
+            <a:avLst/>
+          </a:prstGeom>
+        </p:spPr>
+        <p:txBody>
+          <a:bodyPr vert="horz" lIns="91440" tIns="45720" rIns="91440" bIns="45720" rtlCol="0"/>
+          <a:lstStyle>
+            <a:lvl1pPr algn="l">
+              <a:defRPr sz="1200"/>
+            </a:lvl1pPr>
+          </a:lstStyle>
+          <a:p>
+            <a:endParaRPr lang="en-US"/>
+          </a:p>
+        </p:txBody>
+      </p:sp>
+      <p:sp>
+        <p:nvSpPr>
+          <p:cNvPr id="3" name="Date Placeholder 2"/>
+          <p:cNvSpPr>
+            <a:spLocks noGrp="1"/>
+          </p:cNvSpPr>
+          <p:nvPr>
+            <p:ph type="dt" idx="1"/>
+          </p:nvPr>
+        </p:nvSpPr>
+        <p:spPr>
+          <a:xfrm>
+            <a:off x="3884613" y="0"/>
+            <a:ext cx="2971800" cy="458788"/>
+          </a:xfrm>
+          <a:prstGeom prst="rect">
+            <a:avLst/>
+          </a:prstGeom>
+        </p:spPr>
+        <p:txBody>
+          <a:bodyPr vert="horz" lIns="91440" tIns="45720" rIns="91440" bIns="45720" rtlCol="0"/>
+          <a:lstStyle>
+            <a:lvl1pPr algn="r">
+              <a:defRPr sz="1200"/>
+            </a:lvl1pPr>
+          </a:lstStyle>
+          <a:p>
+            <a:fld id="{704FB68E-0BF6-4F50-894F-05F919509A4F}" type="datetimeFigureOut">
+              <a:rPr lang="en-US" smtClean="0"/>
+              <a:t>11/6/2018</a:t>
+            </a:fld>
+            <a:endParaRPr lang="en-US"/>
+          </a:p>
+        </p:txBody>
+      </p:sp>
+      <p:sp>
+        <p:nvSpPr>
+          <p:cNvPr id="4" name="Slide Image Placeholder 3"/>
+          <p:cNvSpPr>
+            <a:spLocks noGrp="1" noRot="1" noChangeAspect="1"/>
+          </p:cNvSpPr>
+          <p:nvPr>
+            <p:ph type="sldImg" idx="2"/>
+          </p:nvPr>
+        </p:nvSpPr>
+        <p:spPr>
+          <a:xfrm>
+            <a:off x="685800" y="1143000"/>
+            <a:ext cx="5486400" cy="3086100"/>
+          </a:xfrm>
+          <a:prstGeom prst="rect">
+            <a:avLst/>
+          </a:prstGeom>
+          <a:noFill/>
+          <a:ln w="12700">
+            <a:solidFill>
+              <a:prstClr val="black"/>
+            </a:solidFill>
+          </a:ln>
+        </p:spPr>
+        <p:txBody>
+          <a:bodyPr vert="horz" lIns="91440" tIns="45720" rIns="91440" bIns="45720" rtlCol="0" anchor="ctr"/>
+          <a:lstStyle/>
+          <a:p>
+            <a:endParaRPr lang="en-US"/>
+          </a:p>
+        </p:txBody>
+      </p:sp>
+      <p:sp>
+        <p:nvSpPr>
+          <p:cNvPr id="5" name="Notes Placeholder 4"/>
+          <p:cNvSpPr>
+            <a:spLocks noGrp="1"/>
+          </p:cNvSpPr>
+          <p:nvPr>
+            <p:ph type="body" sz="quarter" idx="3"/>
+          </p:nvPr>
+        </p:nvSpPr>
+        <p:spPr>
+          <a:xfrm>
+            <a:off x="685800" y="4400550"/>
+            <a:ext cx="5486400" cy="3600450"/>
+          </a:xfrm>
+          <a:prstGeom prst="rect">
+            <a:avLst/>
+          </a:prstGeom>
+        </p:spPr>
+        <p:txBody>
+          <a:bodyPr vert="horz" lIns="91440" tIns="45720" rIns="91440" bIns="45720" rtlCol="0"/>
+          <a:lstStyle/>
+          <a:p>
+            <a:pPr lvl="0"/>
+            <a:r>
+              <a:rPr lang="en-US" smtClean="0"/>
+              <a:t>Click to edit Master text styles</a:t>
+            </a:r>
+          </a:p>
+          <a:p>
+            <a:pPr lvl="1"/>
+            <a:r>
+              <a:rPr lang="en-US" smtClean="0"/>
+              <a:t>Second level</a:t>
+            </a:r>
+          </a:p>
+          <a:p>
+            <a:pPr lvl="2"/>
+            <a:r>
+              <a:rPr lang="en-US" smtClean="0"/>
+              <a:t>Third level</a:t>
+            </a:r>
+          </a:p>
+          <a:p>
+            <a:pPr lvl="3"/>
+            <a:r>
+              <a:rPr lang="en-US" smtClean="0"/>
+              <a:t>Fourth level</a:t>
+            </a:r>
+          </a:p>
+          <a:p>
+            <a:pPr lvl="4"/>
+            <a:r>
+              <a:rPr lang="en-US" smtClean="0"/>
+              <a:t>Fifth level</a:t>
+            </a:r>
+            <a:endParaRPr lang="en-US"/>
+          </a:p>
+        </p:txBody>
+      </p:sp>
+      <p:sp>
+        <p:nvSpPr>
+          <p:cNvPr id="6" name="Footer Placeholder 5"/>
+          <p:cNvSpPr>
+            <a:spLocks noGrp="1"/>
+          </p:cNvSpPr>
+          <p:nvPr>
+            <p:ph type="ftr" sz="quarter" idx="4"/>
+          </p:nvPr>
+        </p:nvSpPr>
+        <p:spPr>
+          <a:xfrm>
+            <a:off x="0" y="8685213"/>
+            <a:ext cx="2971800" cy="458787"/>
+          </a:xfrm>
+          <a:prstGeom prst="rect">
+            <a:avLst/>
+          </a:prstGeom>
+        </p:spPr>
+        <p:txBody>
+          <a:bodyPr vert="horz" lIns="91440" tIns="45720" rIns="91440" bIns="45720" rtlCol="0" anchor="b"/>
+          <a:lstStyle>
+            <a:lvl1pPr algn="l">
+              <a:defRPr sz="1200"/>
+            </a:lvl1pPr>
+          </a:lstStyle>
+          <a:p>
+            <a:endParaRPr lang="en-US"/>
+          </a:p>
+        </p:txBody>
+      </p:sp>
+      <p:sp>
+        <p:nvSpPr>
+          <p:cNvPr id="7" name="Slide Number Placeholder 6"/>
+          <p:cNvSpPr>
+            <a:spLocks noGrp="1"/>
+          </p:cNvSpPr>
+          <p:nvPr>
+            <p:ph type="sldNum" sz="quarter" idx="5"/>
+          </p:nvPr>
+        </p:nvSpPr>
+        <p:spPr>
+          <a:xfrm>
+            <a:off x="3884613" y="8685213"/>
+            <a:ext cx="2971800" cy="458787"/>
+          </a:xfrm>
+          <a:prstGeom prst="rect">
+            <a:avLst/>
+          </a:prstGeom>
+        </p:spPr>
+        <p:txBody>
+          <a:bodyPr vert="horz" lIns="91440" tIns="45720" rIns="91440" bIns="45720" rtlCol="0" anchor="b"/>
+          <a:lstStyle>
+            <a:lvl1pPr algn="r">
+              <a:defRPr sz="1200"/>
+            </a:lvl1pPr>
+          </a:lstStyle>
+          <a:p>
+            <a:fld id="{EF4A9A80-4375-46D6-A3E8-864587C352EE}" type="slidenum">
+              <a:rPr lang="en-US" smtClean="0"/>
+              <a:t>‹#›</a:t>
+            </a:fld>
+            <a:endParaRPr lang="en-US"/>
+          </a:p>
+        </p:txBody>
+      </p:sp>
+    </p:spTree>
+    <p:extLst>
+      <p:ext uri="{BB962C8B-B14F-4D97-AF65-F5344CB8AC3E}">
+        <p14:creationId xmlns:p14="http://schemas.microsoft.com/office/powerpoint/2010/main" val="4052906586"/>
+      </p:ext>
+    </p:extLst>
+  </p:cSld>
+  <p:clrMap bg1="lt1" tx1="dk1" bg2="lt2" tx2="dk2" accent1="accent1" accent2="accent2" accent3="accent3" accent4="accent4" accent5="accent5" accent6="accent6" hlink="hlink" folHlink="folHlink"/>
+  <p:notesStyle>
+    <a:lvl1pPr marL="0" algn="l" defTabSz="914400" rtl="0" eaLnBrk="1" latinLnBrk="0" hangingPunct="1">
+      <a:defRPr sz="1200" kern="1200">
+        <a:solidFill>
+          <a:schemeClr val="tx1"/>
+        </a:solidFill>
+        <a:latin typeface="+mn-lt"/>
+        <a:ea typeface="+mn-ea"/>
+        <a:cs typeface="+mn-cs"/>
+      </a:defRPr>
+    </a:lvl1pPr>
+    <a:lvl2pPr marL="457200" algn="l" defTabSz="914400" rtl="0" eaLnBrk="1" latinLnBrk="0" hangingPunct="1">
+      <a:defRPr sz="1200" kern="1200">
+        <a:solidFill>
+          <a:schemeClr val="tx1"/>
+        </a:solidFill>
+        <a:latin typeface="+mn-lt"/>
+        <a:ea typeface="+mn-ea"/>
+        <a:cs typeface="+mn-cs"/>
+      </a:defRPr>
+    </a:lvl2pPr>
+    <a:lvl3pPr marL="914400" algn="l" defTabSz="914400" rtl="0" eaLnBrk="1" latinLnBrk="0" hangingPunct="1">
+      <a:defRPr sz="1200" kern="1200">
+        <a:solidFill>
+          <a:schemeClr val="tx1"/>
+        </a:solidFill>
+        <a:latin typeface="+mn-lt"/>
+        <a:ea typeface="+mn-ea"/>
+        <a:cs typeface="+mn-cs"/>
+      </a:defRPr>
+    </a:lvl3pPr>
+    <a:lvl4pPr marL="1371600" algn="l" defTabSz="914400" rtl="0" eaLnBrk="1" latinLnBrk="0" hangingPunct="1">
+      <a:defRPr sz="1200" kern="1200">
+        <a:solidFill>
+          <a:schemeClr val="tx1"/>
+        </a:solidFill>
+        <a:latin typeface="+mn-lt"/>
+        <a:ea typeface="+mn-ea"/>
+        <a:cs typeface="+mn-cs"/>
+      </a:defRPr>
+    </a:lvl4pPr>
+    <a:lvl5pPr marL="1828800" algn="l" defTabSz="914400" rtl="0" eaLnBrk="1" latinLnBrk="0" hangingPunct="1">
+      <a:defRPr sz="1200" kern="1200">
+        <a:solidFill>
+          <a:schemeClr val="tx1"/>
+        </a:solidFill>
+        <a:latin typeface="+mn-lt"/>
+        <a:ea typeface="+mn-ea"/>
+        <a:cs typeface="+mn-cs"/>
+      </a:defRPr>
+    </a:lvl5pPr>
+    <a:lvl6pPr marL="2286000" algn="l" defTabSz="914400" rtl="0" eaLnBrk="1" latinLnBrk="0" hangingPunct="1">
+      <a:defRPr sz="1200" kern="1200">
+        <a:solidFill>
+          <a:schemeClr val="tx1"/>
+        </a:solidFill>
+        <a:latin typeface="+mn-lt"/>
+        <a:ea typeface="+mn-ea"/>
+        <a:cs typeface="+mn-cs"/>
+      </a:defRPr>
+    </a:lvl6pPr>
+    <a:lvl7pPr marL="2743200" algn="l" defTabSz="914400" rtl="0" eaLnBrk="1" latinLnBrk="0" hangingPunct="1">
+      <a:defRPr sz="1200" kern="1200">
+        <a:solidFill>
+          <a:schemeClr val="tx1"/>
+        </a:solidFill>
+        <a:latin typeface="+mn-lt"/>
+        <a:ea typeface="+mn-ea"/>
+        <a:cs typeface="+mn-cs"/>
+      </a:defRPr>
+    </a:lvl7pPr>
+    <a:lvl8pPr marL="3200400" algn="l" defTabSz="914400" rtl="0" eaLnBrk="1" latinLnBrk="0" hangingPunct="1">
+      <a:defRPr sz="1200" kern="1200">
+        <a:solidFill>
+          <a:schemeClr val="tx1"/>
+        </a:solidFill>
+        <a:latin typeface="+mn-lt"/>
+        <a:ea typeface="+mn-ea"/>
+        <a:cs typeface="+mn-cs"/>
+      </a:defRPr>
+    </a:lvl8pPr>
+    <a:lvl9pPr marL="3657600" algn="l" defTabSz="914400" rtl="0" eaLnBrk="1" latinLnBrk="0" hangingPunct="1">
+      <a:defRPr sz="1200" kern="1200">
+        <a:solidFill>
+          <a:schemeClr val="tx1"/>
+        </a:solidFill>
+        <a:latin typeface="+mn-lt"/>
+        <a:ea typeface="+mn-ea"/>
+        <a:cs typeface="+mn-cs"/>
+      </a:defRPr>
+    </a:lvl9pPr>
+  </p:notesStyle>
+</p:notesMaster>
+</file>
+
+<file path=ppt/notesSlides/notesSlide1.xml><?xml version="1.0" encoding="utf-8"?>
+<p:notes xmlns:a="http://schemas.openxmlformats.org/drawingml/2006/main" xmlns:r="http://schemas.openxmlformats.org/officeDocument/2006/relationships" xmlns:p="http://schemas.openxmlformats.org/presentationml/2006/main">
+  <p:cSld>
+    <p:spTree>
+      <p:nvGrpSpPr>
+        <p:cNvPr id="1" name=""/>
+        <p:cNvGrpSpPr/>
+        <p:nvPr/>
+      </p:nvGrpSpPr>
+      <p:grpSpPr>
+        <a:xfrm>
+          <a:off x="0" y="0"/>
+          <a:ext cx="0" cy="0"/>
+          <a:chOff x="0" y="0"/>
+          <a:chExt cx="0" cy="0"/>
+        </a:xfrm>
+      </p:grpSpPr>
+      <p:sp>
+        <p:nvSpPr>
+          <p:cNvPr id="2" name="Slide Image Placeholder 1"/>
+          <p:cNvSpPr>
+            <a:spLocks noGrp="1" noRot="1" noChangeAspect="1"/>
+          </p:cNvSpPr>
+          <p:nvPr>
+            <p:ph type="sldImg"/>
+          </p:nvPr>
+        </p:nvSpPr>
+        <p:spPr/>
+      </p:sp>
+      <p:sp>
+        <p:nvSpPr>
+          <p:cNvPr id="3" name="Notes Placeholder 2"/>
+          <p:cNvSpPr>
+            <a:spLocks noGrp="1"/>
+          </p:cNvSpPr>
+          <p:nvPr>
+            <p:ph type="body" idx="1"/>
+          </p:nvPr>
+        </p:nvSpPr>
+        <p:spPr/>
+        <p:txBody>
+          <a:bodyPr/>
+          <a:lstStyle/>
+          <a:p>
+            <a:endParaRPr lang="en-US"/>
+          </a:p>
+        </p:txBody>
+      </p:sp>
+      <p:sp>
+        <p:nvSpPr>
+          <p:cNvPr id="4" name="Slide Number Placeholder 3"/>
+          <p:cNvSpPr>
+            <a:spLocks noGrp="1"/>
+          </p:cNvSpPr>
+          <p:nvPr>
+            <p:ph type="sldNum" sz="quarter" idx="10"/>
+          </p:nvPr>
+        </p:nvSpPr>
+        <p:spPr/>
+        <p:txBody>
+          <a:bodyPr/>
+          <a:lstStyle/>
+          <a:p>
+            <a:fld id="{EF4A9A80-4375-46D6-A3E8-864587C352EE}" type="slidenum">
+              <a:rPr lang="en-US" smtClean="0"/>
+              <a:t>6</a:t>
+            </a:fld>
+            <a:endParaRPr lang="en-US"/>
+          </a:p>
+        </p:txBody>
+      </p:sp>
+    </p:spTree>
+    <p:extLst>
+      <p:ext uri="{BB962C8B-B14F-4D97-AF65-F5344CB8AC3E}">
+        <p14:creationId xmlns:p14="http://schemas.microsoft.com/office/powerpoint/2010/main" val="4080126690"/>
+      </p:ext>
+    </p:extLst>
+  </p:cSld>
+  <p:clrMapOvr>
+    <a:masterClrMapping/>
+  </p:clrMapOvr>
+</p:notes>
+</file>
+
 <file path=ppt/slideLayouts/slideLayout1.xml><?xml version="1.0" encoding="utf-8"?>
 <p:sldLayout xmlns:a="http://schemas.openxmlformats.org/drawingml/2006/main" xmlns:r="http://schemas.openxmlformats.org/officeDocument/2006/relationships" xmlns:p="http://schemas.openxmlformats.org/presentationml/2006/main" type="title" preserve="1">
   <p:cSld name="标题幻灯片">
@@ -253,7 +690,7 @@
           <a:p>
             <a:fld id="{671484C7-CE74-40BE-9A81-F48CEFF7399F}" type="datetimeFigureOut">
               <a:rPr lang="zh-CN" altLang="en-US" smtClean="0"/>
-              <a:t>2018/11/1</a:t>
+              <a:t>2018/11/6</a:t>
             </a:fld>
             <a:endParaRPr lang="zh-CN" altLang="en-US"/>
           </a:p>
@@ -423,7 +860,7 @@
           <a:p>
             <a:fld id="{671484C7-CE74-40BE-9A81-F48CEFF7399F}" type="datetimeFigureOut">
               <a:rPr lang="zh-CN" altLang="en-US" smtClean="0"/>
-              <a:t>2018/11/1</a:t>
+              <a:t>2018/11/6</a:t>
             </a:fld>
             <a:endParaRPr lang="zh-CN" altLang="en-US"/>
           </a:p>
@@ -603,7 +1040,7 @@
           <a:p>
             <a:fld id="{671484C7-CE74-40BE-9A81-F48CEFF7399F}" type="datetimeFigureOut">
               <a:rPr lang="zh-CN" altLang="en-US" smtClean="0"/>
-              <a:t>2018/11/1</a:t>
+              <a:t>2018/11/6</a:t>
             </a:fld>
             <a:endParaRPr lang="zh-CN" altLang="en-US"/>
           </a:p>
@@ -773,7 +1210,7 @@
           <a:p>
             <a:fld id="{671484C7-CE74-40BE-9A81-F48CEFF7399F}" type="datetimeFigureOut">
               <a:rPr lang="zh-CN" altLang="en-US" smtClean="0"/>
-              <a:t>2018/11/1</a:t>
+              <a:t>2018/11/6</a:t>
             </a:fld>
             <a:endParaRPr lang="zh-CN" altLang="en-US"/>
           </a:p>
@@ -1019,7 +1456,7 @@
           <a:p>
             <a:fld id="{671484C7-CE74-40BE-9A81-F48CEFF7399F}" type="datetimeFigureOut">
               <a:rPr lang="zh-CN" altLang="en-US" smtClean="0"/>
-              <a:t>2018/11/1</a:t>
+              <a:t>2018/11/6</a:t>
             </a:fld>
             <a:endParaRPr lang="zh-CN" altLang="en-US"/>
           </a:p>
@@ -1251,7 +1688,7 @@
           <a:p>
             <a:fld id="{671484C7-CE74-40BE-9A81-F48CEFF7399F}" type="datetimeFigureOut">
               <a:rPr lang="zh-CN" altLang="en-US" smtClean="0"/>
-              <a:t>2018/11/1</a:t>
+              <a:t>2018/11/6</a:t>
             </a:fld>
             <a:endParaRPr lang="zh-CN" altLang="en-US"/>
           </a:p>
@@ -1618,7 +2055,7 @@
           <a:p>
             <a:fld id="{671484C7-CE74-40BE-9A81-F48CEFF7399F}" type="datetimeFigureOut">
               <a:rPr lang="zh-CN" altLang="en-US" smtClean="0"/>
-              <a:t>2018/11/1</a:t>
+              <a:t>2018/11/6</a:t>
             </a:fld>
             <a:endParaRPr lang="zh-CN" altLang="en-US"/>
           </a:p>
@@ -1736,7 +2173,7 @@
           <a:p>
             <a:fld id="{671484C7-CE74-40BE-9A81-F48CEFF7399F}" type="datetimeFigureOut">
               <a:rPr lang="zh-CN" altLang="en-US" smtClean="0"/>
-              <a:t>2018/11/1</a:t>
+              <a:t>2018/11/6</a:t>
             </a:fld>
             <a:endParaRPr lang="zh-CN" altLang="en-US"/>
           </a:p>
@@ -1831,7 +2268,7 @@
           <a:p>
             <a:fld id="{671484C7-CE74-40BE-9A81-F48CEFF7399F}" type="datetimeFigureOut">
               <a:rPr lang="zh-CN" altLang="en-US" smtClean="0"/>
-              <a:t>2018/11/1</a:t>
+              <a:t>2018/11/6</a:t>
             </a:fld>
             <a:endParaRPr lang="zh-CN" altLang="en-US"/>
           </a:p>
@@ -2108,7 +2545,7 @@
           <a:p>
             <a:fld id="{671484C7-CE74-40BE-9A81-F48CEFF7399F}" type="datetimeFigureOut">
               <a:rPr lang="zh-CN" altLang="en-US" smtClean="0"/>
-              <a:t>2018/11/1</a:t>
+              <a:t>2018/11/6</a:t>
             </a:fld>
             <a:endParaRPr lang="zh-CN" altLang="en-US"/>
           </a:p>
@@ -2361,7 +2798,7 @@
           <a:p>
             <a:fld id="{671484C7-CE74-40BE-9A81-F48CEFF7399F}" type="datetimeFigureOut">
               <a:rPr lang="zh-CN" altLang="en-US" smtClean="0"/>
-              <a:t>2018/11/1</a:t>
+              <a:t>2018/11/6</a:t>
             </a:fld>
             <a:endParaRPr lang="zh-CN" altLang="en-US"/>
           </a:p>
@@ -2574,7 +3011,7 @@
           <a:p>
             <a:fld id="{671484C7-CE74-40BE-9A81-F48CEFF7399F}" type="datetimeFigureOut">
               <a:rPr lang="zh-CN" altLang="en-US" smtClean="0"/>
-              <a:t>2018/11/1</a:t>
+              <a:t>2018/11/6</a:t>
             </a:fld>
             <a:endParaRPr lang="zh-CN" altLang="en-US"/>
           </a:p>
@@ -2979,40 +3416,10 @@
           <a:chExt cx="0" cy="0"/>
         </a:xfrm>
       </p:grpSpPr>
-      <p:sp>
-        <p:nvSpPr>
-          <p:cNvPr id="2" name="TextBox 1"/>
-          <p:cNvSpPr txBox="1"/>
-          <p:nvPr/>
-        </p:nvSpPr>
-        <p:spPr>
-          <a:xfrm>
-            <a:off x="286870" y="268941"/>
-            <a:ext cx="7718612" cy="369332"/>
-          </a:xfrm>
-          <a:prstGeom prst="rect">
-            <a:avLst/>
-          </a:prstGeom>
-          <a:noFill/>
-        </p:spPr>
-        <p:txBody>
-          <a:bodyPr wrap="square" rtlCol="0">
-            <a:spAutoFit/>
-          </a:bodyPr>
-          <a:lstStyle/>
-          <a:p>
-            <a:r>
-              <a:rPr lang="en-US" dirty="0" smtClean="0"/>
-              <a:t>Q1: What is an event? What is an entry? What is multiplicity?</a:t>
-            </a:r>
-            <a:endParaRPr lang="en-US" dirty="0"/>
-          </a:p>
-        </p:txBody>
-      </p:sp>
     </p:spTree>
     <p:extLst>
       <p:ext uri="{BB962C8B-B14F-4D97-AF65-F5344CB8AC3E}">
-        <p14:creationId xmlns:p14="http://schemas.microsoft.com/office/powerpoint/2010/main" val="1102873507"/>
+        <p14:creationId xmlns:p14="http://schemas.microsoft.com/office/powerpoint/2010/main" val="1832017264"/>
       </p:ext>
     </p:extLst>
   </p:cSld>
@@ -3189,36 +3596,6 @@
 </file>
 
 <file path=ppt/slides/slide2.xml><?xml version="1.0" encoding="utf-8"?>
-<p:sld xmlns:a="http://schemas.openxmlformats.org/drawingml/2006/main" xmlns:r="http://schemas.openxmlformats.org/officeDocument/2006/relationships" xmlns:p="http://schemas.openxmlformats.org/presentationml/2006/main">
-  <p:cSld>
-    <p:spTree>
-      <p:nvGrpSpPr>
-        <p:cNvPr id="1" name=""/>
-        <p:cNvGrpSpPr/>
-        <p:nvPr/>
-      </p:nvGrpSpPr>
-      <p:grpSpPr>
-        <a:xfrm>
-          <a:off x="0" y="0"/>
-          <a:ext cx="0" cy="0"/>
-          <a:chOff x="0" y="0"/>
-          <a:chExt cx="0" cy="0"/>
-        </a:xfrm>
-      </p:grpSpPr>
-    </p:spTree>
-    <p:extLst>
-      <p:ext uri="{BB962C8B-B14F-4D97-AF65-F5344CB8AC3E}">
-        <p14:creationId xmlns:p14="http://schemas.microsoft.com/office/powerpoint/2010/main" val="1832017264"/>
-      </p:ext>
-    </p:extLst>
-  </p:cSld>
-  <p:clrMapOvr>
-    <a:masterClrMapping/>
-  </p:clrMapOvr>
-</p:sld>
-</file>
-
-<file path=ppt/slides/slide3.xml><?xml version="1.0" encoding="utf-8"?>
 <p:sld xmlns:a="http://schemas.openxmlformats.org/drawingml/2006/main" xmlns:r="http://schemas.openxmlformats.org/officeDocument/2006/relationships" xmlns:p="http://schemas.openxmlformats.org/presentationml/2006/main">
   <p:cSld>
     <p:spTree>
@@ -3331,7 +3708,7 @@
 </p:sld>
 </file>
 
-<file path=ppt/slides/slide4.xml><?xml version="1.0" encoding="utf-8"?>
+<file path=ppt/slides/slide3.xml><?xml version="1.0" encoding="utf-8"?>
 <p:sld xmlns:a="http://schemas.openxmlformats.org/drawingml/2006/main" xmlns:r="http://schemas.openxmlformats.org/officeDocument/2006/relationships" xmlns:p="http://schemas.openxmlformats.org/presentationml/2006/main">
   <p:cSld>
     <p:spTree>
@@ -3381,21 +3758,8 @@
                   <a:srgbClr val="FF0000"/>
                 </a:solidFill>
               </a:rPr>
-              <a:t>Date: </a:t>
-            </a:r>
-            <a:r>
-              <a:rPr lang="en-US" altLang="zh-CN" dirty="0" smtClean="0">
-                <a:solidFill>
-                  <a:srgbClr val="FF0000"/>
-                </a:solidFill>
-              </a:rPr>
-              <a:t>2018-11-01</a:t>
-            </a:r>
-            <a:endParaRPr lang="en-US" altLang="zh-CN" dirty="0" smtClean="0">
-              <a:solidFill>
-                <a:srgbClr val="FF0000"/>
-              </a:solidFill>
-            </a:endParaRPr>
+              <a:t>Date: 2018-11-01</a:t>
+            </a:r>
           </a:p>
           <a:p>
             <a:r>
@@ -3458,8 +3822,8 @@
           </a:p>
         </p:txBody>
       </p:sp>
-      <mc:AlternateContent xmlns:mc="http://schemas.openxmlformats.org/markup-compatibility/2006">
-        <mc:Choice xmlns:a14="http://schemas.microsoft.com/office/drawing/2010/main" Requires="a14">
+      <mc:AlternateContent xmlns:mc="http://schemas.openxmlformats.org/markup-compatibility/2006" xmlns:a14="http://schemas.microsoft.com/office/drawing/2010/main">
+        <mc:Choice Requires="a14">
           <p:sp>
             <p:nvSpPr>
               <p:cNvPr id="5" name="TextBox 4"/>
@@ -3568,7 +3932,7 @@
             </p:txBody>
           </p:sp>
         </mc:Choice>
-        <mc:Fallback>
+        <mc:Fallback xmlns="">
           <p:sp>
             <p:nvSpPr>
               <p:cNvPr id="5" name="TextBox 4"/>
@@ -3607,8 +3971,8 @@
           </p:sp>
         </mc:Fallback>
       </mc:AlternateContent>
-      <mc:AlternateContent xmlns:mc="http://schemas.openxmlformats.org/markup-compatibility/2006">
-        <mc:Choice xmlns:a14="http://schemas.microsoft.com/office/drawing/2010/main" Requires="a14">
+      <mc:AlternateContent xmlns:mc="http://schemas.openxmlformats.org/markup-compatibility/2006" xmlns:a14="http://schemas.microsoft.com/office/drawing/2010/main">
+        <mc:Choice Requires="a14">
           <p:sp>
             <p:nvSpPr>
               <p:cNvPr id="6" name="TextBox 5"/>
@@ -3883,7 +4247,7 @@
             </p:txBody>
           </p:sp>
         </mc:Choice>
-        <mc:Fallback>
+        <mc:Fallback xmlns="">
           <p:sp>
             <p:nvSpPr>
               <p:cNvPr id="6" name="TextBox 5"/>
@@ -4056,7 +4420,7 @@
 </p:sld>
 </file>
 
-<file path=ppt/slides/slide5.xml><?xml version="1.0" encoding="utf-8"?>
+<file path=ppt/slides/slide4.xml><?xml version="1.0" encoding="utf-8"?>
 <p:sld xmlns:a="http://schemas.openxmlformats.org/drawingml/2006/main" xmlns:r="http://schemas.openxmlformats.org/officeDocument/2006/relationships" xmlns:p="http://schemas.openxmlformats.org/presentationml/2006/main">
   <p:cSld>
     <p:spTree>
@@ -4106,21 +4470,8 @@
                   <a:srgbClr val="FF0000"/>
                 </a:solidFill>
               </a:rPr>
-              <a:t>Date</a:t>
-            </a:r>
-            <a:r>
-              <a:rPr lang="en-US" altLang="zh-CN" dirty="0" smtClean="0">
-                <a:solidFill>
-                  <a:srgbClr val="FF0000"/>
-                </a:solidFill>
-              </a:rPr>
-              <a:t>: 2018-11-01</a:t>
-            </a:r>
-            <a:endParaRPr lang="en-US" altLang="zh-CN" dirty="0" smtClean="0">
-              <a:solidFill>
-                <a:srgbClr val="FF0000"/>
-              </a:solidFill>
-            </a:endParaRPr>
+              <a:t>Date: 2018-11-01</a:t>
+            </a:r>
           </a:p>
           <a:p>
             <a:r>
@@ -4284,7 +4635,7 @@
 </p:sld>
 </file>
 
-<file path=ppt/slides/slide6.xml><?xml version="1.0" encoding="utf-8"?>
+<file path=ppt/slides/slide5.xml><?xml version="1.0" encoding="utf-8"?>
 <p:sld xmlns:a="http://schemas.openxmlformats.org/drawingml/2006/main" xmlns:r="http://schemas.openxmlformats.org/officeDocument/2006/relationships" xmlns:p="http://schemas.openxmlformats.org/presentationml/2006/main">
   <p:cSld>
     <p:spTree>
@@ -4416,6 +4767,328 @@
 </p:sld>
 </file>
 
+<file path=ppt/slides/slide6.xml><?xml version="1.0" encoding="utf-8"?>
+<p:sld xmlns:a="http://schemas.openxmlformats.org/drawingml/2006/main" xmlns:r="http://schemas.openxmlformats.org/officeDocument/2006/relationships" xmlns:p="http://schemas.openxmlformats.org/presentationml/2006/main">
+  <p:cSld>
+    <p:spTree>
+      <p:nvGrpSpPr>
+        <p:cNvPr id="1" name=""/>
+        <p:cNvGrpSpPr/>
+        <p:nvPr/>
+      </p:nvGrpSpPr>
+      <p:grpSpPr>
+        <a:xfrm>
+          <a:off x="0" y="0"/>
+          <a:ext cx="0" cy="0"/>
+          <a:chOff x="0" y="0"/>
+          <a:chExt cx="0" cy="0"/>
+        </a:xfrm>
+      </p:grpSpPr>
+      <p:sp>
+        <p:nvSpPr>
+          <p:cNvPr id="4" name="文本框 3"/>
+          <p:cNvSpPr txBox="1"/>
+          <p:nvPr/>
+        </p:nvSpPr>
+        <p:spPr>
+          <a:xfrm>
+            <a:off x="0" y="0"/>
+            <a:ext cx="3056021" cy="646331"/>
+          </a:xfrm>
+          <a:prstGeom prst="rect">
+            <a:avLst/>
+          </a:prstGeom>
+          <a:noFill/>
+          <a:ln w="25400">
+            <a:solidFill>
+              <a:srgbClr val="FF0000"/>
+            </a:solidFill>
+          </a:ln>
+        </p:spPr>
+        <p:txBody>
+          <a:bodyPr wrap="square" rtlCol="0">
+            <a:spAutoFit/>
+          </a:bodyPr>
+          <a:lstStyle/>
+          <a:p>
+            <a:r>
+              <a:rPr lang="en-US" altLang="zh-CN" dirty="0" smtClean="0">
+                <a:solidFill>
+                  <a:srgbClr val="FF0000"/>
+                </a:solidFill>
+              </a:rPr>
+              <a:t>Date</a:t>
+            </a:r>
+            <a:r>
+              <a:rPr lang="en-US" altLang="zh-CN" dirty="0" smtClean="0">
+                <a:solidFill>
+                  <a:srgbClr val="FF0000"/>
+                </a:solidFill>
+              </a:rPr>
+              <a:t>: 2018-11-06</a:t>
+            </a:r>
+            <a:endParaRPr lang="en-US" altLang="zh-CN" dirty="0" smtClean="0">
+              <a:solidFill>
+                <a:srgbClr val="FF0000"/>
+              </a:solidFill>
+            </a:endParaRPr>
+          </a:p>
+          <a:p>
+            <a:r>
+              <a:rPr lang="en-US" altLang="zh-CN" dirty="0" smtClean="0">
+                <a:solidFill>
+                  <a:srgbClr val="FF0000"/>
+                </a:solidFill>
+              </a:rPr>
+              <a:t>Source</a:t>
+            </a:r>
+            <a:r>
+              <a:rPr lang="en-US" altLang="zh-CN" dirty="0" smtClean="0">
+                <a:solidFill>
+                  <a:srgbClr val="FF0000"/>
+                </a:solidFill>
+              </a:rPr>
+              <a:t>: Talk to Daniele</a:t>
+            </a:r>
+            <a:endParaRPr lang="zh-CN" altLang="en-US" dirty="0">
+              <a:solidFill>
+                <a:srgbClr val="FF0000"/>
+              </a:solidFill>
+            </a:endParaRPr>
+          </a:p>
+        </p:txBody>
+      </p:sp>
+      <p:sp>
+        <p:nvSpPr>
+          <p:cNvPr id="2" name="TextBox 1"/>
+          <p:cNvSpPr txBox="1"/>
+          <p:nvPr/>
+        </p:nvSpPr>
+        <p:spPr>
+          <a:xfrm>
+            <a:off x="3784348" y="1158844"/>
+            <a:ext cx="3413157" cy="461665"/>
+          </a:xfrm>
+          <a:prstGeom prst="rect">
+            <a:avLst/>
+          </a:prstGeom>
+          <a:noFill/>
+        </p:spPr>
+        <p:txBody>
+          <a:bodyPr wrap="square" rtlCol="0">
+            <a:spAutoFit/>
+          </a:bodyPr>
+          <a:lstStyle/>
+          <a:p>
+            <a:r>
+              <a:rPr lang="en-US" sz="2400" b="1" dirty="0" smtClean="0">
+                <a:solidFill>
+                  <a:srgbClr val="FF0000"/>
+                </a:solidFill>
+                <a:latin typeface="Times New Roman" panose="02020603050405020304" pitchFamily="18" charset="0"/>
+                <a:cs typeface="Times New Roman" panose="02020603050405020304" pitchFamily="18" charset="0"/>
+              </a:rPr>
+              <a:t>Some basic concepts</a:t>
+            </a:r>
+            <a:endParaRPr lang="en-US" sz="2400" b="1" dirty="0">
+              <a:solidFill>
+                <a:srgbClr val="FF0000"/>
+              </a:solidFill>
+              <a:latin typeface="Times New Roman" panose="02020603050405020304" pitchFamily="18" charset="0"/>
+              <a:cs typeface="Times New Roman" panose="02020603050405020304" pitchFamily="18" charset="0"/>
+            </a:endParaRPr>
+          </a:p>
+        </p:txBody>
+      </p:sp>
+      <p:sp>
+        <p:nvSpPr>
+          <p:cNvPr id="5" name="TextBox 4"/>
+          <p:cNvSpPr txBox="1"/>
+          <p:nvPr/>
+        </p:nvSpPr>
+        <p:spPr>
+          <a:xfrm>
+            <a:off x="421162" y="1885421"/>
+            <a:ext cx="9130244" cy="1477328"/>
+          </a:xfrm>
+          <a:prstGeom prst="rect">
+            <a:avLst/>
+          </a:prstGeom>
+          <a:noFill/>
+        </p:spPr>
+        <p:txBody>
+          <a:bodyPr wrap="square" rtlCol="0">
+            <a:spAutoFit/>
+          </a:bodyPr>
+          <a:lstStyle/>
+          <a:p>
+            <a:r>
+              <a:rPr lang="en-US" b="1" dirty="0" smtClean="0">
+                <a:solidFill>
+                  <a:srgbClr val="00B050"/>
+                </a:solidFill>
+              </a:rPr>
+              <a:t>● </a:t>
+            </a:r>
+            <a:r>
+              <a:rPr lang="en-US" b="1" dirty="0" smtClean="0">
+                <a:solidFill>
+                  <a:srgbClr val="00B050"/>
+                </a:solidFill>
+                <a:latin typeface="Times New Roman" panose="02020603050405020304" pitchFamily="18" charset="0"/>
+                <a:cs typeface="Times New Roman" panose="02020603050405020304" pitchFamily="18" charset="0"/>
+              </a:rPr>
+              <a:t>What is an event ? What is an </a:t>
+            </a:r>
+            <a:r>
+              <a:rPr lang="en-US" b="1" dirty="0">
+                <a:solidFill>
+                  <a:srgbClr val="00B050"/>
+                </a:solidFill>
+                <a:latin typeface="Times New Roman" panose="02020603050405020304" pitchFamily="18" charset="0"/>
+                <a:cs typeface="Times New Roman" panose="02020603050405020304" pitchFamily="18" charset="0"/>
+              </a:rPr>
+              <a:t>entry? What is multiplicity</a:t>
+            </a:r>
+            <a:r>
+              <a:rPr lang="en-US" b="1" dirty="0" smtClean="0">
+                <a:solidFill>
+                  <a:srgbClr val="00B050"/>
+                </a:solidFill>
+                <a:latin typeface="Times New Roman" panose="02020603050405020304" pitchFamily="18" charset="0"/>
+                <a:cs typeface="Times New Roman" panose="02020603050405020304" pitchFamily="18" charset="0"/>
+              </a:rPr>
+              <a:t>?</a:t>
+            </a:r>
+          </a:p>
+          <a:p>
+            <a:endParaRPr lang="en-US" dirty="0">
+              <a:latin typeface="Times New Roman" panose="02020603050405020304" pitchFamily="18" charset="0"/>
+              <a:cs typeface="Times New Roman" panose="02020603050405020304" pitchFamily="18" charset="0"/>
+            </a:endParaRPr>
+          </a:p>
+          <a:p>
+            <a:r>
+              <a:rPr lang="en-US" dirty="0"/>
+              <a:t> </a:t>
+            </a:r>
+            <a:r>
+              <a:rPr lang="en-US" dirty="0" smtClean="0"/>
+              <a:t>   ● </a:t>
+            </a:r>
+            <a:r>
+              <a:rPr lang="en-US" b="1" dirty="0" smtClean="0">
+                <a:solidFill>
+                  <a:srgbClr val="00B050"/>
+                </a:solidFill>
+              </a:rPr>
+              <a:t>event:</a:t>
+            </a:r>
+            <a:r>
+              <a:rPr lang="en-US" dirty="0" smtClean="0"/>
+              <a:t> the results after </a:t>
+            </a:r>
+            <a:r>
+              <a:rPr lang="en-US" b="1" dirty="0" smtClean="0">
+                <a:solidFill>
+                  <a:srgbClr val="FF0000"/>
+                </a:solidFill>
+              </a:rPr>
+              <a:t>a fundamental interaction </a:t>
+            </a:r>
+            <a:r>
+              <a:rPr lang="en-US" dirty="0" smtClean="0"/>
+              <a:t>took place between subatomic particles</a:t>
+            </a:r>
+          </a:p>
+          <a:p>
+            <a:r>
+              <a:rPr lang="en-US" dirty="0"/>
+              <a:t> </a:t>
+            </a:r>
+            <a:r>
+              <a:rPr lang="en-US" dirty="0" smtClean="0"/>
+              <a:t>   </a:t>
+            </a:r>
+            <a:r>
+              <a:rPr lang="en-US" dirty="0" smtClean="0"/>
+              <a:t>● </a:t>
+            </a:r>
+            <a:r>
+              <a:rPr lang="en-US" b="1" dirty="0" smtClean="0">
+                <a:solidFill>
+                  <a:srgbClr val="00B050"/>
+                </a:solidFill>
+              </a:rPr>
+              <a:t>an entry: </a:t>
+            </a:r>
+            <a:r>
+              <a:rPr lang="en-US" dirty="0" smtClean="0"/>
+              <a:t>the same as an entry, including </a:t>
+            </a:r>
+            <a:r>
+              <a:rPr lang="en-US" b="1" dirty="0" smtClean="0">
+                <a:solidFill>
+                  <a:srgbClr val="FF0000"/>
+                </a:solidFill>
+              </a:rPr>
+              <a:t>particles detected in one trigger period</a:t>
+            </a:r>
+          </a:p>
+          <a:p>
+            <a:r>
+              <a:rPr lang="en-US" b="1" dirty="0">
+                <a:solidFill>
+                  <a:srgbClr val="FF0000"/>
+                </a:solidFill>
+              </a:rPr>
+              <a:t> </a:t>
+            </a:r>
+            <a:r>
+              <a:rPr lang="en-US" b="1" dirty="0" smtClean="0">
+                <a:solidFill>
+                  <a:srgbClr val="FF0000"/>
+                </a:solidFill>
+              </a:rPr>
+              <a:t>   </a:t>
+            </a:r>
+            <a:r>
+              <a:rPr lang="en-US" dirty="0" smtClean="0"/>
+              <a:t>● </a:t>
+            </a:r>
+            <a:r>
+              <a:rPr lang="en-US" b="1" dirty="0" smtClean="0">
+                <a:solidFill>
+                  <a:srgbClr val="00B050"/>
+                </a:solidFill>
+              </a:rPr>
+              <a:t>multiplicity: </a:t>
+            </a:r>
+            <a:r>
+              <a:rPr lang="en-US" dirty="0" smtClean="0"/>
+              <a:t>the number of particles detected in an entry (within one trigger period) </a:t>
+            </a:r>
+            <a:endParaRPr lang="en-US" b="1" dirty="0">
+              <a:solidFill>
+                <a:srgbClr val="FF0000"/>
+              </a:solidFill>
+            </a:endParaRPr>
+          </a:p>
+        </p:txBody>
+      </p:sp>
+    </p:spTree>
+    <p:extLst>
+      <p:ext uri="{BB962C8B-B14F-4D97-AF65-F5344CB8AC3E}">
+        <p14:creationId xmlns:p14="http://schemas.microsoft.com/office/powerpoint/2010/main" val="443480041"/>
+      </p:ext>
+    </p:extLst>
+  </p:cSld>
+  <p:clrMapOvr>
+    <a:masterClrMapping/>
+  </p:clrMapOvr>
+</p:sld>
+</file>
+
 <file path=ppt/slides/slide7.xml><?xml version="1.0" encoding="utf-8"?>
 <p:sld xmlns:a="http://schemas.openxmlformats.org/drawingml/2006/main" xmlns:r="http://schemas.openxmlformats.org/officeDocument/2006/relationships" xmlns:p="http://schemas.openxmlformats.org/presentationml/2006/main">
   <p:cSld>
@@ -4433,63 +5106,10 @@
           <a:chExt cx="0" cy="0"/>
         </a:xfrm>
       </p:grpSpPr>
-      <p:sp>
-        <p:nvSpPr>
-          <p:cNvPr id="4" name="文本框 3"/>
-          <p:cNvSpPr txBox="1"/>
-          <p:nvPr/>
-        </p:nvSpPr>
-        <p:spPr>
-          <a:xfrm>
-            <a:off x="0" y="0"/>
-            <a:ext cx="3056021" cy="646331"/>
-          </a:xfrm>
-          <a:prstGeom prst="rect">
-            <a:avLst/>
-          </a:prstGeom>
-          <a:noFill/>
-          <a:ln w="25400">
-            <a:solidFill>
-              <a:srgbClr val="FF0000"/>
-            </a:solidFill>
-          </a:ln>
-        </p:spPr>
-        <p:txBody>
-          <a:bodyPr wrap="square" rtlCol="0">
-            <a:spAutoFit/>
-          </a:bodyPr>
-          <a:lstStyle/>
-          <a:p>
-            <a:r>
-              <a:rPr lang="en-US" altLang="zh-CN" dirty="0" smtClean="0">
-                <a:solidFill>
-                  <a:srgbClr val="FF0000"/>
-                </a:solidFill>
-              </a:rPr>
-              <a:t>Date:</a:t>
-            </a:r>
-          </a:p>
-          <a:p>
-            <a:r>
-              <a:rPr lang="en-US" altLang="zh-CN" dirty="0" smtClean="0">
-                <a:solidFill>
-                  <a:srgbClr val="FF0000"/>
-                </a:solidFill>
-              </a:rPr>
-              <a:t>Source:</a:t>
-            </a:r>
-            <a:endParaRPr lang="zh-CN" altLang="en-US" dirty="0">
-              <a:solidFill>
-                <a:srgbClr val="FF0000"/>
-              </a:solidFill>
-            </a:endParaRPr>
-          </a:p>
-        </p:txBody>
-      </p:sp>
     </p:spTree>
     <p:extLst>
       <p:ext uri="{BB962C8B-B14F-4D97-AF65-F5344CB8AC3E}">
-        <p14:creationId xmlns:p14="http://schemas.microsoft.com/office/powerpoint/2010/main" val="443480041"/>
+        <p14:creationId xmlns:p14="http://schemas.microsoft.com/office/powerpoint/2010/main" val="1102873507"/>
       </p:ext>
     </p:extLst>
   </p:cSld>
@@ -4924,4 +5544,265 @@
     </a:ext>
   </a:extLst>
 </a:theme>
+</file>
+
+<file path=ppt/theme/theme2.xml><?xml version="1.0" encoding="utf-8"?>
+<a:theme xmlns:a="http://schemas.openxmlformats.org/drawingml/2006/main" name="Office Theme">
+  <a:themeElements>
+    <a:clrScheme name="Office">
+      <a:dk1>
+        <a:sysClr val="windowText" lastClr="000000"/>
+      </a:dk1>
+      <a:lt1>
+        <a:sysClr val="window" lastClr="FFFFFF"/>
+      </a:lt1>
+      <a:dk2>
+        <a:srgbClr val="44546A"/>
+      </a:dk2>
+      <a:lt2>
+        <a:srgbClr val="E7E6E6"/>
+      </a:lt2>
+      <a:accent1>
+        <a:srgbClr val="5B9BD5"/>
+      </a:accent1>
+      <a:accent2>
+        <a:srgbClr val="ED7D31"/>
+      </a:accent2>
+      <a:accent3>
+        <a:srgbClr val="A5A5A5"/>
+      </a:accent3>
+      <a:accent4>
+        <a:srgbClr val="FFC000"/>
+      </a:accent4>
+      <a:accent5>
+        <a:srgbClr val="4472C4"/>
+      </a:accent5>
+      <a:accent6>
+        <a:srgbClr val="70AD47"/>
+      </a:accent6>
+      <a:hlink>
+        <a:srgbClr val="0563C1"/>
+      </a:hlink>
+      <a:folHlink>
+        <a:srgbClr val="954F72"/>
+      </a:folHlink>
+    </a:clrScheme>
+    <a:fontScheme name="Office">
+      <a:majorFont>
+        <a:latin typeface="Calibri Light" panose="020F0302020204030204"/>
+        <a:ea typeface=""/>
+        <a:cs typeface=""/>
+        <a:font script="Jpan" typeface="ＭＳ Ｐゴシック"/>
+        <a:font script="Hang" typeface="맑은 고딕"/>
+        <a:font script="Hans" typeface="宋体"/>
+        <a:font script="Hant" typeface="新細明體"/>
+        <a:font script="Arab" typeface="Times New Roman"/>
+        <a:font script="Hebr" typeface="Times New Roman"/>
+        <a:font script="Thai" typeface="Angsana New"/>
+        <a:font script="Ethi" typeface="Nyala"/>
+        <a:font script="Beng" typeface="Vrinda"/>
+        <a:font script="Gujr" typeface="Shruti"/>
+        <a:font script="Khmr" typeface="MoolBoran"/>
+        <a:font script="Knda" typeface="Tunga"/>
+        <a:font script="Guru" typeface="Raavi"/>
+        <a:font script="Cans" typeface="Euphemia"/>
+        <a:font script="Cher" typeface="Plantagenet Cherokee"/>
+        <a:font script="Yiii" typeface="Microsoft Yi Baiti"/>
+        <a:font script="Tibt" typeface="Microsoft Himalaya"/>
+        <a:font script="Thaa" typeface="MV Boli"/>
+        <a:font script="Deva" typeface="Mangal"/>
+        <a:font script="Telu" typeface="Gautami"/>
+        <a:font script="Taml" typeface="Latha"/>
+        <a:font script="Syrc" typeface="Estrangelo Edessa"/>
+        <a:font script="Orya" typeface="Kalinga"/>
+        <a:font script="Mlym" typeface="Kartika"/>
+        <a:font script="Laoo" typeface="DokChampa"/>
+        <a:font script="Sinh" typeface="Iskoola Pota"/>
+        <a:font script="Mong" typeface="Mongolian Baiti"/>
+        <a:font script="Viet" typeface="Times New Roman"/>
+        <a:font script="Uigh" typeface="Microsoft Uighur"/>
+        <a:font script="Geor" typeface="Sylfaen"/>
+      </a:majorFont>
+      <a:minorFont>
+        <a:latin typeface="Calibri" panose="020F0502020204030204"/>
+        <a:ea typeface=""/>
+        <a:cs typeface=""/>
+        <a:font script="Jpan" typeface="ＭＳ Ｐゴシック"/>
+        <a:font script="Hang" typeface="맑은 고딕"/>
+        <a:font script="Hans" typeface="宋体"/>
+        <a:font script="Hant" typeface="新細明體"/>
+        <a:font script="Arab" typeface="Arial"/>
+        <a:font script="Hebr" typeface="Arial"/>
+        <a:font script="Thai" typeface="Cordia New"/>
+        <a:font script="Ethi" typeface="Nyala"/>
+        <a:font script="Beng" typeface="Vrinda"/>
+        <a:font script="Gujr" typeface="Shruti"/>
+        <a:font script="Khmr" typeface="DaunPenh"/>
+        <a:font script="Knda" typeface="Tunga"/>
+        <a:font script="Guru" typeface="Raavi"/>
+        <a:font script="Cans" typeface="Euphemia"/>
+        <a:font script="Cher" typeface="Plantagenet Cherokee"/>
+        <a:font script="Yiii" typeface="Microsoft Yi Baiti"/>
+        <a:font script="Tibt" typeface="Microsoft Himalaya"/>
+        <a:font script="Thaa" typeface="MV Boli"/>
+        <a:font script="Deva" typeface="Mangal"/>
+        <a:font script="Telu" typeface="Gautami"/>
+        <a:font script="Taml" typeface="Latha"/>
+        <a:font script="Syrc" typeface="Estrangelo Edessa"/>
+        <a:font script="Orya" typeface="Kalinga"/>
+        <a:font script="Mlym" typeface="Kartika"/>
+        <a:font script="Laoo" typeface="DokChampa"/>
+        <a:font script="Sinh" typeface="Iskoola Pota"/>
+        <a:font script="Mong" typeface="Mongolian Baiti"/>
+        <a:font script="Viet" typeface="Arial"/>
+        <a:font script="Uigh" typeface="Microsoft Uighur"/>
+        <a:font script="Geor" typeface="Sylfaen"/>
+      </a:minorFont>
+    </a:fontScheme>
+    <a:fmtScheme name="Office">
+      <a:fillStyleLst>
+        <a:solidFill>
+          <a:schemeClr val="phClr"/>
+        </a:solidFill>
+        <a:gradFill rotWithShape="1">
+          <a:gsLst>
+            <a:gs pos="0">
+              <a:schemeClr val="phClr">
+                <a:lumMod val="110000"/>
+                <a:satMod val="105000"/>
+                <a:tint val="67000"/>
+              </a:schemeClr>
+            </a:gs>
+            <a:gs pos="50000">
+              <a:schemeClr val="phClr">
+                <a:lumMod val="105000"/>
+                <a:satMod val="103000"/>
+                <a:tint val="73000"/>
+              </a:schemeClr>
+            </a:gs>
+            <a:gs pos="100000">
+              <a:schemeClr val="phClr">
+                <a:lumMod val="105000"/>
+                <a:satMod val="109000"/>
+                <a:tint val="81000"/>
+              </a:schemeClr>
+            </a:gs>
+          </a:gsLst>
+          <a:lin ang="5400000" scaled="0"/>
+        </a:gradFill>
+        <a:gradFill rotWithShape="1">
+          <a:gsLst>
+            <a:gs pos="0">
+              <a:schemeClr val="phClr">
+                <a:satMod val="103000"/>
+                <a:lumMod val="102000"/>
+                <a:tint val="94000"/>
+              </a:schemeClr>
+            </a:gs>
+            <a:gs pos="50000">
+              <a:schemeClr val="phClr">
+                <a:satMod val="110000"/>
+                <a:lumMod val="100000"/>
+                <a:shade val="100000"/>
+              </a:schemeClr>
+            </a:gs>
+            <a:gs pos="100000">
+              <a:schemeClr val="phClr">
+                <a:lumMod val="99000"/>
+                <a:satMod val="120000"/>
+                <a:shade val="78000"/>
+              </a:schemeClr>
+            </a:gs>
+          </a:gsLst>
+          <a:lin ang="5400000" scaled="0"/>
+        </a:gradFill>
+      </a:fillStyleLst>
+      <a:lnStyleLst>
+        <a:ln w="6350" cap="flat" cmpd="sng" algn="ctr">
+          <a:solidFill>
+            <a:schemeClr val="phClr"/>
+          </a:solidFill>
+          <a:prstDash val="solid"/>
+          <a:miter lim="800000"/>
+        </a:ln>
+        <a:ln w="12700" cap="flat" cmpd="sng" algn="ctr">
+          <a:solidFill>
+            <a:schemeClr val="phClr"/>
+          </a:solidFill>
+          <a:prstDash val="solid"/>
+          <a:miter lim="800000"/>
+        </a:ln>
+        <a:ln w="19050" cap="flat" cmpd="sng" algn="ctr">
+          <a:solidFill>
+            <a:schemeClr val="phClr"/>
+          </a:solidFill>
+          <a:prstDash val="solid"/>
+          <a:miter lim="800000"/>
+        </a:ln>
+      </a:lnStyleLst>
+      <a:effectStyleLst>
+        <a:effectStyle>
+          <a:effectLst/>
+        </a:effectStyle>
+        <a:effectStyle>
+          <a:effectLst/>
+        </a:effectStyle>
+        <a:effectStyle>
+          <a:effectLst>
+            <a:outerShdw blurRad="57150" dist="19050" dir="5400000" algn="ctr" rotWithShape="0">
+              <a:srgbClr val="000000">
+                <a:alpha val="63000"/>
+              </a:srgbClr>
+            </a:outerShdw>
+          </a:effectLst>
+        </a:effectStyle>
+      </a:effectStyleLst>
+      <a:bgFillStyleLst>
+        <a:solidFill>
+          <a:schemeClr val="phClr"/>
+        </a:solidFill>
+        <a:solidFill>
+          <a:schemeClr val="phClr">
+            <a:tint val="95000"/>
+            <a:satMod val="170000"/>
+          </a:schemeClr>
+        </a:solidFill>
+        <a:gradFill rotWithShape="1">
+          <a:gsLst>
+            <a:gs pos="0">
+              <a:schemeClr val="phClr">
+                <a:tint val="93000"/>
+                <a:satMod val="150000"/>
+                <a:shade val="98000"/>
+                <a:lumMod val="102000"/>
+              </a:schemeClr>
+            </a:gs>
+            <a:gs pos="50000">
+              <a:schemeClr val="phClr">
+                <a:tint val="98000"/>
+                <a:satMod val="130000"/>
+                <a:shade val="90000"/>
+                <a:lumMod val="103000"/>
+              </a:schemeClr>
+            </a:gs>
+            <a:gs pos="100000">
+              <a:schemeClr val="phClr">
+                <a:shade val="63000"/>
+                <a:satMod val="120000"/>
+              </a:schemeClr>
+            </a:gs>
+          </a:gsLst>
+          <a:lin ang="5400000" scaled="0"/>
+        </a:gradFill>
+      </a:bgFillStyleLst>
+    </a:fmtScheme>
+  </a:themeElements>
+  <a:objectDefaults/>
+  <a:extraClrSchemeLst/>
+  <a:extLst>
+    <a:ext uri="{05A4C25C-085E-4340-85A3-A5531E510DB2}">
+      <thm15:themeFamily xmlns:thm15="http://schemas.microsoft.com/office/thememl/2012/main" name="Office Theme" id="{62F939B6-93AF-4DB8-9C6B-D6C7DFDC589F}" vid="{4A3C46E8-61CC-4603-A589-7422A47A8E4A}"/>
+    </a:ext>
+  </a:extLst>
+</a:theme>
 </file>
--- a/01BacsiConceptsInNuclearPhysics.pptx
+++ b/01BacsiConceptsInNuclearPhysics.pptx
@@ -5,7 +5,7 @@
     <p:sldMasterId id="2147483648" r:id="rId1"/>
   </p:sldMasterIdLst>
   <p:notesMasterIdLst>
-    <p:notesMasterId r:id="rId13"/>
+    <p:notesMasterId r:id="rId15"/>
   </p:notesMasterIdLst>
   <p:sldIdLst>
     <p:sldId id="261" r:id="rId2"/>
@@ -14,11 +14,13 @@
     <p:sldId id="260" r:id="rId5"/>
     <p:sldId id="263" r:id="rId6"/>
     <p:sldId id="264" r:id="rId7"/>
-    <p:sldId id="262" r:id="rId8"/>
-    <p:sldId id="265" r:id="rId9"/>
-    <p:sldId id="266" r:id="rId10"/>
-    <p:sldId id="267" r:id="rId11"/>
-    <p:sldId id="268" r:id="rId12"/>
+    <p:sldId id="265" r:id="rId8"/>
+    <p:sldId id="262" r:id="rId9"/>
+    <p:sldId id="269" r:id="rId10"/>
+    <p:sldId id="270" r:id="rId11"/>
+    <p:sldId id="266" r:id="rId12"/>
+    <p:sldId id="267" r:id="rId13"/>
+    <p:sldId id="268" r:id="rId14"/>
   </p:sldIdLst>
   <p:sldSz cx="12192000" cy="6858000"/>
   <p:notesSz cx="6858000" cy="9144000"/>
@@ -207,7 +209,7 @@
           <a:p>
             <a:fld id="{704FB68E-0BF6-4F50-894F-05F919509A4F}" type="datetimeFigureOut">
               <a:rPr lang="en-US" smtClean="0"/>
-              <a:t>11/6/2018</a:t>
+              <a:t>11/8/2018</a:t>
             </a:fld>
             <a:endParaRPr lang="en-US"/>
           </a:p>
@@ -690,7 +692,7 @@
           <a:p>
             <a:fld id="{671484C7-CE74-40BE-9A81-F48CEFF7399F}" type="datetimeFigureOut">
               <a:rPr lang="zh-CN" altLang="en-US" smtClean="0"/>
-              <a:t>2018/11/6</a:t>
+              <a:t>2018/11/8</a:t>
             </a:fld>
             <a:endParaRPr lang="zh-CN" altLang="en-US"/>
           </a:p>
@@ -860,7 +862,7 @@
           <a:p>
             <a:fld id="{671484C7-CE74-40BE-9A81-F48CEFF7399F}" type="datetimeFigureOut">
               <a:rPr lang="zh-CN" altLang="en-US" smtClean="0"/>
-              <a:t>2018/11/6</a:t>
+              <a:t>2018/11/8</a:t>
             </a:fld>
             <a:endParaRPr lang="zh-CN" altLang="en-US"/>
           </a:p>
@@ -1040,7 +1042,7 @@
           <a:p>
             <a:fld id="{671484C7-CE74-40BE-9A81-F48CEFF7399F}" type="datetimeFigureOut">
               <a:rPr lang="zh-CN" altLang="en-US" smtClean="0"/>
-              <a:t>2018/11/6</a:t>
+              <a:t>2018/11/8</a:t>
             </a:fld>
             <a:endParaRPr lang="zh-CN" altLang="en-US"/>
           </a:p>
@@ -1210,7 +1212,7 @@
           <a:p>
             <a:fld id="{671484C7-CE74-40BE-9A81-F48CEFF7399F}" type="datetimeFigureOut">
               <a:rPr lang="zh-CN" altLang="en-US" smtClean="0"/>
-              <a:t>2018/11/6</a:t>
+              <a:t>2018/11/8</a:t>
             </a:fld>
             <a:endParaRPr lang="zh-CN" altLang="en-US"/>
           </a:p>
@@ -1456,7 +1458,7 @@
           <a:p>
             <a:fld id="{671484C7-CE74-40BE-9A81-F48CEFF7399F}" type="datetimeFigureOut">
               <a:rPr lang="zh-CN" altLang="en-US" smtClean="0"/>
-              <a:t>2018/11/6</a:t>
+              <a:t>2018/11/8</a:t>
             </a:fld>
             <a:endParaRPr lang="zh-CN" altLang="en-US"/>
           </a:p>
@@ -1688,7 +1690,7 @@
           <a:p>
             <a:fld id="{671484C7-CE74-40BE-9A81-F48CEFF7399F}" type="datetimeFigureOut">
               <a:rPr lang="zh-CN" altLang="en-US" smtClean="0"/>
-              <a:t>2018/11/6</a:t>
+              <a:t>2018/11/8</a:t>
             </a:fld>
             <a:endParaRPr lang="zh-CN" altLang="en-US"/>
           </a:p>
@@ -2055,7 +2057,7 @@
           <a:p>
             <a:fld id="{671484C7-CE74-40BE-9A81-F48CEFF7399F}" type="datetimeFigureOut">
               <a:rPr lang="zh-CN" altLang="en-US" smtClean="0"/>
-              <a:t>2018/11/6</a:t>
+              <a:t>2018/11/8</a:t>
             </a:fld>
             <a:endParaRPr lang="zh-CN" altLang="en-US"/>
           </a:p>
@@ -2173,7 +2175,7 @@
           <a:p>
             <a:fld id="{671484C7-CE74-40BE-9A81-F48CEFF7399F}" type="datetimeFigureOut">
               <a:rPr lang="zh-CN" altLang="en-US" smtClean="0"/>
-              <a:t>2018/11/6</a:t>
+              <a:t>2018/11/8</a:t>
             </a:fld>
             <a:endParaRPr lang="zh-CN" altLang="en-US"/>
           </a:p>
@@ -2268,7 +2270,7 @@
           <a:p>
             <a:fld id="{671484C7-CE74-40BE-9A81-F48CEFF7399F}" type="datetimeFigureOut">
               <a:rPr lang="zh-CN" altLang="en-US" smtClean="0"/>
-              <a:t>2018/11/6</a:t>
+              <a:t>2018/11/8</a:t>
             </a:fld>
             <a:endParaRPr lang="zh-CN" altLang="en-US"/>
           </a:p>
@@ -2545,7 +2547,7 @@
           <a:p>
             <a:fld id="{671484C7-CE74-40BE-9A81-F48CEFF7399F}" type="datetimeFigureOut">
               <a:rPr lang="zh-CN" altLang="en-US" smtClean="0"/>
-              <a:t>2018/11/6</a:t>
+              <a:t>2018/11/8</a:t>
             </a:fld>
             <a:endParaRPr lang="zh-CN" altLang="en-US"/>
           </a:p>
@@ -2798,7 +2800,7 @@
           <a:p>
             <a:fld id="{671484C7-CE74-40BE-9A81-F48CEFF7399F}" type="datetimeFigureOut">
               <a:rPr lang="zh-CN" altLang="en-US" smtClean="0"/>
-              <a:t>2018/11/6</a:t>
+              <a:t>2018/11/8</a:t>
             </a:fld>
             <a:endParaRPr lang="zh-CN" altLang="en-US"/>
           </a:p>
@@ -3011,7 +3013,7 @@
           <a:p>
             <a:fld id="{671484C7-CE74-40BE-9A81-F48CEFF7399F}" type="datetimeFigureOut">
               <a:rPr lang="zh-CN" altLang="en-US" smtClean="0"/>
-              <a:t>2018/11/6</a:t>
+              <a:t>2018/11/8</a:t>
             </a:fld>
             <a:endParaRPr lang="zh-CN" altLang="en-US"/>
           </a:p>
@@ -3446,6 +3448,36 @@
           <a:chExt cx="0" cy="0"/>
         </a:xfrm>
       </p:grpSpPr>
+    </p:spTree>
+    <p:extLst>
+      <p:ext uri="{BB962C8B-B14F-4D97-AF65-F5344CB8AC3E}">
+        <p14:creationId xmlns:p14="http://schemas.microsoft.com/office/powerpoint/2010/main" val="1773808093"/>
+      </p:ext>
+    </p:extLst>
+  </p:cSld>
+  <p:clrMapOvr>
+    <a:masterClrMapping/>
+  </p:clrMapOvr>
+</p:sld>
+</file>
+
+<file path=ppt/slides/slide11.xml><?xml version="1.0" encoding="utf-8"?>
+<p:sld xmlns:a="http://schemas.openxmlformats.org/drawingml/2006/main" xmlns:r="http://schemas.openxmlformats.org/officeDocument/2006/relationships" xmlns:p="http://schemas.openxmlformats.org/presentationml/2006/main">
+  <p:cSld>
+    <p:spTree>
+      <p:nvGrpSpPr>
+        <p:cNvPr id="1" name=""/>
+        <p:cNvGrpSpPr/>
+        <p:nvPr/>
+      </p:nvGrpSpPr>
+      <p:grpSpPr>
+        <a:xfrm>
+          <a:off x="0" y="0"/>
+          <a:ext cx="0" cy="0"/>
+          <a:chOff x="0" y="0"/>
+          <a:chExt cx="0" cy="0"/>
+        </a:xfrm>
+      </p:grpSpPr>
       <p:sp>
         <p:nvSpPr>
           <p:cNvPr id="4" name="文本框 3"/>
@@ -3502,6 +3534,89 @@
     </p:spTree>
     <p:extLst>
       <p:ext uri="{BB962C8B-B14F-4D97-AF65-F5344CB8AC3E}">
+        <p14:creationId xmlns:p14="http://schemas.microsoft.com/office/powerpoint/2010/main" val="1428967206"/>
+      </p:ext>
+    </p:extLst>
+  </p:cSld>
+  <p:clrMapOvr>
+    <a:masterClrMapping/>
+  </p:clrMapOvr>
+</p:sld>
+</file>
+
+<file path=ppt/slides/slide12.xml><?xml version="1.0" encoding="utf-8"?>
+<p:sld xmlns:a="http://schemas.openxmlformats.org/drawingml/2006/main" xmlns:r="http://schemas.openxmlformats.org/officeDocument/2006/relationships" xmlns:p="http://schemas.openxmlformats.org/presentationml/2006/main">
+  <p:cSld>
+    <p:spTree>
+      <p:nvGrpSpPr>
+        <p:cNvPr id="1" name=""/>
+        <p:cNvGrpSpPr/>
+        <p:nvPr/>
+      </p:nvGrpSpPr>
+      <p:grpSpPr>
+        <a:xfrm>
+          <a:off x="0" y="0"/>
+          <a:ext cx="0" cy="0"/>
+          <a:chOff x="0" y="0"/>
+          <a:chExt cx="0" cy="0"/>
+        </a:xfrm>
+      </p:grpSpPr>
+      <p:sp>
+        <p:nvSpPr>
+          <p:cNvPr id="4" name="文本框 3"/>
+          <p:cNvSpPr txBox="1"/>
+          <p:nvPr/>
+        </p:nvSpPr>
+        <p:spPr>
+          <a:xfrm>
+            <a:off x="0" y="0"/>
+            <a:ext cx="3056021" cy="646331"/>
+          </a:xfrm>
+          <a:prstGeom prst="rect">
+            <a:avLst/>
+          </a:prstGeom>
+          <a:noFill/>
+          <a:ln w="25400">
+            <a:solidFill>
+              <a:srgbClr val="FF0000"/>
+            </a:solidFill>
+          </a:ln>
+        </p:spPr>
+        <p:txBody>
+          <a:bodyPr wrap="square" rtlCol="0">
+            <a:spAutoFit/>
+          </a:bodyPr>
+          <a:lstStyle/>
+          <a:p>
+            <a:r>
+              <a:rPr lang="en-US" altLang="zh-CN" dirty="0" smtClean="0">
+                <a:solidFill>
+                  <a:srgbClr val="FF0000"/>
+                </a:solidFill>
+              </a:rPr>
+              <a:t>Date:</a:t>
+            </a:r>
+          </a:p>
+          <a:p>
+            <a:r>
+              <a:rPr lang="en-US" altLang="zh-CN" dirty="0" smtClean="0">
+                <a:solidFill>
+                  <a:srgbClr val="FF0000"/>
+                </a:solidFill>
+              </a:rPr>
+              <a:t>Source:</a:t>
+            </a:r>
+            <a:endParaRPr lang="zh-CN" altLang="en-US" dirty="0">
+              <a:solidFill>
+                <a:srgbClr val="FF0000"/>
+              </a:solidFill>
+            </a:endParaRPr>
+          </a:p>
+        </p:txBody>
+      </p:sp>
+    </p:spTree>
+    <p:extLst>
+      <p:ext uri="{BB962C8B-B14F-4D97-AF65-F5344CB8AC3E}">
         <p14:creationId xmlns:p14="http://schemas.microsoft.com/office/powerpoint/2010/main" val="2705758811"/>
       </p:ext>
     </p:extLst>
@@ -3512,7 +3627,7 @@
 </p:sld>
 </file>
 
-<file path=ppt/slides/slide11.xml><?xml version="1.0" encoding="utf-8"?>
+<file path=ppt/slides/slide13.xml><?xml version="1.0" encoding="utf-8"?>
 <p:sld xmlns:a="http://schemas.openxmlformats.org/drawingml/2006/main" xmlns:r="http://schemas.openxmlformats.org/officeDocument/2006/relationships" xmlns:p="http://schemas.openxmlformats.org/presentationml/2006/main">
   <p:cSld>
     <p:spTree>
@@ -4817,38 +4932,17 @@
                   <a:srgbClr val="FF0000"/>
                 </a:solidFill>
               </a:rPr>
-              <a:t>Date</a:t>
-            </a:r>
+              <a:t>Date: 2018-11-06</a:t>
+            </a:r>
+          </a:p>
+          <a:p>
             <a:r>
               <a:rPr lang="en-US" altLang="zh-CN" dirty="0" smtClean="0">
                 <a:solidFill>
                   <a:srgbClr val="FF0000"/>
                 </a:solidFill>
               </a:rPr>
-              <a:t>: 2018-11-06</a:t>
-            </a:r>
-            <a:endParaRPr lang="en-US" altLang="zh-CN" dirty="0" smtClean="0">
-              <a:solidFill>
-                <a:srgbClr val="FF0000"/>
-              </a:solidFill>
-            </a:endParaRPr>
-          </a:p>
-          <a:p>
-            <a:r>
-              <a:rPr lang="en-US" altLang="zh-CN" dirty="0" smtClean="0">
-                <a:solidFill>
-                  <a:srgbClr val="FF0000"/>
-                </a:solidFill>
-              </a:rPr>
-              <a:t>Source</a:t>
-            </a:r>
-            <a:r>
-              <a:rPr lang="en-US" altLang="zh-CN" dirty="0" smtClean="0">
-                <a:solidFill>
-                  <a:srgbClr val="FF0000"/>
-                </a:solidFill>
-              </a:rPr>
-              <a:t>: Talk to Daniele</a:t>
+              <a:t>Source: Talk to Daniele</a:t>
             </a:r>
             <a:endParaRPr lang="zh-CN" altLang="en-US" dirty="0">
               <a:solidFill>
@@ -5008,11 +5102,7 @@
             </a:r>
             <a:r>
               <a:rPr lang="en-US" dirty="0" smtClean="0"/>
-              <a:t>   </a:t>
-            </a:r>
-            <a:r>
-              <a:rPr lang="en-US" dirty="0" smtClean="0"/>
-              <a:t>● </a:t>
+              <a:t>   ● </a:t>
             </a:r>
             <a:r>
               <a:rPr lang="en-US" b="1" dirty="0" smtClean="0">
@@ -5090,36 +5180,6 @@
 </file>
 
 <file path=ppt/slides/slide7.xml><?xml version="1.0" encoding="utf-8"?>
-<p:sld xmlns:a="http://schemas.openxmlformats.org/drawingml/2006/main" xmlns:r="http://schemas.openxmlformats.org/officeDocument/2006/relationships" xmlns:p="http://schemas.openxmlformats.org/presentationml/2006/main">
-  <p:cSld>
-    <p:spTree>
-      <p:nvGrpSpPr>
-        <p:cNvPr id="1" name=""/>
-        <p:cNvGrpSpPr/>
-        <p:nvPr/>
-      </p:nvGrpSpPr>
-      <p:grpSpPr>
-        <a:xfrm>
-          <a:off x="0" y="0"/>
-          <a:ext cx="0" cy="0"/>
-          <a:chOff x="0" y="0"/>
-          <a:chExt cx="0" cy="0"/>
-        </a:xfrm>
-      </p:grpSpPr>
-    </p:spTree>
-    <p:extLst>
-      <p:ext uri="{BB962C8B-B14F-4D97-AF65-F5344CB8AC3E}">
-        <p14:creationId xmlns:p14="http://schemas.microsoft.com/office/powerpoint/2010/main" val="1102873507"/>
-      </p:ext>
-    </p:extLst>
-  </p:cSld>
-  <p:clrMapOvr>
-    <a:masterClrMapping/>
-  </p:clrMapOvr>
-</p:sld>
-</file>
-
-<file path=ppt/slides/slide8.xml><?xml version="1.0" encoding="utf-8"?>
 <p:sld xmlns:a="http://schemas.openxmlformats.org/drawingml/2006/main" xmlns:r="http://schemas.openxmlformats.org/officeDocument/2006/relationships" xmlns:p="http://schemas.openxmlformats.org/presentationml/2006/main">
   <p:cSld>
     <p:spTree>
@@ -5169,7 +5229,7 @@
                   <a:srgbClr val="FF0000"/>
                 </a:solidFill>
               </a:rPr>
-              <a:t>Date:</a:t>
+              <a:t>Date: 2018-11-07</a:t>
             </a:r>
           </a:p>
           <a:p>
@@ -5189,10 +5249,4451 @@
           </a:p>
         </p:txBody>
       </p:sp>
+      <p:sp>
+        <p:nvSpPr>
+          <p:cNvPr id="2" name="文本框 1"/>
+          <p:cNvSpPr txBox="1"/>
+          <p:nvPr/>
+        </p:nvSpPr>
+        <p:spPr>
+          <a:xfrm>
+            <a:off x="3761874" y="513188"/>
+            <a:ext cx="5045242" cy="369332"/>
+          </a:xfrm>
+          <a:prstGeom prst="rect">
+            <a:avLst/>
+          </a:prstGeom>
+          <a:noFill/>
+        </p:spPr>
+        <p:txBody>
+          <a:bodyPr wrap="square" rtlCol="0">
+            <a:spAutoFit/>
+          </a:bodyPr>
+          <a:lstStyle/>
+          <a:p>
+            <a:r>
+              <a:rPr lang="zh-CN" altLang="en-US" b="1" dirty="0" smtClean="0"/>
+              <a:t>快度</a:t>
+            </a:r>
+            <a:r>
+              <a:rPr lang="en-US" altLang="zh-CN" b="1" dirty="0" smtClean="0"/>
+              <a:t>(Rapidity)    </a:t>
+            </a:r>
+            <a:r>
+              <a:rPr lang="zh-CN" altLang="en-US" b="1" dirty="0"/>
+              <a:t>赝快</a:t>
+            </a:r>
+            <a:r>
+              <a:rPr lang="zh-CN" altLang="en-US" b="1" dirty="0" smtClean="0"/>
+              <a:t>度</a:t>
+            </a:r>
+            <a:r>
+              <a:rPr lang="en-US" altLang="zh-CN" b="1" dirty="0" smtClean="0"/>
+              <a:t>(</a:t>
+            </a:r>
+            <a:r>
+              <a:rPr lang="en-US" altLang="zh-CN" b="1" dirty="0" err="1" smtClean="0"/>
+              <a:t>PseudoRapidity</a:t>
+            </a:r>
+            <a:r>
+              <a:rPr lang="en-US" altLang="zh-CN" b="1" dirty="0" smtClean="0"/>
+              <a:t>)</a:t>
+            </a:r>
+            <a:endParaRPr lang="zh-CN" altLang="en-US" b="1" dirty="0"/>
+          </a:p>
+        </p:txBody>
+      </p:sp>
+      <p:sp>
+        <p:nvSpPr>
+          <p:cNvPr id="9" name="TextBox 4"/>
+          <p:cNvSpPr txBox="1"/>
+          <p:nvPr/>
+        </p:nvSpPr>
+        <p:spPr>
+          <a:xfrm>
+            <a:off x="604937" y="1109560"/>
+            <a:ext cx="11587063" cy="369332"/>
+          </a:xfrm>
+          <a:prstGeom prst="rect">
+            <a:avLst/>
+          </a:prstGeom>
+          <a:noFill/>
+        </p:spPr>
+        <p:txBody>
+          <a:bodyPr wrap="square" rtlCol="0">
+            <a:spAutoFit/>
+          </a:bodyPr>
+          <a:lstStyle/>
+          <a:p>
+            <a:r>
+              <a:rPr lang="en-US" dirty="0" smtClean="0"/>
+              <a:t>●  Rapidity is a type of “velocity” while </a:t>
+            </a:r>
+            <a:r>
+              <a:rPr lang="en-US" dirty="0" err="1" smtClean="0"/>
+              <a:t>pseudorapidity</a:t>
+            </a:r>
+            <a:r>
+              <a:rPr lang="en-US" dirty="0" smtClean="0"/>
+              <a:t> is a type of “angle” that tells us where we are in the detector.  </a:t>
+            </a:r>
+          </a:p>
+        </p:txBody>
+      </p:sp>
+      <mc:AlternateContent xmlns:mc="http://schemas.openxmlformats.org/markup-compatibility/2006">
+        <mc:Choice xmlns:a14="http://schemas.microsoft.com/office/drawing/2010/main" Requires="a14">
+          <p:sp>
+            <p:nvSpPr>
+              <p:cNvPr id="10" name="TextBox 4"/>
+              <p:cNvSpPr txBox="1"/>
+              <p:nvPr/>
+            </p:nvSpPr>
+            <p:spPr>
+              <a:xfrm>
+                <a:off x="604936" y="1787926"/>
+                <a:ext cx="11587063" cy="1614866"/>
+              </a:xfrm>
+              <a:prstGeom prst="rect">
+                <a:avLst/>
+              </a:prstGeom>
+              <a:noFill/>
+            </p:spPr>
+            <p:txBody>
+              <a:bodyPr wrap="square" rtlCol="0">
+                <a:spAutoFit/>
+              </a:bodyPr>
+              <a:lstStyle/>
+              <a:p>
+                <a:r>
+                  <a:rPr lang="en-US" b="1" dirty="0" smtClean="0">
+                    <a:solidFill>
+                      <a:srgbClr val="FF0000"/>
+                    </a:solidFill>
+                  </a:rPr>
+                  <a:t>●  </a:t>
+                </a:r>
+                <a:r>
+                  <a:rPr lang="zh-CN" altLang="en-US" b="1" dirty="0" smtClean="0">
+                    <a:solidFill>
+                      <a:srgbClr val="FF0000"/>
+                    </a:solidFill>
+                  </a:rPr>
+                  <a:t>赝快度</a:t>
+                </a:r>
+                <a14:m>
+                  <m:oMath xmlns:m="http://schemas.openxmlformats.org/officeDocument/2006/math">
+                    <m:r>
+                      <a:rPr lang="zh-CN" altLang="en-US" b="1" i="1" smtClean="0">
+                        <a:solidFill>
+                          <a:srgbClr val="FF0000"/>
+                        </a:solidFill>
+                        <a:latin typeface="Cambria Math" panose="02040503050406030204" pitchFamily="18" charset="0"/>
+                      </a:rPr>
+                      <m:t>𝜼</m:t>
+                    </m:r>
+                  </m:oMath>
+                </a14:m>
+                <a:endParaRPr lang="en-US" altLang="zh-CN" b="1" dirty="0" smtClean="0">
+                  <a:solidFill>
+                    <a:srgbClr val="FF0000"/>
+                  </a:solidFill>
+                </a:endParaRPr>
+              </a:p>
+              <a:p>
+                <a:endParaRPr lang="en-US" altLang="zh-CN" dirty="0" smtClean="0"/>
+              </a:p>
+              <a:p>
+                <a:r>
+                  <a:rPr lang="en-US" dirty="0"/>
+                  <a:t>     </a:t>
+                </a:r>
+                <a:r>
+                  <a:rPr lang="en-US" dirty="0" smtClean="0"/>
+                  <a:t>● </a:t>
+                </a:r>
+                <a:r>
+                  <a:rPr lang="zh-CN" altLang="en-US" dirty="0" smtClean="0"/>
+                  <a:t>用来描述粒子的</a:t>
+                </a:r>
+                <a:r>
+                  <a:rPr lang="zh-CN" altLang="en-US" b="1" dirty="0" smtClean="0">
+                    <a:solidFill>
+                      <a:srgbClr val="FF0000"/>
+                    </a:solidFill>
+                  </a:rPr>
+                  <a:t>运动方向与入射粒子的</a:t>
+                </a:r>
+                <a:r>
+                  <a:rPr lang="zh-CN" altLang="en-US" b="1" dirty="0" smtClean="0">
+                    <a:solidFill>
+                      <a:srgbClr val="FF0000"/>
+                    </a:solidFill>
+                  </a:rPr>
+                  <a:t>夹角</a:t>
+                </a:r>
+                <a:endParaRPr lang="en-US" altLang="zh-CN" b="1" dirty="0">
+                  <a:solidFill>
+                    <a:srgbClr val="FF0000"/>
+                  </a:solidFill>
+                </a:endParaRPr>
+              </a:p>
+              <a:p>
+                <a:r>
+                  <a:rPr lang="en-US" altLang="zh-CN" dirty="0" smtClean="0"/>
+                  <a:t>          </a:t>
+                </a:r>
+                <a14:m>
+                  <m:oMath xmlns:m="http://schemas.openxmlformats.org/officeDocument/2006/math">
+                    <m:r>
+                      <a:rPr lang="zh-CN" altLang="en-US" i="1" smtClean="0">
+                        <a:latin typeface="Cambria Math" panose="02040503050406030204" pitchFamily="18" charset="0"/>
+                      </a:rPr>
+                      <m:t>𝜂</m:t>
+                    </m:r>
+                    <m:r>
+                      <a:rPr lang="en-US" altLang="zh-CN" b="0" i="1" smtClean="0">
+                        <a:latin typeface="Cambria Math" panose="02040503050406030204" pitchFamily="18" charset="0"/>
+                      </a:rPr>
+                      <m:t>=−</m:t>
+                    </m:r>
+                    <m:r>
+                      <m:rPr>
+                        <m:sty m:val="p"/>
+                      </m:rPr>
+                      <a:rPr lang="en-US" altLang="zh-CN" b="0" i="0" smtClean="0">
+                        <a:latin typeface="Cambria Math" panose="02040503050406030204" pitchFamily="18" charset="0"/>
+                      </a:rPr>
+                      <m:t>ln</m:t>
+                    </m:r>
+                    <m:r>
+                      <a:rPr lang="en-US" altLang="zh-CN" b="0" i="1" smtClean="0">
+                        <a:latin typeface="Cambria Math" panose="02040503050406030204" pitchFamily="18" charset="0"/>
+                      </a:rPr>
+                      <m:t>⁡</m:t>
+                    </m:r>
+                    <m:d>
+                      <m:dPr>
+                        <m:begChr m:val="["/>
+                        <m:endChr m:val="]"/>
+                        <m:ctrlPr>
+                          <a:rPr lang="en-US" altLang="zh-CN" b="0" i="1" smtClean="0">
+                            <a:latin typeface="Cambria Math" panose="02040503050406030204" pitchFamily="18" charset="0"/>
+                          </a:rPr>
+                        </m:ctrlPr>
+                      </m:dPr>
+                      <m:e>
+                        <m:r>
+                          <a:rPr lang="en-US" altLang="zh-CN" b="0" i="1" smtClean="0">
+                            <a:latin typeface="Cambria Math" panose="02040503050406030204" pitchFamily="18" charset="0"/>
+                          </a:rPr>
+                          <m:t>𝑡𝑎𝑛</m:t>
+                        </m:r>
+                        <m:d>
+                          <m:dPr>
+                            <m:ctrlPr>
+                              <a:rPr lang="en-US" altLang="zh-CN" b="0" i="1" smtClean="0">
+                                <a:latin typeface="Cambria Math" panose="02040503050406030204" pitchFamily="18" charset="0"/>
+                              </a:rPr>
+                            </m:ctrlPr>
+                          </m:dPr>
+                          <m:e>
+                            <m:f>
+                              <m:fPr>
+                                <m:ctrlPr>
+                                  <a:rPr lang="en-US" altLang="zh-CN" b="0" i="1" smtClean="0">
+                                    <a:latin typeface="Cambria Math" panose="02040503050406030204" pitchFamily="18" charset="0"/>
+                                  </a:rPr>
+                                </m:ctrlPr>
+                              </m:fPr>
+                              <m:num>
+                                <m:r>
+                                  <a:rPr lang="zh-CN" altLang="en-US" b="0" i="1" smtClean="0">
+                                    <a:latin typeface="Cambria Math" panose="02040503050406030204" pitchFamily="18" charset="0"/>
+                                  </a:rPr>
+                                  <m:t>𝜃</m:t>
+                                </m:r>
+                              </m:num>
+                              <m:den>
+                                <m:r>
+                                  <a:rPr lang="en-US" altLang="zh-CN" b="0" i="1" smtClean="0">
+                                    <a:latin typeface="Cambria Math" panose="02040503050406030204" pitchFamily="18" charset="0"/>
+                                  </a:rPr>
+                                  <m:t>2</m:t>
+                                </m:r>
+                              </m:den>
+                            </m:f>
+                          </m:e>
+                        </m:d>
+                      </m:e>
+                    </m:d>
+                  </m:oMath>
+                </a14:m>
+                <a:r>
+                  <a:rPr lang="en-US" altLang="zh-CN" dirty="0" smtClean="0"/>
+                  <a:t>, </a:t>
+                </a:r>
+                <a14:m>
+                  <m:oMath xmlns:m="http://schemas.openxmlformats.org/officeDocument/2006/math">
+                    <m:r>
+                      <a:rPr lang="zh-CN" altLang="en-US" i="1" smtClean="0">
+                        <a:latin typeface="Cambria Math" panose="02040503050406030204" pitchFamily="18" charset="0"/>
+                      </a:rPr>
+                      <m:t>𝜃</m:t>
+                    </m:r>
+                    <m:r>
+                      <a:rPr lang="en-US" altLang="zh-CN" b="0" i="1" smtClean="0">
+                        <a:latin typeface="Cambria Math" panose="02040503050406030204" pitchFamily="18" charset="0"/>
+                      </a:rPr>
+                      <m:t> </m:t>
+                    </m:r>
+                  </m:oMath>
+                </a14:m>
+                <a:r>
+                  <a:rPr lang="zh-CN" altLang="en-US" dirty="0" smtClean="0"/>
+                  <a:t>是与入射粒子的夹角</a:t>
+                </a:r>
+                <a:endParaRPr lang="en-US" altLang="zh-CN" dirty="0" smtClean="0"/>
+              </a:p>
+              <a:p>
+                <a:r>
+                  <a:rPr lang="en-US" altLang="zh-CN" dirty="0"/>
+                  <a:t> </a:t>
+                </a:r>
+                <a:r>
+                  <a:rPr lang="en-US" altLang="zh-CN" dirty="0" smtClean="0"/>
+                  <a:t>   </a:t>
+                </a:r>
+                <a:endParaRPr lang="en-US" altLang="zh-CN" dirty="0" smtClean="0"/>
+              </a:p>
+            </p:txBody>
+          </p:sp>
+        </mc:Choice>
+        <mc:Fallback>
+          <p:sp>
+            <p:nvSpPr>
+              <p:cNvPr id="10" name="TextBox 4"/>
+              <p:cNvSpPr txBox="1">
+                <a:spLocks noRot="1" noChangeAspect="1" noMove="1" noResize="1" noEditPoints="1" noAdjustHandles="1" noChangeArrowheads="1" noChangeShapeType="1" noTextEdit="1"/>
+              </p:cNvSpPr>
+              <p:nvPr/>
+            </p:nvSpPr>
+            <p:spPr>
+              <a:xfrm>
+                <a:off x="604936" y="1787926"/>
+                <a:ext cx="11587063" cy="1614866"/>
+              </a:xfrm>
+              <a:prstGeom prst="rect">
+                <a:avLst/>
+              </a:prstGeom>
+              <a:blipFill rotWithShape="0">
+                <a:blip r:embed="rId2"/>
+                <a:stretch>
+                  <a:fillRect l="-421" t="-3019"/>
+                </a:stretch>
+              </a:blipFill>
+            </p:spPr>
+            <p:txBody>
+              <a:bodyPr/>
+              <a:lstStyle/>
+              <a:p>
+                <a:r>
+                  <a:rPr lang="zh-CN" altLang="en-US">
+                    <a:noFill/>
+                  </a:rPr>
+                  <a:t> </a:t>
+                </a:r>
+              </a:p>
+            </p:txBody>
+          </p:sp>
+        </mc:Fallback>
+      </mc:AlternateContent>
+      <p:pic>
+        <p:nvPicPr>
+          <p:cNvPr id="1026" name="Picture 2" descr="https://upload.wikimedia.org/wikipedia/commons/3/30/Pseudorapidity2.png"/>
+          <p:cNvPicPr>
+            <a:picLocks noChangeAspect="1" noChangeArrowheads="1"/>
+          </p:cNvPicPr>
+          <p:nvPr/>
+        </p:nvPicPr>
+        <p:blipFill>
+          <a:blip r:embed="rId3">
+            <a:extLst>
+              <a:ext uri="{28A0092B-C50C-407E-A947-70E740481C1C}">
+                <a14:useLocalDpi xmlns:a14="http://schemas.microsoft.com/office/drawing/2010/main" val="0"/>
+              </a:ext>
+            </a:extLst>
+          </a:blip>
+          <a:srcRect/>
+          <a:stretch>
+            <a:fillRect/>
+          </a:stretch>
+        </p:blipFill>
+        <p:spPr bwMode="auto">
+          <a:xfrm>
+            <a:off x="9125149" y="2023427"/>
+            <a:ext cx="2571750" cy="2095501"/>
+          </a:xfrm>
+          <a:prstGeom prst="rect">
+            <a:avLst/>
+          </a:prstGeom>
+          <a:noFill/>
+          <a:extLst>
+            <a:ext uri="{909E8E84-426E-40DD-AFC4-6F175D3DCCD1}">
+              <a14:hiddenFill xmlns:a14="http://schemas.microsoft.com/office/drawing/2010/main">
+                <a:solidFill>
+                  <a:srgbClr val="FFFFFF"/>
+                </a:solidFill>
+              </a14:hiddenFill>
+            </a:ext>
+          </a:extLst>
+        </p:spPr>
+      </p:pic>
+      <p:pic>
+        <p:nvPicPr>
+          <p:cNvPr id="1028" name="Picture 4" descr="Pseudorapidity.svg"/>
+          <p:cNvPicPr>
+            <a:picLocks noChangeAspect="1" noChangeArrowheads="1"/>
+          </p:cNvPicPr>
+          <p:nvPr/>
+        </p:nvPicPr>
+        <p:blipFill>
+          <a:blip r:embed="rId4" cstate="print">
+            <a:extLst>
+              <a:ext uri="{28A0092B-C50C-407E-A947-70E740481C1C}">
+                <a14:useLocalDpi xmlns:a14="http://schemas.microsoft.com/office/drawing/2010/main" val="0"/>
+              </a:ext>
+            </a:extLst>
+          </a:blip>
+          <a:srcRect/>
+          <a:stretch>
+            <a:fillRect/>
+          </a:stretch>
+        </p:blipFill>
+        <p:spPr bwMode="auto">
+          <a:xfrm>
+            <a:off x="6022473" y="1756049"/>
+            <a:ext cx="2607577" cy="2737957"/>
+          </a:xfrm>
+          <a:prstGeom prst="rect">
+            <a:avLst/>
+          </a:prstGeom>
+          <a:noFill/>
+          <a:extLst>
+            <a:ext uri="{909E8E84-426E-40DD-AFC4-6F175D3DCCD1}">
+              <a14:hiddenFill xmlns:a14="http://schemas.microsoft.com/office/drawing/2010/main">
+                <a:solidFill>
+                  <a:srgbClr val="FFFFFF"/>
+                </a:solidFill>
+              </a14:hiddenFill>
+            </a:ext>
+          </a:extLst>
+        </p:spPr>
+      </p:pic>
+      <mc:AlternateContent xmlns:mc="http://schemas.openxmlformats.org/markup-compatibility/2006">
+        <mc:Choice xmlns:a14="http://schemas.microsoft.com/office/drawing/2010/main" Requires="a14">
+          <p:sp>
+            <p:nvSpPr>
+              <p:cNvPr id="8" name="TextBox 4"/>
+              <p:cNvSpPr txBox="1"/>
+              <p:nvPr/>
+            </p:nvSpPr>
+            <p:spPr>
+              <a:xfrm>
+                <a:off x="386093" y="3075176"/>
+                <a:ext cx="4945289" cy="923330"/>
+              </a:xfrm>
+              <a:prstGeom prst="rect">
+                <a:avLst/>
+              </a:prstGeom>
+              <a:noFill/>
+            </p:spPr>
+            <p:txBody>
+              <a:bodyPr wrap="square" rtlCol="0">
+                <a:spAutoFit/>
+              </a:bodyPr>
+              <a:lstStyle/>
+              <a:p>
+                <a:endParaRPr lang="en-US" altLang="zh-CN" dirty="0" smtClean="0"/>
+              </a:p>
+              <a:p>
+                <a:r>
+                  <a:rPr lang="en-US" dirty="0"/>
+                  <a:t>     </a:t>
+                </a:r>
+                <a:r>
+                  <a:rPr lang="en-US" dirty="0" smtClean="0"/>
+                  <a:t>● </a:t>
+                </a:r>
+                <a:r>
+                  <a:rPr lang="zh-CN" altLang="en-US" dirty="0" smtClean="0"/>
+                  <a:t>赝快度也可以表示为</a:t>
+                </a:r>
+                <a:r>
+                  <a:rPr lang="zh-CN" altLang="en-US" dirty="0" smtClean="0">
+                    <a:solidFill>
+                      <a:srgbClr val="FF0000"/>
+                    </a:solidFill>
+                  </a:rPr>
+                  <a:t>动量</a:t>
+                </a:r>
+                <a14:m>
+                  <m:oMath xmlns:m="http://schemas.openxmlformats.org/officeDocument/2006/math">
+                    <m:r>
+                      <a:rPr lang="en-US" altLang="zh-CN" b="0" i="0" smtClean="0">
+                        <a:solidFill>
+                          <a:srgbClr val="FF0000"/>
+                        </a:solidFill>
+                        <a:latin typeface="Cambria Math" panose="02040503050406030204" pitchFamily="18" charset="0"/>
+                      </a:rPr>
+                      <m:t> </m:t>
+                    </m:r>
+                    <m:acc>
+                      <m:accPr>
+                        <m:chr m:val="⃗"/>
+                        <m:ctrlPr>
+                          <a:rPr lang="zh-CN" altLang="en-US" i="1" smtClean="0">
+                            <a:solidFill>
+                              <a:srgbClr val="FF0000"/>
+                            </a:solidFill>
+                            <a:latin typeface="Cambria Math" panose="02040503050406030204" pitchFamily="18" charset="0"/>
+                          </a:rPr>
+                        </m:ctrlPr>
+                      </m:accPr>
+                      <m:e>
+                        <m:r>
+                          <m:rPr>
+                            <m:sty m:val="p"/>
+                          </m:rPr>
+                          <a:rPr lang="en-US" altLang="zh-CN" i="1">
+                            <a:solidFill>
+                              <a:srgbClr val="FF0000"/>
+                            </a:solidFill>
+                            <a:latin typeface="Cambria Math" panose="02040503050406030204" pitchFamily="18" charset="0"/>
+                          </a:rPr>
+                          <m:t>p</m:t>
+                        </m:r>
+                      </m:e>
+                    </m:acc>
+                    <m:r>
+                      <a:rPr lang="en-US" altLang="zh-CN" b="0" i="1" smtClean="0">
+                        <a:solidFill>
+                          <a:srgbClr val="FF0000"/>
+                        </a:solidFill>
+                        <a:latin typeface="Cambria Math" panose="02040503050406030204" pitchFamily="18" charset="0"/>
+                      </a:rPr>
+                      <m:t> </m:t>
+                    </m:r>
+                  </m:oMath>
+                </a14:m>
+                <a:r>
+                  <a:rPr lang="zh-CN" altLang="en-US" dirty="0" smtClean="0">
+                    <a:solidFill>
+                      <a:srgbClr val="FF0000"/>
+                    </a:solidFill>
+                  </a:rPr>
+                  <a:t>的函数</a:t>
+                </a:r>
+                <a:r>
+                  <a:rPr lang="zh-CN" altLang="en-US" dirty="0" smtClean="0"/>
+                  <a:t>：</a:t>
+                </a:r>
+                <a:endParaRPr lang="en-US" altLang="zh-CN" dirty="0" smtClean="0"/>
+              </a:p>
+              <a:p>
+                <a:r>
+                  <a:rPr lang="en-US" altLang="zh-CN" dirty="0"/>
+                  <a:t> </a:t>
+                </a:r>
+                <a:r>
+                  <a:rPr lang="en-US" altLang="zh-CN" dirty="0" smtClean="0"/>
+                  <a:t>  </a:t>
+                </a:r>
+                <a:endParaRPr lang="en-US" altLang="zh-CN" dirty="0" smtClean="0"/>
+              </a:p>
+            </p:txBody>
+          </p:sp>
+        </mc:Choice>
+        <mc:Fallback>
+          <p:sp>
+            <p:nvSpPr>
+              <p:cNvPr id="8" name="TextBox 4"/>
+              <p:cNvSpPr txBox="1">
+                <a:spLocks noRot="1" noChangeAspect="1" noMove="1" noResize="1" noEditPoints="1" noAdjustHandles="1" noChangeArrowheads="1" noChangeShapeType="1" noTextEdit="1"/>
+              </p:cNvSpPr>
+              <p:nvPr/>
+            </p:nvSpPr>
+            <p:spPr>
+              <a:xfrm>
+                <a:off x="386093" y="3075176"/>
+                <a:ext cx="4945289" cy="923330"/>
+              </a:xfrm>
+              <a:prstGeom prst="rect">
+                <a:avLst/>
+              </a:prstGeom>
+              <a:blipFill rotWithShape="0">
+                <a:blip r:embed="rId5"/>
+                <a:stretch>
+                  <a:fillRect/>
+                </a:stretch>
+              </a:blipFill>
+            </p:spPr>
+            <p:txBody>
+              <a:bodyPr/>
+              <a:lstStyle/>
+              <a:p>
+                <a:r>
+                  <a:rPr lang="zh-CN" altLang="en-US">
+                    <a:noFill/>
+                  </a:rPr>
+                  <a:t> </a:t>
+                </a:r>
+              </a:p>
+            </p:txBody>
+          </p:sp>
+        </mc:Fallback>
+      </mc:AlternateContent>
+      <mc:AlternateContent xmlns:mc="http://schemas.openxmlformats.org/markup-compatibility/2006">
+        <mc:Choice xmlns:a14="http://schemas.microsoft.com/office/drawing/2010/main" Requires="a14">
+          <p:sp>
+            <p:nvSpPr>
+              <p:cNvPr id="3" name="矩形 2"/>
+              <p:cNvSpPr/>
+              <p:nvPr/>
+            </p:nvSpPr>
+            <p:spPr>
+              <a:xfrm>
+                <a:off x="895771" y="3643593"/>
+                <a:ext cx="3637598" cy="714683"/>
+              </a:xfrm>
+              <a:prstGeom prst="rect">
+                <a:avLst/>
+              </a:prstGeom>
+            </p:spPr>
+            <p:txBody>
+              <a:bodyPr wrap="none">
+                <a:spAutoFit/>
+              </a:bodyPr>
+              <a:lstStyle/>
+              <a:p>
+                <a14:m>
+                  <m:oMathPara xmlns:m="http://schemas.openxmlformats.org/officeDocument/2006/math">
+                    <m:oMathParaPr>
+                      <m:jc m:val="centerGroup"/>
+                    </m:oMathParaPr>
+                    <m:oMath xmlns:m="http://schemas.openxmlformats.org/officeDocument/2006/math">
+                      <m:r>
+                        <a:rPr lang="zh-CN" altLang="en-US" i="1" smtClean="0">
+                          <a:latin typeface="Cambria Math" panose="02040503050406030204" pitchFamily="18" charset="0"/>
+                        </a:rPr>
+                        <m:t>𝜂</m:t>
+                      </m:r>
+                      <m:r>
+                        <a:rPr lang="en-US" altLang="zh-CN" i="1">
+                          <a:latin typeface="Cambria Math" panose="02040503050406030204" pitchFamily="18" charset="0"/>
+                        </a:rPr>
+                        <m:t>=</m:t>
+                      </m:r>
+                      <m:f>
+                        <m:fPr>
+                          <m:ctrlPr>
+                            <a:rPr lang="en-US" altLang="zh-CN" i="1" smtClean="0">
+                              <a:latin typeface="Cambria Math" panose="02040503050406030204" pitchFamily="18" charset="0"/>
+                            </a:rPr>
+                          </m:ctrlPr>
+                        </m:fPr>
+                        <m:num>
+                          <m:r>
+                            <a:rPr lang="en-US" altLang="zh-CN" b="0" i="1" smtClean="0">
+                              <a:latin typeface="Cambria Math" panose="02040503050406030204" pitchFamily="18" charset="0"/>
+                            </a:rPr>
+                            <m:t>1</m:t>
+                          </m:r>
+                        </m:num>
+                        <m:den>
+                          <m:r>
+                            <a:rPr lang="en-US" altLang="zh-CN" b="0" i="1" smtClean="0">
+                              <a:latin typeface="Cambria Math" panose="02040503050406030204" pitchFamily="18" charset="0"/>
+                            </a:rPr>
+                            <m:t>2</m:t>
+                          </m:r>
+                        </m:den>
+                      </m:f>
+                      <m:func>
+                        <m:funcPr>
+                          <m:ctrlPr>
+                            <a:rPr lang="en-US" altLang="zh-CN" i="1">
+                              <a:latin typeface="Cambria Math" panose="02040503050406030204" pitchFamily="18" charset="0"/>
+                            </a:rPr>
+                          </m:ctrlPr>
+                        </m:funcPr>
+                        <m:fName>
+                          <m:r>
+                            <m:rPr>
+                              <m:sty m:val="p"/>
+                            </m:rPr>
+                            <a:rPr lang="en-US" altLang="zh-CN">
+                              <a:latin typeface="Cambria Math" panose="02040503050406030204" pitchFamily="18" charset="0"/>
+                            </a:rPr>
+                            <m:t>ln</m:t>
+                          </m:r>
+                        </m:fName>
+                        <m:e>
+                          <m:d>
+                            <m:dPr>
+                              <m:ctrlPr>
+                                <a:rPr lang="en-US" altLang="zh-CN" i="1" smtClean="0">
+                                  <a:latin typeface="Cambria Math" panose="02040503050406030204" pitchFamily="18" charset="0"/>
+                                </a:rPr>
+                              </m:ctrlPr>
+                            </m:dPr>
+                            <m:e>
+                              <m:f>
+                                <m:fPr>
+                                  <m:ctrlPr>
+                                    <a:rPr lang="en-US" altLang="zh-CN" i="1" smtClean="0">
+                                      <a:latin typeface="Cambria Math" panose="02040503050406030204" pitchFamily="18" charset="0"/>
+                                    </a:rPr>
+                                  </m:ctrlPr>
+                                </m:fPr>
+                                <m:num>
+                                  <m:d>
+                                    <m:dPr>
+                                      <m:begChr m:val="|"/>
+                                      <m:endChr m:val="|"/>
+                                      <m:ctrlPr>
+                                        <a:rPr lang="en-US" altLang="zh-CN" i="1">
+                                          <a:latin typeface="Cambria Math" panose="02040503050406030204" pitchFamily="18" charset="0"/>
+                                        </a:rPr>
+                                      </m:ctrlPr>
+                                    </m:dPr>
+                                    <m:e>
+                                      <m:acc>
+                                        <m:accPr>
+                                          <m:chr m:val="⃗"/>
+                                          <m:ctrlPr>
+                                            <a:rPr lang="en-US" altLang="zh-CN" i="1">
+                                              <a:latin typeface="Cambria Math" panose="02040503050406030204" pitchFamily="18" charset="0"/>
+                                            </a:rPr>
+                                          </m:ctrlPr>
+                                        </m:accPr>
+                                        <m:e>
+                                          <m:r>
+                                            <m:rPr>
+                                              <m:sty m:val="p"/>
+                                            </m:rPr>
+                                            <a:rPr lang="en-US" altLang="zh-CN" i="1">
+                                              <a:latin typeface="Cambria Math" panose="02040503050406030204" pitchFamily="18" charset="0"/>
+                                            </a:rPr>
+                                            <m:t>p</m:t>
+                                          </m:r>
+                                        </m:e>
+                                      </m:acc>
+                                    </m:e>
+                                  </m:d>
+                                  <m:r>
+                                    <a:rPr lang="en-US" altLang="zh-CN" b="0" i="1" smtClean="0">
+                                      <a:latin typeface="Cambria Math" panose="02040503050406030204" pitchFamily="18" charset="0"/>
+                                    </a:rPr>
+                                    <m:t>+</m:t>
+                                  </m:r>
+                                  <m:sSub>
+                                    <m:sSubPr>
+                                      <m:ctrlPr>
+                                        <a:rPr lang="en-US" altLang="zh-CN" i="1">
+                                          <a:latin typeface="Cambria Math" panose="02040503050406030204" pitchFamily="18" charset="0"/>
+                                        </a:rPr>
+                                      </m:ctrlPr>
+                                    </m:sSubPr>
+                                    <m:e>
+                                      <m:r>
+                                        <a:rPr lang="en-US" altLang="zh-CN" i="1">
+                                          <a:latin typeface="Cambria Math" panose="02040503050406030204" pitchFamily="18" charset="0"/>
+                                        </a:rPr>
+                                        <m:t>𝑝</m:t>
+                                      </m:r>
+                                    </m:e>
+                                    <m:sub>
+                                      <m:r>
+                                        <a:rPr lang="en-US" altLang="zh-CN" i="1">
+                                          <a:latin typeface="Cambria Math" panose="02040503050406030204" pitchFamily="18" charset="0"/>
+                                        </a:rPr>
+                                        <m:t>𝐿</m:t>
+                                      </m:r>
+                                    </m:sub>
+                                  </m:sSub>
+                                </m:num>
+                                <m:den>
+                                  <m:d>
+                                    <m:dPr>
+                                      <m:begChr m:val="|"/>
+                                      <m:endChr m:val="|"/>
+                                      <m:ctrlPr>
+                                        <a:rPr lang="en-US" altLang="zh-CN" i="1" smtClean="0">
+                                          <a:latin typeface="Cambria Math" panose="02040503050406030204" pitchFamily="18" charset="0"/>
+                                        </a:rPr>
+                                      </m:ctrlPr>
+                                    </m:dPr>
+                                    <m:e>
+                                      <m:acc>
+                                        <m:accPr>
+                                          <m:chr m:val="⃗"/>
+                                          <m:ctrlPr>
+                                            <a:rPr lang="en-US" altLang="zh-CN" i="1" smtClean="0">
+                                              <a:latin typeface="Cambria Math" panose="02040503050406030204" pitchFamily="18" charset="0"/>
+                                            </a:rPr>
+                                          </m:ctrlPr>
+                                        </m:accPr>
+                                        <m:e>
+                                          <m:r>
+                                            <m:rPr>
+                                              <m:sty m:val="p"/>
+                                            </m:rPr>
+                                            <a:rPr lang="en-US" altLang="zh-CN" i="1">
+                                              <a:latin typeface="Cambria Math" panose="02040503050406030204" pitchFamily="18" charset="0"/>
+                                            </a:rPr>
+                                            <m:t>p</m:t>
+                                          </m:r>
+                                        </m:e>
+                                      </m:acc>
+                                    </m:e>
+                                  </m:d>
+                                  <m:r>
+                                    <a:rPr lang="en-US" altLang="zh-CN" b="0" i="1" smtClean="0">
+                                      <a:latin typeface="Cambria Math" panose="02040503050406030204" pitchFamily="18" charset="0"/>
+                                    </a:rPr>
+                                    <m:t>−</m:t>
+                                  </m:r>
+                                  <m:sSub>
+                                    <m:sSubPr>
+                                      <m:ctrlPr>
+                                        <a:rPr lang="en-US" altLang="zh-CN" b="0" i="1" smtClean="0">
+                                          <a:latin typeface="Cambria Math" panose="02040503050406030204" pitchFamily="18" charset="0"/>
+                                        </a:rPr>
+                                      </m:ctrlPr>
+                                    </m:sSubPr>
+                                    <m:e>
+                                      <m:r>
+                                        <a:rPr lang="en-US" altLang="zh-CN" b="0" i="1" smtClean="0">
+                                          <a:latin typeface="Cambria Math" panose="02040503050406030204" pitchFamily="18" charset="0"/>
+                                        </a:rPr>
+                                        <m:t>𝑝</m:t>
+                                      </m:r>
+                                    </m:e>
+                                    <m:sub>
+                                      <m:r>
+                                        <a:rPr lang="en-US" altLang="zh-CN" b="0" i="1" smtClean="0">
+                                          <a:latin typeface="Cambria Math" panose="02040503050406030204" pitchFamily="18" charset="0"/>
+                                        </a:rPr>
+                                        <m:t>𝐿</m:t>
+                                      </m:r>
+                                    </m:sub>
+                                  </m:sSub>
+                                </m:den>
+                              </m:f>
+                            </m:e>
+                          </m:d>
+                        </m:e>
+                      </m:func>
+                      <m:r>
+                        <a:rPr lang="en-US" altLang="zh-CN" b="0" i="0" smtClean="0">
+                          <a:latin typeface="Cambria Math" panose="02040503050406030204" pitchFamily="18" charset="0"/>
+                        </a:rPr>
+                        <m:t>=</m:t>
+                      </m:r>
+                      <m:r>
+                        <m:rPr>
+                          <m:sty m:val="p"/>
+                        </m:rPr>
+                        <a:rPr lang="en-US" altLang="zh-CN" b="0" i="0" smtClean="0">
+                          <a:latin typeface="Cambria Math" panose="02040503050406030204" pitchFamily="18" charset="0"/>
+                        </a:rPr>
+                        <m:t>artanh</m:t>
+                      </m:r>
+                      <m:d>
+                        <m:dPr>
+                          <m:ctrlPr>
+                            <a:rPr lang="en-US" altLang="zh-CN" b="0" i="1" smtClean="0">
+                              <a:latin typeface="Cambria Math" panose="02040503050406030204" pitchFamily="18" charset="0"/>
+                            </a:rPr>
+                          </m:ctrlPr>
+                        </m:dPr>
+                        <m:e>
+                          <m:f>
+                            <m:fPr>
+                              <m:ctrlPr>
+                                <a:rPr lang="en-US" altLang="zh-CN" i="1">
+                                  <a:latin typeface="Cambria Math" panose="02040503050406030204" pitchFamily="18" charset="0"/>
+                                </a:rPr>
+                              </m:ctrlPr>
+                            </m:fPr>
+                            <m:num>
+                              <m:sSub>
+                                <m:sSubPr>
+                                  <m:ctrlPr>
+                                    <a:rPr lang="en-US" altLang="zh-CN" i="1" smtClean="0">
+                                      <a:latin typeface="Cambria Math" panose="02040503050406030204" pitchFamily="18" charset="0"/>
+                                    </a:rPr>
+                                  </m:ctrlPr>
+                                </m:sSubPr>
+                                <m:e>
+                                  <m:r>
+                                    <a:rPr lang="en-US" altLang="zh-CN" i="1">
+                                      <a:latin typeface="Cambria Math" panose="02040503050406030204" pitchFamily="18" charset="0"/>
+                                    </a:rPr>
+                                    <m:t>𝑝</m:t>
+                                  </m:r>
+                                </m:e>
+                                <m:sub>
+                                  <m:r>
+                                    <a:rPr lang="en-US" altLang="zh-CN" i="1">
+                                      <a:latin typeface="Cambria Math" panose="02040503050406030204" pitchFamily="18" charset="0"/>
+                                    </a:rPr>
+                                    <m:t>𝐿</m:t>
+                                  </m:r>
+                                </m:sub>
+                              </m:sSub>
+                            </m:num>
+                            <m:den>
+                              <m:d>
+                                <m:dPr>
+                                  <m:begChr m:val="|"/>
+                                  <m:endChr m:val="|"/>
+                                  <m:ctrlPr>
+                                    <a:rPr lang="en-US" altLang="zh-CN" i="1">
+                                      <a:latin typeface="Cambria Math" panose="02040503050406030204" pitchFamily="18" charset="0"/>
+                                    </a:rPr>
+                                  </m:ctrlPr>
+                                </m:dPr>
+                                <m:e>
+                                  <m:acc>
+                                    <m:accPr>
+                                      <m:chr m:val="⃗"/>
+                                      <m:ctrlPr>
+                                        <a:rPr lang="en-US" altLang="zh-CN" i="1">
+                                          <a:latin typeface="Cambria Math" panose="02040503050406030204" pitchFamily="18" charset="0"/>
+                                        </a:rPr>
+                                      </m:ctrlPr>
+                                    </m:accPr>
+                                    <m:e>
+                                      <m:r>
+                                        <m:rPr>
+                                          <m:sty m:val="p"/>
+                                        </m:rPr>
+                                        <a:rPr lang="en-US" altLang="zh-CN" i="1">
+                                          <a:latin typeface="Cambria Math" panose="02040503050406030204" pitchFamily="18" charset="0"/>
+                                        </a:rPr>
+                                        <m:t>p</m:t>
+                                      </m:r>
+                                    </m:e>
+                                  </m:acc>
+                                </m:e>
+                              </m:d>
+                            </m:den>
+                          </m:f>
+                        </m:e>
+                      </m:d>
+                    </m:oMath>
+                  </m:oMathPara>
+                </a14:m>
+                <a:endParaRPr lang="zh-CN" altLang="en-US" dirty="0"/>
+              </a:p>
+            </p:txBody>
+          </p:sp>
+        </mc:Choice>
+        <mc:Fallback>
+          <p:sp>
+            <p:nvSpPr>
+              <p:cNvPr id="3" name="矩形 2"/>
+              <p:cNvSpPr>
+                <a:spLocks noRot="1" noChangeAspect="1" noMove="1" noResize="1" noEditPoints="1" noAdjustHandles="1" noChangeArrowheads="1" noChangeShapeType="1" noTextEdit="1"/>
+              </p:cNvSpPr>
+              <p:nvPr/>
+            </p:nvSpPr>
+            <p:spPr>
+              <a:xfrm>
+                <a:off x="895771" y="3643593"/>
+                <a:ext cx="3637598" cy="714683"/>
+              </a:xfrm>
+              <a:prstGeom prst="rect">
+                <a:avLst/>
+              </a:prstGeom>
+              <a:blipFill rotWithShape="0">
+                <a:blip r:embed="rId6"/>
+                <a:stretch>
+                  <a:fillRect/>
+                </a:stretch>
+              </a:blipFill>
+            </p:spPr>
+            <p:txBody>
+              <a:bodyPr/>
+              <a:lstStyle/>
+              <a:p>
+                <a:r>
+                  <a:rPr lang="zh-CN" altLang="en-US">
+                    <a:noFill/>
+                  </a:rPr>
+                  <a:t> </a:t>
+                </a:r>
+              </a:p>
+            </p:txBody>
+          </p:sp>
+        </mc:Fallback>
+      </mc:AlternateContent>
+      <mc:AlternateContent xmlns:mc="http://schemas.openxmlformats.org/markup-compatibility/2006">
+        <mc:Choice xmlns:a14="http://schemas.microsoft.com/office/drawing/2010/main" Requires="a14">
+          <p:sp>
+            <p:nvSpPr>
+              <p:cNvPr id="5" name="矩形 4"/>
+              <p:cNvSpPr/>
+              <p:nvPr/>
+            </p:nvSpPr>
+            <p:spPr>
+              <a:xfrm>
+                <a:off x="895771" y="4275221"/>
+                <a:ext cx="4445769" cy="369332"/>
+              </a:xfrm>
+              <a:prstGeom prst="rect">
+                <a:avLst/>
+              </a:prstGeom>
+            </p:spPr>
+            <p:txBody>
+              <a:bodyPr wrap="none">
+                <a:spAutoFit/>
+              </a:bodyPr>
+              <a:lstStyle/>
+              <a:p>
+                <a14:m>
+                  <m:oMath xmlns:m="http://schemas.openxmlformats.org/officeDocument/2006/math">
+                    <m:sSub>
+                      <m:sSubPr>
+                        <m:ctrlPr>
+                          <a:rPr lang="en-US" altLang="zh-CN" i="1" smtClean="0">
+                            <a:latin typeface="Cambria Math" panose="02040503050406030204" pitchFamily="18" charset="0"/>
+                          </a:rPr>
+                        </m:ctrlPr>
+                      </m:sSubPr>
+                      <m:e>
+                        <m:r>
+                          <a:rPr lang="en-US" altLang="zh-CN" i="1">
+                            <a:latin typeface="Cambria Math" panose="02040503050406030204" pitchFamily="18" charset="0"/>
+                          </a:rPr>
+                          <m:t>𝑝</m:t>
+                        </m:r>
+                      </m:e>
+                      <m:sub>
+                        <m:r>
+                          <a:rPr lang="en-US" altLang="zh-CN" i="1">
+                            <a:latin typeface="Cambria Math" panose="02040503050406030204" pitchFamily="18" charset="0"/>
+                          </a:rPr>
+                          <m:t>𝐿</m:t>
+                        </m:r>
+                      </m:sub>
+                    </m:sSub>
+                  </m:oMath>
+                </a14:m>
+                <a:r>
+                  <a:rPr lang="zh-CN" altLang="en-US" dirty="0" smtClean="0"/>
+                  <a:t>是纵向动量</a:t>
+                </a:r>
+                <a:r>
+                  <a:rPr lang="en-US" altLang="zh-CN" dirty="0" smtClean="0"/>
+                  <a:t>, </a:t>
+                </a:r>
+                <a:r>
+                  <a:rPr lang="zh-CN" altLang="en-US" dirty="0" smtClean="0"/>
+                  <a:t>即动量沿着束流方向的分量</a:t>
+                </a:r>
+                <a:endParaRPr lang="zh-CN" altLang="en-US" dirty="0"/>
+              </a:p>
+            </p:txBody>
+          </p:sp>
+        </mc:Choice>
+        <mc:Fallback>
+          <p:sp>
+            <p:nvSpPr>
+              <p:cNvPr id="5" name="矩形 4"/>
+              <p:cNvSpPr>
+                <a:spLocks noRot="1" noChangeAspect="1" noMove="1" noResize="1" noEditPoints="1" noAdjustHandles="1" noChangeArrowheads="1" noChangeShapeType="1" noTextEdit="1"/>
+              </p:cNvSpPr>
+              <p:nvPr/>
+            </p:nvSpPr>
+            <p:spPr>
+              <a:xfrm>
+                <a:off x="895771" y="4275221"/>
+                <a:ext cx="4445769" cy="369332"/>
+              </a:xfrm>
+              <a:prstGeom prst="rect">
+                <a:avLst/>
+              </a:prstGeom>
+              <a:blipFill rotWithShape="0">
+                <a:blip r:embed="rId7"/>
+                <a:stretch>
+                  <a:fillRect t="-13115" r="-549" b="-26230"/>
+                </a:stretch>
+              </a:blipFill>
+            </p:spPr>
+            <p:txBody>
+              <a:bodyPr/>
+              <a:lstStyle/>
+              <a:p>
+                <a:r>
+                  <a:rPr lang="zh-CN" altLang="en-US">
+                    <a:noFill/>
+                  </a:rPr>
+                  <a:t> </a:t>
+                </a:r>
+              </a:p>
+            </p:txBody>
+          </p:sp>
+        </mc:Fallback>
+      </mc:AlternateContent>
+      <mc:AlternateContent xmlns:mc="http://schemas.openxmlformats.org/markup-compatibility/2006">
+        <mc:Choice xmlns:a14="http://schemas.microsoft.com/office/drawing/2010/main" Requires="a14">
+          <p:sp>
+            <p:nvSpPr>
+              <p:cNvPr id="12" name="TextBox 4"/>
+              <p:cNvSpPr txBox="1"/>
+              <p:nvPr/>
+            </p:nvSpPr>
+            <p:spPr>
+              <a:xfrm>
+                <a:off x="349998" y="4835064"/>
+                <a:ext cx="5672475" cy="1363835"/>
+              </a:xfrm>
+              <a:prstGeom prst="rect">
+                <a:avLst/>
+              </a:prstGeom>
+              <a:noFill/>
+            </p:spPr>
+            <p:txBody>
+              <a:bodyPr wrap="square" rtlCol="0">
+                <a:spAutoFit/>
+              </a:bodyPr>
+              <a:lstStyle/>
+              <a:p>
+                <a:endParaRPr lang="en-US" altLang="zh-CN" dirty="0" smtClean="0"/>
+              </a:p>
+              <a:p>
+                <a:r>
+                  <a:rPr lang="en-US" dirty="0"/>
+                  <a:t>     </a:t>
+                </a:r>
+                <a:r>
+                  <a:rPr lang="en-US" dirty="0" smtClean="0"/>
+                  <a:t>● </a:t>
+                </a:r>
+                <a:r>
+                  <a:rPr lang="en-US" altLang="zh-CN" dirty="0"/>
+                  <a:t> </a:t>
+                </a:r>
+                <a:r>
+                  <a:rPr lang="zh-CN" altLang="en-US" dirty="0">
+                    <a:solidFill>
+                      <a:srgbClr val="FF0000"/>
+                    </a:solidFill>
+                  </a:rPr>
+                  <a:t>相对论条件下，数值上，赝快度近似等于快度</a:t>
+                </a:r>
+                <a:endParaRPr lang="en-US" altLang="zh-CN" dirty="0">
+                  <a:solidFill>
+                    <a:srgbClr val="FF0000"/>
+                  </a:solidFill>
+                </a:endParaRPr>
+              </a:p>
+              <a:p>
+                <a:r>
+                  <a:rPr lang="en-US" altLang="zh-CN" dirty="0"/>
+                  <a:t>    </a:t>
+                </a:r>
+                <a14:m>
+                  <m:oMath xmlns:m="http://schemas.openxmlformats.org/officeDocument/2006/math">
+                    <m:r>
+                      <a:rPr lang="en-US" altLang="zh-CN" b="0" i="0" smtClean="0">
+                        <a:latin typeface="Cambria Math" panose="02040503050406030204" pitchFamily="18" charset="0"/>
+                      </a:rPr>
+                      <m:t>     </m:t>
+                    </m:r>
+                    <m:r>
+                      <a:rPr lang="en-US" altLang="zh-CN" i="1">
+                        <a:latin typeface="Cambria Math" panose="02040503050406030204" pitchFamily="18" charset="0"/>
+                      </a:rPr>
+                      <m:t>𝑦</m:t>
+                    </m:r>
+                    <m:r>
+                      <a:rPr lang="en-US" altLang="zh-CN" i="1">
+                        <a:latin typeface="Cambria Math" panose="02040503050406030204" pitchFamily="18" charset="0"/>
+                      </a:rPr>
+                      <m:t>=</m:t>
+                    </m:r>
+                    <m:f>
+                      <m:fPr>
+                        <m:ctrlPr>
+                          <a:rPr lang="en-US" altLang="zh-CN" i="1">
+                            <a:latin typeface="Cambria Math" panose="02040503050406030204" pitchFamily="18" charset="0"/>
+                          </a:rPr>
+                        </m:ctrlPr>
+                      </m:fPr>
+                      <m:num>
+                        <m:r>
+                          <a:rPr lang="en-US" altLang="zh-CN" i="1">
+                            <a:latin typeface="Cambria Math" panose="02040503050406030204" pitchFamily="18" charset="0"/>
+                          </a:rPr>
+                          <m:t>1</m:t>
+                        </m:r>
+                      </m:num>
+                      <m:den>
+                        <m:r>
+                          <a:rPr lang="en-US" altLang="zh-CN" i="1">
+                            <a:latin typeface="Cambria Math" panose="02040503050406030204" pitchFamily="18" charset="0"/>
+                          </a:rPr>
+                          <m:t>2</m:t>
+                        </m:r>
+                      </m:den>
+                    </m:f>
+                    <m:r>
+                      <a:rPr lang="en-US" altLang="zh-CN" i="1">
+                        <a:latin typeface="Cambria Math" panose="02040503050406030204" pitchFamily="18" charset="0"/>
+                      </a:rPr>
+                      <m:t>𝑙𝑛</m:t>
+                    </m:r>
+                    <m:d>
+                      <m:dPr>
+                        <m:ctrlPr>
+                          <a:rPr lang="en-US" altLang="zh-CN" i="1">
+                            <a:latin typeface="Cambria Math" panose="02040503050406030204" pitchFamily="18" charset="0"/>
+                          </a:rPr>
+                        </m:ctrlPr>
+                      </m:dPr>
+                      <m:e>
+                        <m:f>
+                          <m:fPr>
+                            <m:ctrlPr>
+                              <a:rPr lang="en-US" altLang="zh-CN" i="1">
+                                <a:latin typeface="Cambria Math" panose="02040503050406030204" pitchFamily="18" charset="0"/>
+                              </a:rPr>
+                            </m:ctrlPr>
+                          </m:fPr>
+                          <m:num>
+                            <m:r>
+                              <a:rPr lang="en-US" altLang="zh-CN" i="1">
+                                <a:latin typeface="Cambria Math" panose="02040503050406030204" pitchFamily="18" charset="0"/>
+                              </a:rPr>
+                              <m:t>𝐸</m:t>
+                            </m:r>
+                            <m:r>
+                              <a:rPr lang="en-US" altLang="zh-CN" i="1">
+                                <a:latin typeface="Cambria Math" panose="02040503050406030204" pitchFamily="18" charset="0"/>
+                              </a:rPr>
+                              <m:t>+</m:t>
+                            </m:r>
+                            <m:sSub>
+                              <m:sSubPr>
+                                <m:ctrlPr>
+                                  <a:rPr lang="en-US" altLang="zh-CN" i="1">
+                                    <a:latin typeface="Cambria Math" panose="02040503050406030204" pitchFamily="18" charset="0"/>
+                                  </a:rPr>
+                                </m:ctrlPr>
+                              </m:sSubPr>
+                              <m:e>
+                                <m:r>
+                                  <a:rPr lang="en-US" altLang="zh-CN" i="1">
+                                    <a:latin typeface="Cambria Math" panose="02040503050406030204" pitchFamily="18" charset="0"/>
+                                  </a:rPr>
+                                  <m:t>𝑝</m:t>
+                                </m:r>
+                              </m:e>
+                              <m:sub>
+                                <m:r>
+                                  <a:rPr lang="en-US" altLang="zh-CN" i="1">
+                                    <a:latin typeface="Cambria Math" panose="02040503050406030204" pitchFamily="18" charset="0"/>
+                                  </a:rPr>
+                                  <m:t>𝐿</m:t>
+                                </m:r>
+                              </m:sub>
+                            </m:sSub>
+                          </m:num>
+                          <m:den>
+                            <m:r>
+                              <a:rPr lang="en-US" altLang="zh-CN" i="1">
+                                <a:latin typeface="Cambria Math" panose="02040503050406030204" pitchFamily="18" charset="0"/>
+                              </a:rPr>
+                              <m:t>𝐸</m:t>
+                            </m:r>
+                            <m:r>
+                              <a:rPr lang="en-US" altLang="zh-CN" i="1">
+                                <a:latin typeface="Cambria Math" panose="02040503050406030204" pitchFamily="18" charset="0"/>
+                              </a:rPr>
+                              <m:t>−</m:t>
+                            </m:r>
+                            <m:sSub>
+                              <m:sSubPr>
+                                <m:ctrlPr>
+                                  <a:rPr lang="en-US" altLang="zh-CN" i="1">
+                                    <a:latin typeface="Cambria Math" panose="02040503050406030204" pitchFamily="18" charset="0"/>
+                                  </a:rPr>
+                                </m:ctrlPr>
+                              </m:sSubPr>
+                              <m:e>
+                                <m:r>
+                                  <a:rPr lang="en-US" altLang="zh-CN" i="1">
+                                    <a:latin typeface="Cambria Math" panose="02040503050406030204" pitchFamily="18" charset="0"/>
+                                  </a:rPr>
+                                  <m:t>𝑝</m:t>
+                                </m:r>
+                              </m:e>
+                              <m:sub>
+                                <m:r>
+                                  <a:rPr lang="en-US" altLang="zh-CN" i="1">
+                                    <a:latin typeface="Cambria Math" panose="02040503050406030204" pitchFamily="18" charset="0"/>
+                                  </a:rPr>
+                                  <m:t>𝐿</m:t>
+                                </m:r>
+                              </m:sub>
+                            </m:sSub>
+                          </m:den>
+                        </m:f>
+                      </m:e>
+                    </m:d>
+                  </m:oMath>
+                </a14:m>
+                <a:endParaRPr lang="en-US" altLang="zh-CN" dirty="0" smtClean="0"/>
+              </a:p>
+              <a:p>
+                <a:r>
+                  <a:rPr lang="en-US" altLang="zh-CN" dirty="0"/>
+                  <a:t> </a:t>
+                </a:r>
+                <a:r>
+                  <a:rPr lang="en-US" altLang="zh-CN" dirty="0" smtClean="0"/>
+                  <a:t>  </a:t>
+                </a:r>
+                <a:endParaRPr lang="en-US" altLang="zh-CN" dirty="0" smtClean="0"/>
+              </a:p>
+            </p:txBody>
+          </p:sp>
+        </mc:Choice>
+        <mc:Fallback>
+          <p:sp>
+            <p:nvSpPr>
+              <p:cNvPr id="12" name="TextBox 4"/>
+              <p:cNvSpPr txBox="1">
+                <a:spLocks noRot="1" noChangeAspect="1" noMove="1" noResize="1" noEditPoints="1" noAdjustHandles="1" noChangeArrowheads="1" noChangeShapeType="1" noTextEdit="1"/>
+              </p:cNvSpPr>
+              <p:nvPr/>
+            </p:nvSpPr>
+            <p:spPr>
+              <a:xfrm>
+                <a:off x="349998" y="4835064"/>
+                <a:ext cx="5672475" cy="1363835"/>
+              </a:xfrm>
+              <a:prstGeom prst="rect">
+                <a:avLst/>
+              </a:prstGeom>
+              <a:blipFill rotWithShape="0">
+                <a:blip r:embed="rId8"/>
+                <a:stretch>
+                  <a:fillRect/>
+                </a:stretch>
+              </a:blipFill>
+            </p:spPr>
+            <p:txBody>
+              <a:bodyPr/>
+              <a:lstStyle/>
+              <a:p>
+                <a:r>
+                  <a:rPr lang="zh-CN" altLang="en-US">
+                    <a:noFill/>
+                  </a:rPr>
+                  <a:t> </a:t>
+                </a:r>
+              </a:p>
+            </p:txBody>
+          </p:sp>
+        </mc:Fallback>
+      </mc:AlternateContent>
+      <mc:AlternateContent xmlns:mc="http://schemas.openxmlformats.org/markup-compatibility/2006">
+        <mc:Choice xmlns:a14="http://schemas.microsoft.com/office/drawing/2010/main" Requires="a14">
+          <p:sp>
+            <p:nvSpPr>
+              <p:cNvPr id="6" name="矩形 5"/>
+              <p:cNvSpPr/>
+              <p:nvPr/>
+            </p:nvSpPr>
+            <p:spPr>
+              <a:xfrm>
+                <a:off x="6323523" y="4560888"/>
+                <a:ext cx="4613054" cy="369332"/>
+              </a:xfrm>
+              <a:prstGeom prst="rect">
+                <a:avLst/>
+              </a:prstGeom>
+            </p:spPr>
+            <p:txBody>
+              <a:bodyPr wrap="square">
+                <a:spAutoFit/>
+              </a:bodyPr>
+              <a:lstStyle/>
+              <a:p>
+                <a14:m>
+                  <m:oMathPara xmlns:m="http://schemas.openxmlformats.org/officeDocument/2006/math">
+                    <m:oMathParaPr>
+                      <m:jc m:val="centerGroup"/>
+                    </m:oMathParaPr>
+                    <m:oMath xmlns:m="http://schemas.openxmlformats.org/officeDocument/2006/math">
+                      <m:r>
+                        <a:rPr lang="en-US" altLang="zh-CN" b="0" i="1" smtClean="0">
+                          <a:latin typeface="Cambria Math" panose="02040503050406030204" pitchFamily="18" charset="0"/>
+                        </a:rPr>
+                        <m:t>𝑐𝑜𝑠</m:t>
+                      </m:r>
+                      <m:r>
+                        <a:rPr lang="zh-CN" altLang="en-US" b="0" i="1" smtClean="0">
+                          <a:latin typeface="Cambria Math" panose="02040503050406030204" pitchFamily="18" charset="0"/>
+                        </a:rPr>
+                        <m:t>𝜃</m:t>
+                      </m:r>
+                      <m:r>
+                        <a:rPr lang="en-US" altLang="zh-CN" b="0" i="1" smtClean="0">
+                          <a:latin typeface="Cambria Math" panose="02040503050406030204" pitchFamily="18" charset="0"/>
+                        </a:rPr>
+                        <m:t>=1−2</m:t>
+                      </m:r>
+                      <m:sSup>
+                        <m:sSupPr>
+                          <m:ctrlPr>
+                            <a:rPr lang="en-US" altLang="zh-CN" b="0" i="1" smtClean="0">
+                              <a:latin typeface="Cambria Math" panose="02040503050406030204" pitchFamily="18" charset="0"/>
+                            </a:rPr>
+                          </m:ctrlPr>
+                        </m:sSupPr>
+                        <m:e>
+                          <m:r>
+                            <a:rPr lang="en-US" altLang="zh-CN" b="0" i="1" smtClean="0">
+                              <a:latin typeface="Cambria Math" panose="02040503050406030204" pitchFamily="18" charset="0"/>
+                            </a:rPr>
+                            <m:t>𝑠𝑖𝑛</m:t>
+                          </m:r>
+                        </m:e>
+                        <m:sup>
+                          <m:r>
+                            <a:rPr lang="en-US" altLang="zh-CN" b="0" i="1" smtClean="0">
+                              <a:latin typeface="Cambria Math" panose="02040503050406030204" pitchFamily="18" charset="0"/>
+                            </a:rPr>
+                            <m:t>2</m:t>
+                          </m:r>
+                        </m:sup>
+                      </m:sSup>
+                      <m:d>
+                        <m:dPr>
+                          <m:ctrlPr>
+                            <a:rPr lang="en-US" altLang="zh-CN" b="0" i="1" smtClean="0">
+                              <a:latin typeface="Cambria Math" panose="02040503050406030204" pitchFamily="18" charset="0"/>
+                            </a:rPr>
+                          </m:ctrlPr>
+                        </m:dPr>
+                        <m:e>
+                          <m:r>
+                            <a:rPr lang="zh-CN" altLang="en-US" b="0" i="1" smtClean="0">
+                              <a:latin typeface="Cambria Math" panose="02040503050406030204" pitchFamily="18" charset="0"/>
+                            </a:rPr>
+                            <m:t>𝜃</m:t>
+                          </m:r>
+                          <m:r>
+                            <a:rPr lang="en-US" altLang="zh-CN" b="0" i="1" smtClean="0">
+                              <a:latin typeface="Cambria Math" panose="02040503050406030204" pitchFamily="18" charset="0"/>
+                            </a:rPr>
+                            <m:t>/2</m:t>
+                          </m:r>
+                        </m:e>
+                      </m:d>
+                      <m:r>
+                        <a:rPr lang="en-US" altLang="zh-CN" b="0" i="1" smtClean="0">
+                          <a:latin typeface="Cambria Math" panose="02040503050406030204" pitchFamily="18" charset="0"/>
+                        </a:rPr>
+                        <m:t>=</m:t>
+                      </m:r>
+                      <m:r>
+                        <a:rPr lang="en-US" altLang="zh-CN" i="1">
+                          <a:latin typeface="Cambria Math" panose="02040503050406030204" pitchFamily="18" charset="0"/>
+                        </a:rPr>
+                        <m:t>2</m:t>
+                      </m:r>
+                      <m:sSup>
+                        <m:sSupPr>
+                          <m:ctrlPr>
+                            <a:rPr lang="en-US" altLang="zh-CN" i="1">
+                              <a:latin typeface="Cambria Math" panose="02040503050406030204" pitchFamily="18" charset="0"/>
+                            </a:rPr>
+                          </m:ctrlPr>
+                        </m:sSupPr>
+                        <m:e>
+                          <m:r>
+                            <a:rPr lang="en-US" altLang="zh-CN" b="0" i="1" smtClean="0">
+                              <a:latin typeface="Cambria Math" panose="02040503050406030204" pitchFamily="18" charset="0"/>
+                            </a:rPr>
+                            <m:t>𝑐𝑜𝑠</m:t>
+                          </m:r>
+                        </m:e>
+                        <m:sup>
+                          <m:r>
+                            <a:rPr lang="en-US" altLang="zh-CN" i="1">
+                              <a:latin typeface="Cambria Math" panose="02040503050406030204" pitchFamily="18" charset="0"/>
+                            </a:rPr>
+                            <m:t>2</m:t>
+                          </m:r>
+                        </m:sup>
+                      </m:sSup>
+                      <m:d>
+                        <m:dPr>
+                          <m:ctrlPr>
+                            <a:rPr lang="en-US" altLang="zh-CN" i="1">
+                              <a:latin typeface="Cambria Math" panose="02040503050406030204" pitchFamily="18" charset="0"/>
+                            </a:rPr>
+                          </m:ctrlPr>
+                        </m:dPr>
+                        <m:e>
+                          <m:r>
+                            <a:rPr lang="zh-CN" altLang="en-US" i="1" smtClean="0">
+                              <a:latin typeface="Cambria Math" panose="02040503050406030204" pitchFamily="18" charset="0"/>
+                            </a:rPr>
+                            <m:t>𝜃</m:t>
+                          </m:r>
+                          <m:r>
+                            <a:rPr lang="en-US" altLang="zh-CN" b="0" i="1" smtClean="0">
+                              <a:latin typeface="Cambria Math" panose="02040503050406030204" pitchFamily="18" charset="0"/>
+                            </a:rPr>
+                            <m:t>/2</m:t>
+                          </m:r>
+                        </m:e>
+                      </m:d>
+                      <m:r>
+                        <a:rPr lang="en-US" altLang="zh-CN" b="0" i="1" smtClean="0">
+                          <a:latin typeface="Cambria Math" panose="02040503050406030204" pitchFamily="18" charset="0"/>
+                        </a:rPr>
+                        <m:t>−1</m:t>
+                      </m:r>
+                    </m:oMath>
+                  </m:oMathPara>
+                </a14:m>
+                <a:endParaRPr lang="zh-CN" altLang="en-US" dirty="0"/>
+              </a:p>
+            </p:txBody>
+          </p:sp>
+        </mc:Choice>
+        <mc:Fallback>
+          <p:sp>
+            <p:nvSpPr>
+              <p:cNvPr id="6" name="矩形 5"/>
+              <p:cNvSpPr>
+                <a:spLocks noRot="1" noChangeAspect="1" noMove="1" noResize="1" noEditPoints="1" noAdjustHandles="1" noChangeArrowheads="1" noChangeShapeType="1" noTextEdit="1"/>
+              </p:cNvSpPr>
+              <p:nvPr/>
+            </p:nvSpPr>
+            <p:spPr>
+              <a:xfrm>
+                <a:off x="6323523" y="4560888"/>
+                <a:ext cx="4613054" cy="369332"/>
+              </a:xfrm>
+              <a:prstGeom prst="rect">
+                <a:avLst/>
+              </a:prstGeom>
+              <a:blipFill rotWithShape="0">
+                <a:blip r:embed="rId9"/>
+                <a:stretch>
+                  <a:fillRect b="-13115"/>
+                </a:stretch>
+              </a:blipFill>
+            </p:spPr>
+            <p:txBody>
+              <a:bodyPr/>
+              <a:lstStyle/>
+              <a:p>
+                <a:r>
+                  <a:rPr lang="zh-CN" altLang="en-US">
+                    <a:noFill/>
+                  </a:rPr>
+                  <a:t> </a:t>
+                </a:r>
+              </a:p>
+            </p:txBody>
+          </p:sp>
+        </mc:Fallback>
+      </mc:AlternateContent>
+      <mc:AlternateContent xmlns:mc="http://schemas.openxmlformats.org/markup-compatibility/2006">
+        <mc:Choice xmlns:a14="http://schemas.microsoft.com/office/drawing/2010/main" Requires="a14">
+          <p:sp>
+            <p:nvSpPr>
+              <p:cNvPr id="15" name="矩形 14"/>
+              <p:cNvSpPr/>
+              <p:nvPr/>
+            </p:nvSpPr>
+            <p:spPr>
+              <a:xfrm>
+                <a:off x="6472988" y="4944434"/>
+                <a:ext cx="3445991" cy="427746"/>
+              </a:xfrm>
+              <a:prstGeom prst="rect">
+                <a:avLst/>
+              </a:prstGeom>
+            </p:spPr>
+            <p:txBody>
+              <a:bodyPr wrap="square">
+                <a:spAutoFit/>
+              </a:bodyPr>
+              <a:lstStyle/>
+              <a:p>
+                <a14:m>
+                  <m:oMathPara xmlns:m="http://schemas.openxmlformats.org/officeDocument/2006/math">
+                    <m:oMathParaPr>
+                      <m:jc m:val="centerGroup"/>
+                    </m:oMathParaPr>
+                    <m:oMath xmlns:m="http://schemas.openxmlformats.org/officeDocument/2006/math">
+                      <m:r>
+                        <a:rPr lang="en-US" altLang="zh-CN" b="0" i="1" smtClean="0">
+                          <a:latin typeface="Cambria Math" panose="02040503050406030204" pitchFamily="18" charset="0"/>
+                        </a:rPr>
+                        <m:t>𝑠𝑖𝑛</m:t>
+                      </m:r>
+                      <m:d>
+                        <m:dPr>
+                          <m:ctrlPr>
+                            <a:rPr lang="en-US" altLang="zh-CN" b="0" i="1" smtClean="0">
+                              <a:latin typeface="Cambria Math" panose="02040503050406030204" pitchFamily="18" charset="0"/>
+                            </a:rPr>
+                          </m:ctrlPr>
+                        </m:dPr>
+                        <m:e>
+                          <m:r>
+                            <a:rPr lang="zh-CN" altLang="en-US" b="0" i="1" smtClean="0">
+                              <a:latin typeface="Cambria Math" panose="02040503050406030204" pitchFamily="18" charset="0"/>
+                            </a:rPr>
+                            <m:t>𝜃</m:t>
+                          </m:r>
+                          <m:r>
+                            <a:rPr lang="en-US" altLang="zh-CN" b="0" i="1" smtClean="0">
+                              <a:latin typeface="Cambria Math" panose="02040503050406030204" pitchFamily="18" charset="0"/>
+                            </a:rPr>
+                            <m:t>/2</m:t>
+                          </m:r>
+                        </m:e>
+                      </m:d>
+                      <m:r>
+                        <a:rPr lang="en-US" altLang="zh-CN" b="0" i="1" smtClean="0">
+                          <a:latin typeface="Cambria Math" panose="02040503050406030204" pitchFamily="18" charset="0"/>
+                        </a:rPr>
+                        <m:t>=</m:t>
+                      </m:r>
+                      <m:rad>
+                        <m:radPr>
+                          <m:degHide m:val="on"/>
+                          <m:ctrlPr>
+                            <a:rPr lang="en-US" altLang="zh-CN" b="0" i="1" smtClean="0">
+                              <a:latin typeface="Cambria Math" panose="02040503050406030204" pitchFamily="18" charset="0"/>
+                            </a:rPr>
+                          </m:ctrlPr>
+                        </m:radPr>
+                        <m:deg/>
+                        <m:e>
+                          <m:d>
+                            <m:dPr>
+                              <m:ctrlPr>
+                                <a:rPr lang="en-US" altLang="zh-CN" b="0" i="1" smtClean="0">
+                                  <a:latin typeface="Cambria Math" panose="02040503050406030204" pitchFamily="18" charset="0"/>
+                                </a:rPr>
+                              </m:ctrlPr>
+                            </m:dPr>
+                            <m:e>
+                              <m:r>
+                                <a:rPr lang="en-US" altLang="zh-CN" b="0" i="1" smtClean="0">
+                                  <a:latin typeface="Cambria Math" panose="02040503050406030204" pitchFamily="18" charset="0"/>
+                                </a:rPr>
+                                <m:t>1−</m:t>
+                              </m:r>
+                              <m:r>
+                                <a:rPr lang="en-US" altLang="zh-CN" b="0" i="1" smtClean="0">
+                                  <a:latin typeface="Cambria Math" panose="02040503050406030204" pitchFamily="18" charset="0"/>
+                                </a:rPr>
+                                <m:t>𝑐𝑜𝑠</m:t>
+                              </m:r>
+                              <m:r>
+                                <a:rPr lang="zh-CN" altLang="en-US" b="0" i="1" smtClean="0">
+                                  <a:latin typeface="Cambria Math" panose="02040503050406030204" pitchFamily="18" charset="0"/>
+                                </a:rPr>
+                                <m:t>𝜃</m:t>
+                              </m:r>
+                            </m:e>
+                          </m:d>
+                          <m:r>
+                            <a:rPr lang="en-US" altLang="zh-CN" b="0" i="1" smtClean="0">
+                              <a:latin typeface="Cambria Math" panose="02040503050406030204" pitchFamily="18" charset="0"/>
+                            </a:rPr>
+                            <m:t>/2</m:t>
+                          </m:r>
+                        </m:e>
+                      </m:rad>
+                    </m:oMath>
+                  </m:oMathPara>
+                </a14:m>
+                <a:endParaRPr lang="zh-CN" altLang="en-US" dirty="0"/>
+              </a:p>
+            </p:txBody>
+          </p:sp>
+        </mc:Choice>
+        <mc:Fallback>
+          <p:sp>
+            <p:nvSpPr>
+              <p:cNvPr id="15" name="矩形 14"/>
+              <p:cNvSpPr>
+                <a:spLocks noRot="1" noChangeAspect="1" noMove="1" noResize="1" noEditPoints="1" noAdjustHandles="1" noChangeArrowheads="1" noChangeShapeType="1" noTextEdit="1"/>
+              </p:cNvSpPr>
+              <p:nvPr/>
+            </p:nvSpPr>
+            <p:spPr>
+              <a:xfrm>
+                <a:off x="6472988" y="4944434"/>
+                <a:ext cx="3445991" cy="427746"/>
+              </a:xfrm>
+              <a:prstGeom prst="rect">
+                <a:avLst/>
+              </a:prstGeom>
+              <a:blipFill rotWithShape="0">
+                <a:blip r:embed="rId10"/>
+                <a:stretch>
+                  <a:fillRect b="-12857"/>
+                </a:stretch>
+              </a:blipFill>
+            </p:spPr>
+            <p:txBody>
+              <a:bodyPr/>
+              <a:lstStyle/>
+              <a:p>
+                <a:r>
+                  <a:rPr lang="zh-CN" altLang="en-US">
+                    <a:noFill/>
+                  </a:rPr>
+                  <a:t> </a:t>
+                </a:r>
+              </a:p>
+            </p:txBody>
+          </p:sp>
+        </mc:Fallback>
+      </mc:AlternateContent>
+      <mc:AlternateContent xmlns:mc="http://schemas.openxmlformats.org/markup-compatibility/2006">
+        <mc:Choice xmlns:a14="http://schemas.microsoft.com/office/drawing/2010/main" Requires="a14">
+          <p:sp>
+            <p:nvSpPr>
+              <p:cNvPr id="17" name="矩形 16"/>
+              <p:cNvSpPr/>
+              <p:nvPr/>
+            </p:nvSpPr>
+            <p:spPr>
+              <a:xfrm>
+                <a:off x="6472988" y="5372180"/>
+                <a:ext cx="3445991" cy="427746"/>
+              </a:xfrm>
+              <a:prstGeom prst="rect">
+                <a:avLst/>
+              </a:prstGeom>
+            </p:spPr>
+            <p:txBody>
+              <a:bodyPr wrap="square">
+                <a:spAutoFit/>
+              </a:bodyPr>
+              <a:lstStyle/>
+              <a:p>
+                <a14:m>
+                  <m:oMathPara xmlns:m="http://schemas.openxmlformats.org/officeDocument/2006/math">
+                    <m:oMathParaPr>
+                      <m:jc m:val="centerGroup"/>
+                    </m:oMathParaPr>
+                    <m:oMath xmlns:m="http://schemas.openxmlformats.org/officeDocument/2006/math">
+                      <m:r>
+                        <a:rPr lang="en-US" altLang="zh-CN" b="0" i="1" smtClean="0">
+                          <a:latin typeface="Cambria Math" panose="02040503050406030204" pitchFamily="18" charset="0"/>
+                        </a:rPr>
+                        <m:t>𝑐𝑜𝑠</m:t>
+                      </m:r>
+                      <m:d>
+                        <m:dPr>
+                          <m:ctrlPr>
+                            <a:rPr lang="en-US" altLang="zh-CN" b="0" i="1" smtClean="0">
+                              <a:latin typeface="Cambria Math" panose="02040503050406030204" pitchFamily="18" charset="0"/>
+                            </a:rPr>
+                          </m:ctrlPr>
+                        </m:dPr>
+                        <m:e>
+                          <m:r>
+                            <a:rPr lang="zh-CN" altLang="en-US" b="0" i="1" smtClean="0">
+                              <a:latin typeface="Cambria Math" panose="02040503050406030204" pitchFamily="18" charset="0"/>
+                            </a:rPr>
+                            <m:t>𝜃</m:t>
+                          </m:r>
+                          <m:r>
+                            <a:rPr lang="en-US" altLang="zh-CN" b="0" i="1" smtClean="0">
+                              <a:latin typeface="Cambria Math" panose="02040503050406030204" pitchFamily="18" charset="0"/>
+                            </a:rPr>
+                            <m:t>/2</m:t>
+                          </m:r>
+                        </m:e>
+                      </m:d>
+                      <m:r>
+                        <a:rPr lang="en-US" altLang="zh-CN" b="0" i="1" smtClean="0">
+                          <a:latin typeface="Cambria Math" panose="02040503050406030204" pitchFamily="18" charset="0"/>
+                        </a:rPr>
+                        <m:t>=</m:t>
+                      </m:r>
+                      <m:rad>
+                        <m:radPr>
+                          <m:degHide m:val="on"/>
+                          <m:ctrlPr>
+                            <a:rPr lang="en-US" altLang="zh-CN" b="0" i="1" smtClean="0">
+                              <a:latin typeface="Cambria Math" panose="02040503050406030204" pitchFamily="18" charset="0"/>
+                            </a:rPr>
+                          </m:ctrlPr>
+                        </m:radPr>
+                        <m:deg/>
+                        <m:e>
+                          <m:d>
+                            <m:dPr>
+                              <m:ctrlPr>
+                                <a:rPr lang="en-US" altLang="zh-CN" b="0" i="1" smtClean="0">
+                                  <a:latin typeface="Cambria Math" panose="02040503050406030204" pitchFamily="18" charset="0"/>
+                                </a:rPr>
+                              </m:ctrlPr>
+                            </m:dPr>
+                            <m:e>
+                              <m:r>
+                                <a:rPr lang="en-US" altLang="zh-CN" b="0" i="1" smtClean="0">
+                                  <a:latin typeface="Cambria Math" panose="02040503050406030204" pitchFamily="18" charset="0"/>
+                                </a:rPr>
+                                <m:t>1+</m:t>
+                              </m:r>
+                              <m:r>
+                                <a:rPr lang="en-US" altLang="zh-CN" b="0" i="1" smtClean="0">
+                                  <a:latin typeface="Cambria Math" panose="02040503050406030204" pitchFamily="18" charset="0"/>
+                                </a:rPr>
+                                <m:t>𝑐𝑜𝑠</m:t>
+                              </m:r>
+                              <m:r>
+                                <a:rPr lang="zh-CN" altLang="en-US" b="0" i="1" smtClean="0">
+                                  <a:latin typeface="Cambria Math" panose="02040503050406030204" pitchFamily="18" charset="0"/>
+                                </a:rPr>
+                                <m:t>𝜃</m:t>
+                              </m:r>
+                            </m:e>
+                          </m:d>
+                          <m:r>
+                            <a:rPr lang="en-US" altLang="zh-CN" b="0" i="1" smtClean="0">
+                              <a:latin typeface="Cambria Math" panose="02040503050406030204" pitchFamily="18" charset="0"/>
+                            </a:rPr>
+                            <m:t>/2</m:t>
+                          </m:r>
+                        </m:e>
+                      </m:rad>
+                    </m:oMath>
+                  </m:oMathPara>
+                </a14:m>
+                <a:endParaRPr lang="zh-CN" altLang="en-US" dirty="0"/>
+              </a:p>
+            </p:txBody>
+          </p:sp>
+        </mc:Choice>
+        <mc:Fallback>
+          <p:sp>
+            <p:nvSpPr>
+              <p:cNvPr id="17" name="矩形 16"/>
+              <p:cNvSpPr>
+                <a:spLocks noRot="1" noChangeAspect="1" noMove="1" noResize="1" noEditPoints="1" noAdjustHandles="1" noChangeArrowheads="1" noChangeShapeType="1" noTextEdit="1"/>
+              </p:cNvSpPr>
+              <p:nvPr/>
+            </p:nvSpPr>
+            <p:spPr>
+              <a:xfrm>
+                <a:off x="6472988" y="5372180"/>
+                <a:ext cx="3445991" cy="427746"/>
+              </a:xfrm>
+              <a:prstGeom prst="rect">
+                <a:avLst/>
+              </a:prstGeom>
+              <a:blipFill rotWithShape="0">
+                <a:blip r:embed="rId11"/>
+                <a:stretch>
+                  <a:fillRect b="-12857"/>
+                </a:stretch>
+              </a:blipFill>
+            </p:spPr>
+            <p:txBody>
+              <a:bodyPr/>
+              <a:lstStyle/>
+              <a:p>
+                <a:r>
+                  <a:rPr lang="zh-CN" altLang="en-US">
+                    <a:noFill/>
+                  </a:rPr>
+                  <a:t> </a:t>
+                </a:r>
+              </a:p>
+            </p:txBody>
+          </p:sp>
+        </mc:Fallback>
+      </mc:AlternateContent>
+      <mc:AlternateContent xmlns:mc="http://schemas.openxmlformats.org/markup-compatibility/2006">
+        <mc:Choice xmlns:a14="http://schemas.microsoft.com/office/drawing/2010/main" Requires="a14">
+          <p:sp>
+            <p:nvSpPr>
+              <p:cNvPr id="18" name="矩形 17"/>
+              <p:cNvSpPr/>
+              <p:nvPr/>
+            </p:nvSpPr>
+            <p:spPr>
+              <a:xfrm>
+                <a:off x="6206957" y="5884049"/>
+                <a:ext cx="4114801" cy="934551"/>
+              </a:xfrm>
+              <a:prstGeom prst="rect">
+                <a:avLst/>
+              </a:prstGeom>
+            </p:spPr>
+            <p:txBody>
+              <a:bodyPr wrap="square">
+                <a:spAutoFit/>
+              </a:bodyPr>
+              <a:lstStyle/>
+              <a:p>
+                <a14:m>
+                  <m:oMathPara xmlns:m="http://schemas.openxmlformats.org/officeDocument/2006/math">
+                    <m:oMathParaPr>
+                      <m:jc m:val="centerGroup"/>
+                    </m:oMathParaPr>
+                    <m:oMath xmlns:m="http://schemas.openxmlformats.org/officeDocument/2006/math">
+                      <m:r>
+                        <a:rPr lang="en-US" altLang="zh-CN" b="0" i="1" smtClean="0">
+                          <a:latin typeface="Cambria Math" panose="02040503050406030204" pitchFamily="18" charset="0"/>
+                        </a:rPr>
+                        <m:t>𝑡𝑎𝑛</m:t>
+                      </m:r>
+                      <m:d>
+                        <m:dPr>
+                          <m:ctrlPr>
+                            <a:rPr lang="en-US" altLang="zh-CN" b="0" i="1" smtClean="0">
+                              <a:latin typeface="Cambria Math" panose="02040503050406030204" pitchFamily="18" charset="0"/>
+                            </a:rPr>
+                          </m:ctrlPr>
+                        </m:dPr>
+                        <m:e>
+                          <m:r>
+                            <a:rPr lang="zh-CN" altLang="en-US" b="0" i="1" smtClean="0">
+                              <a:latin typeface="Cambria Math" panose="02040503050406030204" pitchFamily="18" charset="0"/>
+                            </a:rPr>
+                            <m:t>𝜃</m:t>
+                          </m:r>
+                          <m:r>
+                            <a:rPr lang="en-US" altLang="zh-CN" b="0" i="1" smtClean="0">
+                              <a:latin typeface="Cambria Math" panose="02040503050406030204" pitchFamily="18" charset="0"/>
+                            </a:rPr>
+                            <m:t>/2</m:t>
+                          </m:r>
+                        </m:e>
+                      </m:d>
+                      <m:r>
+                        <a:rPr lang="en-US" altLang="zh-CN" b="0" i="1" smtClean="0">
+                          <a:latin typeface="Cambria Math" panose="02040503050406030204" pitchFamily="18" charset="0"/>
+                        </a:rPr>
+                        <m:t>=</m:t>
+                      </m:r>
+                      <m:rad>
+                        <m:radPr>
+                          <m:degHide m:val="on"/>
+                          <m:ctrlPr>
+                            <a:rPr lang="en-US" altLang="zh-CN" b="0" i="1" smtClean="0">
+                              <a:latin typeface="Cambria Math" panose="02040503050406030204" pitchFamily="18" charset="0"/>
+                            </a:rPr>
+                          </m:ctrlPr>
+                        </m:radPr>
+                        <m:deg/>
+                        <m:e>
+                          <m:f>
+                            <m:fPr>
+                              <m:ctrlPr>
+                                <a:rPr lang="en-US" altLang="zh-CN" b="0" i="1" smtClean="0">
+                                  <a:latin typeface="Cambria Math" panose="02040503050406030204" pitchFamily="18" charset="0"/>
+                                </a:rPr>
+                              </m:ctrlPr>
+                            </m:fPr>
+                            <m:num>
+                              <m:d>
+                                <m:dPr>
+                                  <m:ctrlPr>
+                                    <a:rPr lang="en-US" altLang="zh-CN" b="0" i="1" smtClean="0">
+                                      <a:latin typeface="Cambria Math" panose="02040503050406030204" pitchFamily="18" charset="0"/>
+                                    </a:rPr>
+                                  </m:ctrlPr>
+                                </m:dPr>
+                                <m:e>
+                                  <m:r>
+                                    <a:rPr lang="en-US" altLang="zh-CN" b="0" i="1" smtClean="0">
+                                      <a:latin typeface="Cambria Math" panose="02040503050406030204" pitchFamily="18" charset="0"/>
+                                    </a:rPr>
+                                    <m:t>1−</m:t>
+                                  </m:r>
+                                  <m:r>
+                                    <a:rPr lang="en-US" altLang="zh-CN" b="0" i="1" smtClean="0">
+                                      <a:latin typeface="Cambria Math" panose="02040503050406030204" pitchFamily="18" charset="0"/>
+                                    </a:rPr>
+                                    <m:t>𝑐𝑜𝑠</m:t>
+                                  </m:r>
+                                  <m:r>
+                                    <a:rPr lang="zh-CN" altLang="en-US" b="0" i="1" smtClean="0">
+                                      <a:latin typeface="Cambria Math" panose="02040503050406030204" pitchFamily="18" charset="0"/>
+                                    </a:rPr>
+                                    <m:t>𝜃</m:t>
+                                  </m:r>
+                                </m:e>
+                              </m:d>
+                            </m:num>
+                            <m:den>
+                              <m:d>
+                                <m:dPr>
+                                  <m:ctrlPr>
+                                    <a:rPr lang="en-US" altLang="zh-CN" b="0" i="1" smtClean="0">
+                                      <a:latin typeface="Cambria Math" panose="02040503050406030204" pitchFamily="18" charset="0"/>
+                                    </a:rPr>
+                                  </m:ctrlPr>
+                                </m:dPr>
+                                <m:e>
+                                  <m:r>
+                                    <a:rPr lang="en-US" altLang="zh-CN" i="1">
+                                      <a:latin typeface="Cambria Math" panose="02040503050406030204" pitchFamily="18" charset="0"/>
+                                    </a:rPr>
+                                    <m:t>1</m:t>
+                                  </m:r>
+                                  <m:r>
+                                    <a:rPr lang="en-US" altLang="zh-CN" b="0" i="1" smtClean="0">
+                                      <a:latin typeface="Cambria Math" panose="02040503050406030204" pitchFamily="18" charset="0"/>
+                                    </a:rPr>
+                                    <m:t>+</m:t>
+                                  </m:r>
+                                  <m:r>
+                                    <a:rPr lang="en-US" altLang="zh-CN" i="1">
+                                      <a:latin typeface="Cambria Math" panose="02040503050406030204" pitchFamily="18" charset="0"/>
+                                    </a:rPr>
+                                    <m:t>𝑐𝑜𝑠</m:t>
+                                  </m:r>
+                                  <m:r>
+                                    <a:rPr lang="zh-CN" altLang="en-US" i="1">
+                                      <a:latin typeface="Cambria Math" panose="02040503050406030204" pitchFamily="18" charset="0"/>
+                                    </a:rPr>
+                                    <m:t>𝜃</m:t>
+                                  </m:r>
+                                </m:e>
+                              </m:d>
+                            </m:den>
+                          </m:f>
+                        </m:e>
+                      </m:rad>
+                      <m:r>
+                        <a:rPr lang="en-US" altLang="zh-CN" b="0" i="1" smtClean="0">
+                          <a:latin typeface="Cambria Math" panose="02040503050406030204" pitchFamily="18" charset="0"/>
+                        </a:rPr>
+                        <m:t>=</m:t>
+                      </m:r>
+                      <m:rad>
+                        <m:radPr>
+                          <m:degHide m:val="on"/>
+                          <m:ctrlPr>
+                            <a:rPr lang="en-US" altLang="zh-CN" b="0" i="1" smtClean="0">
+                              <a:latin typeface="Cambria Math" panose="02040503050406030204" pitchFamily="18" charset="0"/>
+                            </a:rPr>
+                          </m:ctrlPr>
+                        </m:radPr>
+                        <m:deg/>
+                        <m:e>
+                          <m:f>
+                            <m:fPr>
+                              <m:ctrlPr>
+                                <a:rPr lang="en-US" altLang="zh-CN" i="1">
+                                  <a:latin typeface="Cambria Math" panose="02040503050406030204" pitchFamily="18" charset="0"/>
+                                </a:rPr>
+                              </m:ctrlPr>
+                            </m:fPr>
+                            <m:num>
+                              <m:d>
+                                <m:dPr>
+                                  <m:begChr m:val="|"/>
+                                  <m:endChr m:val="|"/>
+                                  <m:ctrlPr>
+                                    <a:rPr lang="en-US" altLang="zh-CN" i="1">
+                                      <a:latin typeface="Cambria Math" panose="02040503050406030204" pitchFamily="18" charset="0"/>
+                                    </a:rPr>
+                                  </m:ctrlPr>
+                                </m:dPr>
+                                <m:e>
+                                  <m:acc>
+                                    <m:accPr>
+                                      <m:chr m:val="⃗"/>
+                                      <m:ctrlPr>
+                                        <a:rPr lang="en-US" altLang="zh-CN" i="1">
+                                          <a:latin typeface="Cambria Math" panose="02040503050406030204" pitchFamily="18" charset="0"/>
+                                        </a:rPr>
+                                      </m:ctrlPr>
+                                    </m:accPr>
+                                    <m:e>
+                                      <m:r>
+                                        <m:rPr>
+                                          <m:sty m:val="p"/>
+                                        </m:rPr>
+                                        <a:rPr lang="en-US" altLang="zh-CN" i="1">
+                                          <a:latin typeface="Cambria Math" panose="02040503050406030204" pitchFamily="18" charset="0"/>
+                                        </a:rPr>
+                                        <m:t>p</m:t>
+                                      </m:r>
+                                    </m:e>
+                                  </m:acc>
+                                </m:e>
+                              </m:d>
+                              <m:r>
+                                <a:rPr lang="en-US" altLang="zh-CN" b="0" i="1" smtClean="0">
+                                  <a:latin typeface="Cambria Math" panose="02040503050406030204" pitchFamily="18" charset="0"/>
+                                </a:rPr>
+                                <m:t>−</m:t>
+                              </m:r>
+                              <m:sSub>
+                                <m:sSubPr>
+                                  <m:ctrlPr>
+                                    <a:rPr lang="en-US" altLang="zh-CN" i="1">
+                                      <a:latin typeface="Cambria Math" panose="02040503050406030204" pitchFamily="18" charset="0"/>
+                                    </a:rPr>
+                                  </m:ctrlPr>
+                                </m:sSubPr>
+                                <m:e>
+                                  <m:r>
+                                    <a:rPr lang="en-US" altLang="zh-CN" i="1">
+                                      <a:latin typeface="Cambria Math" panose="02040503050406030204" pitchFamily="18" charset="0"/>
+                                    </a:rPr>
+                                    <m:t>𝑝</m:t>
+                                  </m:r>
+                                </m:e>
+                                <m:sub>
+                                  <m:r>
+                                    <a:rPr lang="en-US" altLang="zh-CN" i="1">
+                                      <a:latin typeface="Cambria Math" panose="02040503050406030204" pitchFamily="18" charset="0"/>
+                                    </a:rPr>
+                                    <m:t>𝐿</m:t>
+                                  </m:r>
+                                </m:sub>
+                              </m:sSub>
+                            </m:num>
+                            <m:den>
+                              <m:d>
+                                <m:dPr>
+                                  <m:begChr m:val="|"/>
+                                  <m:endChr m:val="|"/>
+                                  <m:ctrlPr>
+                                    <a:rPr lang="en-US" altLang="zh-CN" i="1">
+                                      <a:latin typeface="Cambria Math" panose="02040503050406030204" pitchFamily="18" charset="0"/>
+                                    </a:rPr>
+                                  </m:ctrlPr>
+                                </m:dPr>
+                                <m:e>
+                                  <m:acc>
+                                    <m:accPr>
+                                      <m:chr m:val="⃗"/>
+                                      <m:ctrlPr>
+                                        <a:rPr lang="en-US" altLang="zh-CN" i="1">
+                                          <a:latin typeface="Cambria Math" panose="02040503050406030204" pitchFamily="18" charset="0"/>
+                                        </a:rPr>
+                                      </m:ctrlPr>
+                                    </m:accPr>
+                                    <m:e>
+                                      <m:r>
+                                        <m:rPr>
+                                          <m:sty m:val="p"/>
+                                        </m:rPr>
+                                        <a:rPr lang="en-US" altLang="zh-CN" i="1">
+                                          <a:latin typeface="Cambria Math" panose="02040503050406030204" pitchFamily="18" charset="0"/>
+                                        </a:rPr>
+                                        <m:t>p</m:t>
+                                      </m:r>
+                                    </m:e>
+                                  </m:acc>
+                                </m:e>
+                              </m:d>
+                              <m:r>
+                                <a:rPr lang="en-US" altLang="zh-CN" b="0" i="1" smtClean="0">
+                                  <a:latin typeface="Cambria Math" panose="02040503050406030204" pitchFamily="18" charset="0"/>
+                                </a:rPr>
+                                <m:t>+</m:t>
+                              </m:r>
+                              <m:sSub>
+                                <m:sSubPr>
+                                  <m:ctrlPr>
+                                    <a:rPr lang="en-US" altLang="zh-CN" i="1">
+                                      <a:latin typeface="Cambria Math" panose="02040503050406030204" pitchFamily="18" charset="0"/>
+                                    </a:rPr>
+                                  </m:ctrlPr>
+                                </m:sSubPr>
+                                <m:e>
+                                  <m:r>
+                                    <a:rPr lang="en-US" altLang="zh-CN" i="1">
+                                      <a:latin typeface="Cambria Math" panose="02040503050406030204" pitchFamily="18" charset="0"/>
+                                    </a:rPr>
+                                    <m:t>𝑝</m:t>
+                                  </m:r>
+                                </m:e>
+                                <m:sub>
+                                  <m:r>
+                                    <a:rPr lang="en-US" altLang="zh-CN" i="1">
+                                      <a:latin typeface="Cambria Math" panose="02040503050406030204" pitchFamily="18" charset="0"/>
+                                    </a:rPr>
+                                    <m:t>𝐿</m:t>
+                                  </m:r>
+                                </m:sub>
+                              </m:sSub>
+                            </m:den>
+                          </m:f>
+                        </m:e>
+                      </m:rad>
+                    </m:oMath>
+                  </m:oMathPara>
+                </a14:m>
+                <a:endParaRPr lang="zh-CN" altLang="en-US" dirty="0"/>
+              </a:p>
+            </p:txBody>
+          </p:sp>
+        </mc:Choice>
+        <mc:Fallback>
+          <p:sp>
+            <p:nvSpPr>
+              <p:cNvPr id="18" name="矩形 17"/>
+              <p:cNvSpPr>
+                <a:spLocks noRot="1" noChangeAspect="1" noMove="1" noResize="1" noEditPoints="1" noAdjustHandles="1" noChangeArrowheads="1" noChangeShapeType="1" noTextEdit="1"/>
+              </p:cNvSpPr>
+              <p:nvPr/>
+            </p:nvSpPr>
+            <p:spPr>
+              <a:xfrm>
+                <a:off x="6206957" y="5884049"/>
+                <a:ext cx="4114801" cy="934551"/>
+              </a:xfrm>
+              <a:prstGeom prst="rect">
+                <a:avLst/>
+              </a:prstGeom>
+              <a:blipFill rotWithShape="0">
+                <a:blip r:embed="rId12"/>
+                <a:stretch>
+                  <a:fillRect/>
+                </a:stretch>
+              </a:blipFill>
+            </p:spPr>
+            <p:txBody>
+              <a:bodyPr/>
+              <a:lstStyle/>
+              <a:p>
+                <a:r>
+                  <a:rPr lang="zh-CN" altLang="en-US">
+                    <a:noFill/>
+                  </a:rPr>
+                  <a:t> </a:t>
+                </a:r>
+              </a:p>
+            </p:txBody>
+          </p:sp>
+        </mc:Fallback>
+      </mc:AlternateContent>
     </p:spTree>
     <p:extLst>
       <p:ext uri="{BB962C8B-B14F-4D97-AF65-F5344CB8AC3E}">
         <p14:creationId xmlns:p14="http://schemas.microsoft.com/office/powerpoint/2010/main" val="1077460954"/>
+      </p:ext>
+    </p:extLst>
+  </p:cSld>
+  <p:clrMapOvr>
+    <a:masterClrMapping/>
+  </p:clrMapOvr>
+</p:sld>
+</file>
+
+<file path=ppt/slides/slide8.xml><?xml version="1.0" encoding="utf-8"?>
+<p:sld xmlns:a="http://schemas.openxmlformats.org/drawingml/2006/main" xmlns:r="http://schemas.openxmlformats.org/officeDocument/2006/relationships" xmlns:p="http://schemas.openxmlformats.org/presentationml/2006/main">
+  <p:cSld>
+    <p:spTree>
+      <p:nvGrpSpPr>
+        <p:cNvPr id="1" name=""/>
+        <p:cNvGrpSpPr/>
+        <p:nvPr/>
+      </p:nvGrpSpPr>
+      <p:grpSpPr>
+        <a:xfrm>
+          <a:off x="0" y="0"/>
+          <a:ext cx="0" cy="0"/>
+          <a:chOff x="0" y="0"/>
+          <a:chExt cx="0" cy="0"/>
+        </a:xfrm>
+      </p:grpSpPr>
+      <mc:AlternateContent xmlns:mc="http://schemas.openxmlformats.org/markup-compatibility/2006">
+        <mc:Choice xmlns:a14="http://schemas.microsoft.com/office/drawing/2010/main" Requires="a14">
+          <p:sp>
+            <p:nvSpPr>
+              <p:cNvPr id="3" name="TextBox 4"/>
+              <p:cNvSpPr txBox="1"/>
+              <p:nvPr/>
+            </p:nvSpPr>
+            <p:spPr>
+              <a:xfrm>
+                <a:off x="169914" y="331952"/>
+                <a:ext cx="11587063" cy="1200329"/>
+              </a:xfrm>
+              <a:prstGeom prst="rect">
+                <a:avLst/>
+              </a:prstGeom>
+              <a:noFill/>
+            </p:spPr>
+            <p:txBody>
+              <a:bodyPr wrap="square" rtlCol="0">
+                <a:spAutoFit/>
+              </a:bodyPr>
+              <a:lstStyle/>
+              <a:p>
+                <a:r>
+                  <a:rPr lang="en-US" b="1" dirty="0" smtClean="0">
+                    <a:solidFill>
+                      <a:srgbClr val="FF0000"/>
+                    </a:solidFill>
+                  </a:rPr>
+                  <a:t>●  </a:t>
+                </a:r>
+                <a:r>
+                  <a:rPr lang="zh-CN" altLang="en-US" b="1" dirty="0" smtClean="0">
+                    <a:solidFill>
+                      <a:srgbClr val="FF0000"/>
+                    </a:solidFill>
+                  </a:rPr>
+                  <a:t>快度</a:t>
+                </a:r>
+                <a14:m>
+                  <m:oMath xmlns:m="http://schemas.openxmlformats.org/officeDocument/2006/math">
+                    <m:r>
+                      <m:rPr>
+                        <m:sty m:val="p"/>
+                      </m:rPr>
+                      <a:rPr lang="en-US" altLang="zh-CN" b="1" i="1" dirty="0">
+                        <a:solidFill>
+                          <a:srgbClr val="FF0000"/>
+                        </a:solidFill>
+                        <a:latin typeface="Cambria Math" panose="02040503050406030204" pitchFamily="18" charset="0"/>
+                      </a:rPr>
+                      <m:t>w</m:t>
+                    </m:r>
+                  </m:oMath>
+                </a14:m>
+                <a:endParaRPr lang="en-US" altLang="zh-CN" b="1" dirty="0" smtClean="0">
+                  <a:solidFill>
+                    <a:srgbClr val="FF0000"/>
+                  </a:solidFill>
+                </a:endParaRPr>
+              </a:p>
+              <a:p>
+                <a:endParaRPr lang="en-US" altLang="zh-CN" dirty="0" smtClean="0"/>
+              </a:p>
+              <a:p>
+                <a:r>
+                  <a:rPr lang="en-US" dirty="0"/>
+                  <a:t>     </a:t>
+                </a:r>
+                <a:r>
+                  <a:rPr lang="en-US" dirty="0" smtClean="0"/>
+                  <a:t>● </a:t>
+                </a:r>
+                <a:r>
+                  <a:rPr lang="zh-CN" altLang="en-US" dirty="0"/>
+                  <a:t>快</a:t>
+                </a:r>
+                <a:r>
+                  <a:rPr lang="zh-CN" altLang="en-US" dirty="0" smtClean="0"/>
+                  <a:t>度与一些基本物理量的对应关系</a:t>
+                </a:r>
+                <a:r>
+                  <a:rPr lang="en-US" altLang="zh-CN" dirty="0" smtClean="0"/>
+                  <a:t>(</a:t>
+                </a:r>
+                <a:r>
+                  <a:rPr lang="zh-CN" altLang="en-US" dirty="0" smtClean="0"/>
+                  <a:t>如右</a:t>
+                </a:r>
+                <a:r>
+                  <a:rPr lang="en-US" altLang="zh-CN" dirty="0" smtClean="0"/>
+                  <a:t>)</a:t>
+                </a:r>
+                <a:endParaRPr lang="en-US" altLang="zh-CN" dirty="0"/>
+              </a:p>
+              <a:p>
+                <a:endParaRPr lang="en-US" altLang="zh-CN" dirty="0" smtClean="0"/>
+              </a:p>
+            </p:txBody>
+          </p:sp>
+        </mc:Choice>
+        <mc:Fallback>
+          <p:sp>
+            <p:nvSpPr>
+              <p:cNvPr id="3" name="TextBox 4"/>
+              <p:cNvSpPr txBox="1">
+                <a:spLocks noRot="1" noChangeAspect="1" noMove="1" noResize="1" noEditPoints="1" noAdjustHandles="1" noChangeArrowheads="1" noChangeShapeType="1" noTextEdit="1"/>
+              </p:cNvSpPr>
+              <p:nvPr/>
+            </p:nvSpPr>
+            <p:spPr>
+              <a:xfrm>
+                <a:off x="169914" y="331952"/>
+                <a:ext cx="11587063" cy="1200329"/>
+              </a:xfrm>
+              <a:prstGeom prst="rect">
+                <a:avLst/>
+              </a:prstGeom>
+              <a:blipFill rotWithShape="0">
+                <a:blip r:embed="rId2"/>
+                <a:stretch>
+                  <a:fillRect l="-473" t="-4061"/>
+                </a:stretch>
+              </a:blipFill>
+            </p:spPr>
+            <p:txBody>
+              <a:bodyPr/>
+              <a:lstStyle/>
+              <a:p>
+                <a:r>
+                  <a:rPr lang="zh-CN" altLang="en-US">
+                    <a:noFill/>
+                  </a:rPr>
+                  <a:t> </a:t>
+                </a:r>
+              </a:p>
+            </p:txBody>
+          </p:sp>
+        </mc:Fallback>
+      </mc:AlternateContent>
+      <mc:AlternateContent xmlns:mc="http://schemas.openxmlformats.org/markup-compatibility/2006">
+        <mc:Choice xmlns:a14="http://schemas.microsoft.com/office/drawing/2010/main" Requires="a14">
+          <p:sp>
+            <p:nvSpPr>
+              <p:cNvPr id="4" name="矩形 3"/>
+              <p:cNvSpPr/>
+              <p:nvPr/>
+            </p:nvSpPr>
+            <p:spPr>
+              <a:xfrm>
+                <a:off x="9593878" y="1985696"/>
+                <a:ext cx="1346138" cy="369332"/>
+              </a:xfrm>
+              <a:prstGeom prst="rect">
+                <a:avLst/>
+              </a:prstGeom>
+            </p:spPr>
+            <p:txBody>
+              <a:bodyPr wrap="none">
+                <a:spAutoFit/>
+              </a:bodyPr>
+              <a:lstStyle/>
+              <a:p>
+                <a14:m>
+                  <m:oMathPara xmlns:m="http://schemas.openxmlformats.org/officeDocument/2006/math">
+                    <m:oMathParaPr>
+                      <m:jc m:val="centerGroup"/>
+                    </m:oMathParaPr>
+                    <m:oMath xmlns:m="http://schemas.openxmlformats.org/officeDocument/2006/math">
+                      <m:r>
+                        <a:rPr lang="zh-CN" altLang="en-US" i="1" smtClean="0">
+                          <a:latin typeface="Cambria Math" panose="02040503050406030204" pitchFamily="18" charset="0"/>
+                        </a:rPr>
+                        <m:t>𝛽</m:t>
+                      </m:r>
+                      <m:r>
+                        <a:rPr lang="en-US" altLang="zh-CN" i="1">
+                          <a:latin typeface="Cambria Math" panose="02040503050406030204" pitchFamily="18" charset="0"/>
+                        </a:rPr>
+                        <m:t>=</m:t>
+                      </m:r>
+                      <m:func>
+                        <m:funcPr>
+                          <m:ctrlPr>
+                            <a:rPr lang="en-US" altLang="zh-CN" i="1">
+                              <a:latin typeface="Cambria Math" panose="02040503050406030204" pitchFamily="18" charset="0"/>
+                            </a:rPr>
+                          </m:ctrlPr>
+                        </m:funcPr>
+                        <m:fName>
+                          <m:r>
+                            <m:rPr>
+                              <m:sty m:val="p"/>
+                            </m:rPr>
+                            <a:rPr lang="en-US" altLang="zh-CN" b="0" i="0" smtClean="0">
+                              <a:latin typeface="Cambria Math" panose="02040503050406030204" pitchFamily="18" charset="0"/>
+                            </a:rPr>
+                            <m:t>tan</m:t>
+                          </m:r>
+                          <m:r>
+                            <m:rPr>
+                              <m:sty m:val="p"/>
+                            </m:rPr>
+                            <a:rPr lang="en-US" altLang="zh-CN">
+                              <a:latin typeface="Cambria Math" panose="02040503050406030204" pitchFamily="18" charset="0"/>
+                            </a:rPr>
+                            <m:t>h</m:t>
+                          </m:r>
+                        </m:fName>
+                        <m:e>
+                          <m:r>
+                            <a:rPr lang="en-US" altLang="zh-CN" i="1">
+                              <a:latin typeface="Cambria Math" panose="02040503050406030204" pitchFamily="18" charset="0"/>
+                            </a:rPr>
+                            <m:t>𝑤</m:t>
+                          </m:r>
+                        </m:e>
+                      </m:func>
+                    </m:oMath>
+                  </m:oMathPara>
+                </a14:m>
+                <a:endParaRPr lang="zh-CN" altLang="en-US" dirty="0"/>
+              </a:p>
+            </p:txBody>
+          </p:sp>
+        </mc:Choice>
+        <mc:Fallback>
+          <p:sp>
+            <p:nvSpPr>
+              <p:cNvPr id="4" name="矩形 3"/>
+              <p:cNvSpPr>
+                <a:spLocks noRot="1" noChangeAspect="1" noMove="1" noResize="1" noEditPoints="1" noAdjustHandles="1" noChangeArrowheads="1" noChangeShapeType="1" noTextEdit="1"/>
+              </p:cNvSpPr>
+              <p:nvPr/>
+            </p:nvSpPr>
+            <p:spPr>
+              <a:xfrm>
+                <a:off x="9593878" y="1985696"/>
+                <a:ext cx="1346138" cy="369332"/>
+              </a:xfrm>
+              <a:prstGeom prst="rect">
+                <a:avLst/>
+              </a:prstGeom>
+              <a:blipFill rotWithShape="0">
+                <a:blip r:embed="rId3"/>
+                <a:stretch>
+                  <a:fillRect b="-13333"/>
+                </a:stretch>
+              </a:blipFill>
+            </p:spPr>
+            <p:txBody>
+              <a:bodyPr/>
+              <a:lstStyle/>
+              <a:p>
+                <a:r>
+                  <a:rPr lang="zh-CN" altLang="en-US">
+                    <a:noFill/>
+                  </a:rPr>
+                  <a:t> </a:t>
+                </a:r>
+              </a:p>
+            </p:txBody>
+          </p:sp>
+        </mc:Fallback>
+      </mc:AlternateContent>
+      <mc:AlternateContent xmlns:mc="http://schemas.openxmlformats.org/markup-compatibility/2006">
+        <mc:Choice xmlns:a14="http://schemas.microsoft.com/office/drawing/2010/main" Requires="a14">
+          <p:sp>
+            <p:nvSpPr>
+              <p:cNvPr id="5" name="矩形 4"/>
+              <p:cNvSpPr/>
+              <p:nvPr/>
+            </p:nvSpPr>
+            <p:spPr>
+              <a:xfrm>
+                <a:off x="9552585" y="1482545"/>
+                <a:ext cx="1428724" cy="369332"/>
+              </a:xfrm>
+              <a:prstGeom prst="rect">
+                <a:avLst/>
+              </a:prstGeom>
+            </p:spPr>
+            <p:txBody>
+              <a:bodyPr wrap="none">
+                <a:spAutoFit/>
+              </a:bodyPr>
+              <a:lstStyle/>
+              <a:p>
+                <a:r>
+                  <a:rPr lang="en-US" altLang="zh-CN" dirty="0"/>
+                  <a:t> </a:t>
+                </a:r>
+                <a14:m>
+                  <m:oMath xmlns:m="http://schemas.openxmlformats.org/officeDocument/2006/math">
+                    <m:r>
+                      <m:rPr>
+                        <m:sty m:val="p"/>
+                      </m:rPr>
+                      <a:rPr lang="el-GR" altLang="zh-CN" i="1">
+                        <a:latin typeface="Cambria Math" panose="02040503050406030204" pitchFamily="18" charset="0"/>
+                        <a:ea typeface="Cambria Math" panose="02040503050406030204" pitchFamily="18" charset="0"/>
+                      </a:rPr>
+                      <m:t>β</m:t>
+                    </m:r>
+                    <m:r>
+                      <a:rPr lang="zh-CN" altLang="en-US" i="1">
+                        <a:latin typeface="Cambria Math" panose="02040503050406030204" pitchFamily="18" charset="0"/>
+                      </a:rPr>
+                      <m:t>𝛾</m:t>
+                    </m:r>
+                    <m:r>
+                      <a:rPr lang="en-US" altLang="zh-CN" i="1">
+                        <a:latin typeface="Cambria Math" panose="02040503050406030204" pitchFamily="18" charset="0"/>
+                      </a:rPr>
+                      <m:t>=</m:t>
+                    </m:r>
+                    <m:func>
+                      <m:funcPr>
+                        <m:ctrlPr>
+                          <a:rPr lang="en-US" altLang="zh-CN" i="1">
+                            <a:latin typeface="Cambria Math" panose="02040503050406030204" pitchFamily="18" charset="0"/>
+                          </a:rPr>
+                        </m:ctrlPr>
+                      </m:funcPr>
+                      <m:fName>
+                        <m:r>
+                          <m:rPr>
+                            <m:sty m:val="p"/>
+                          </m:rPr>
+                          <a:rPr lang="en-US" altLang="zh-CN">
+                            <a:latin typeface="Cambria Math" panose="02040503050406030204" pitchFamily="18" charset="0"/>
+                          </a:rPr>
+                          <m:t>sin</m:t>
+                        </m:r>
+                        <m:r>
+                          <m:rPr>
+                            <m:sty m:val="p"/>
+                          </m:rPr>
+                          <a:rPr lang="en-US" altLang="zh-CN">
+                            <a:latin typeface="Cambria Math" panose="02040503050406030204" pitchFamily="18" charset="0"/>
+                          </a:rPr>
+                          <m:t>h</m:t>
+                        </m:r>
+                      </m:fName>
+                      <m:e>
+                        <m:r>
+                          <a:rPr lang="en-US" altLang="zh-CN" i="1">
+                            <a:latin typeface="Cambria Math" panose="02040503050406030204" pitchFamily="18" charset="0"/>
+                          </a:rPr>
+                          <m:t>𝑤</m:t>
+                        </m:r>
+                      </m:e>
+                    </m:func>
+                  </m:oMath>
+                </a14:m>
+                <a:endParaRPr lang="zh-CN" altLang="en-US" dirty="0"/>
+              </a:p>
+            </p:txBody>
+          </p:sp>
+        </mc:Choice>
+        <mc:Fallback>
+          <p:sp>
+            <p:nvSpPr>
+              <p:cNvPr id="5" name="矩形 4"/>
+              <p:cNvSpPr>
+                <a:spLocks noRot="1" noChangeAspect="1" noMove="1" noResize="1" noEditPoints="1" noAdjustHandles="1" noChangeArrowheads="1" noChangeShapeType="1" noTextEdit="1"/>
+              </p:cNvSpPr>
+              <p:nvPr/>
+            </p:nvSpPr>
+            <p:spPr>
+              <a:xfrm>
+                <a:off x="9552585" y="1482545"/>
+                <a:ext cx="1428724" cy="369332"/>
+              </a:xfrm>
+              <a:prstGeom prst="rect">
+                <a:avLst/>
+              </a:prstGeom>
+              <a:blipFill rotWithShape="0">
+                <a:blip r:embed="rId4"/>
+                <a:stretch>
+                  <a:fillRect b="-13115"/>
+                </a:stretch>
+              </a:blipFill>
+            </p:spPr>
+            <p:txBody>
+              <a:bodyPr/>
+              <a:lstStyle/>
+              <a:p>
+                <a:r>
+                  <a:rPr lang="zh-CN" altLang="en-US">
+                    <a:noFill/>
+                  </a:rPr>
+                  <a:t> </a:t>
+                </a:r>
+              </a:p>
+            </p:txBody>
+          </p:sp>
+        </mc:Fallback>
+      </mc:AlternateContent>
+      <mc:AlternateContent xmlns:mc="http://schemas.openxmlformats.org/markup-compatibility/2006">
+        <mc:Choice xmlns:a14="http://schemas.microsoft.com/office/drawing/2010/main" Requires="a14">
+          <p:sp>
+            <p:nvSpPr>
+              <p:cNvPr id="6" name="矩形 5"/>
+              <p:cNvSpPr/>
+              <p:nvPr/>
+            </p:nvSpPr>
+            <p:spPr>
+              <a:xfrm>
+                <a:off x="9593878" y="2488847"/>
+                <a:ext cx="1575303" cy="369332"/>
+              </a:xfrm>
+              <a:prstGeom prst="rect">
+                <a:avLst/>
+              </a:prstGeom>
+            </p:spPr>
+            <p:txBody>
+              <a:bodyPr wrap="none">
+                <a:spAutoFit/>
+              </a:bodyPr>
+              <a:lstStyle/>
+              <a:p>
+                <a14:m>
+                  <m:oMathPara xmlns:m="http://schemas.openxmlformats.org/officeDocument/2006/math">
+                    <m:oMathParaPr>
+                      <m:jc m:val="centerGroup"/>
+                    </m:oMathParaPr>
+                    <m:oMath xmlns:m="http://schemas.openxmlformats.org/officeDocument/2006/math">
+                      <m:r>
+                        <a:rPr lang="en-US" altLang="zh-CN" b="0" i="1" smtClean="0">
+                          <a:latin typeface="Cambria Math" panose="02040503050406030204" pitchFamily="18" charset="0"/>
+                        </a:rPr>
+                        <m:t>𝑤</m:t>
+                      </m:r>
+                      <m:r>
+                        <a:rPr lang="en-US" altLang="zh-CN" i="1">
+                          <a:latin typeface="Cambria Math" panose="02040503050406030204" pitchFamily="18" charset="0"/>
+                        </a:rPr>
+                        <m:t>=</m:t>
+                      </m:r>
+                      <m:func>
+                        <m:funcPr>
+                          <m:ctrlPr>
+                            <a:rPr lang="en-US" altLang="zh-CN" i="1" smtClean="0">
+                              <a:latin typeface="Cambria Math" panose="02040503050406030204" pitchFamily="18" charset="0"/>
+                            </a:rPr>
+                          </m:ctrlPr>
+                        </m:funcPr>
+                        <m:fName>
+                          <m:sSup>
+                            <m:sSupPr>
+                              <m:ctrlPr>
+                                <a:rPr lang="en-US" altLang="zh-CN" i="1" smtClean="0">
+                                  <a:latin typeface="Cambria Math" panose="02040503050406030204" pitchFamily="18" charset="0"/>
+                                </a:rPr>
+                              </m:ctrlPr>
+                            </m:sSupPr>
+                            <m:e>
+                              <m:r>
+                                <m:rPr>
+                                  <m:sty m:val="p"/>
+                                </m:rPr>
+                                <a:rPr lang="en-US" altLang="zh-CN" i="0" smtClean="0">
+                                  <a:latin typeface="Cambria Math" panose="02040503050406030204" pitchFamily="18" charset="0"/>
+                                </a:rPr>
+                                <m:t>tanh</m:t>
+                              </m:r>
+                            </m:e>
+                            <m:sup>
+                              <m:r>
+                                <a:rPr lang="en-US" altLang="zh-CN" i="1" smtClean="0">
+                                  <a:latin typeface="Cambria Math" panose="02040503050406030204" pitchFamily="18" charset="0"/>
+                                </a:rPr>
+                                <m:t>−1</m:t>
+                              </m:r>
+                            </m:sup>
+                          </m:sSup>
+                        </m:fName>
+                        <m:e>
+                          <m:r>
+                            <a:rPr lang="zh-CN" altLang="en-US" i="1" smtClean="0">
+                              <a:latin typeface="Cambria Math" panose="02040503050406030204" pitchFamily="18" charset="0"/>
+                            </a:rPr>
+                            <m:t>𝛽</m:t>
+                          </m:r>
+                        </m:e>
+                      </m:func>
+                    </m:oMath>
+                  </m:oMathPara>
+                </a14:m>
+                <a:endParaRPr lang="zh-CN" altLang="en-US" dirty="0"/>
+              </a:p>
+            </p:txBody>
+          </p:sp>
+        </mc:Choice>
+        <mc:Fallback>
+          <p:sp>
+            <p:nvSpPr>
+              <p:cNvPr id="6" name="矩形 5"/>
+              <p:cNvSpPr>
+                <a:spLocks noRot="1" noChangeAspect="1" noMove="1" noResize="1" noEditPoints="1" noAdjustHandles="1" noChangeArrowheads="1" noChangeShapeType="1" noTextEdit="1"/>
+              </p:cNvSpPr>
+              <p:nvPr/>
+            </p:nvSpPr>
+            <p:spPr>
+              <a:xfrm>
+                <a:off x="9593878" y="2488847"/>
+                <a:ext cx="1575303" cy="369332"/>
+              </a:xfrm>
+              <a:prstGeom prst="rect">
+                <a:avLst/>
+              </a:prstGeom>
+              <a:blipFill rotWithShape="0">
+                <a:blip r:embed="rId5"/>
+                <a:stretch>
+                  <a:fillRect b="-13115"/>
+                </a:stretch>
+              </a:blipFill>
+            </p:spPr>
+            <p:txBody>
+              <a:bodyPr/>
+              <a:lstStyle/>
+              <a:p>
+                <a:r>
+                  <a:rPr lang="zh-CN" altLang="en-US">
+                    <a:noFill/>
+                  </a:rPr>
+                  <a:t> </a:t>
+                </a:r>
+              </a:p>
+            </p:txBody>
+          </p:sp>
+        </mc:Fallback>
+      </mc:AlternateContent>
+      <mc:AlternateContent xmlns:mc="http://schemas.openxmlformats.org/markup-compatibility/2006">
+        <mc:Choice xmlns:a14="http://schemas.microsoft.com/office/drawing/2010/main" Requires="a14">
+          <p:sp>
+            <p:nvSpPr>
+              <p:cNvPr id="7" name="矩形 6"/>
+              <p:cNvSpPr/>
+              <p:nvPr/>
+            </p:nvSpPr>
+            <p:spPr>
+              <a:xfrm>
+                <a:off x="9593878" y="2991998"/>
+                <a:ext cx="1686872" cy="369332"/>
+              </a:xfrm>
+              <a:prstGeom prst="rect">
+                <a:avLst/>
+              </a:prstGeom>
+            </p:spPr>
+            <p:txBody>
+              <a:bodyPr wrap="none">
+                <a:spAutoFit/>
+              </a:bodyPr>
+              <a:lstStyle/>
+              <a:p>
+                <a14:m>
+                  <m:oMathPara xmlns:m="http://schemas.openxmlformats.org/officeDocument/2006/math">
+                    <m:oMathParaPr>
+                      <m:jc m:val="centerGroup"/>
+                    </m:oMathParaPr>
+                    <m:oMath xmlns:m="http://schemas.openxmlformats.org/officeDocument/2006/math">
+                      <m:sSup>
+                        <m:sSupPr>
+                          <m:ctrlPr>
+                            <a:rPr lang="en-US" altLang="zh-CN" b="0" i="1" smtClean="0">
+                              <a:latin typeface="Cambria Math" panose="02040503050406030204" pitchFamily="18" charset="0"/>
+                            </a:rPr>
+                          </m:ctrlPr>
+                        </m:sSupPr>
+                        <m:e>
+                          <m:r>
+                            <a:rPr lang="en-US" altLang="zh-CN" b="0" i="1" smtClean="0">
+                              <a:latin typeface="Cambria Math" panose="02040503050406030204" pitchFamily="18" charset="0"/>
+                            </a:rPr>
+                            <m:t>𝑒</m:t>
+                          </m:r>
+                        </m:e>
+                        <m:sup>
+                          <m:r>
+                            <a:rPr lang="en-US" altLang="zh-CN" b="0" i="1" smtClean="0">
+                              <a:latin typeface="Cambria Math" panose="02040503050406030204" pitchFamily="18" charset="0"/>
+                            </a:rPr>
+                            <m:t>𝑤</m:t>
+                          </m:r>
+                        </m:sup>
+                      </m:sSup>
+                      <m:r>
+                        <a:rPr lang="en-US" altLang="zh-CN" i="1">
+                          <a:latin typeface="Cambria Math" panose="02040503050406030204" pitchFamily="18" charset="0"/>
+                        </a:rPr>
+                        <m:t>=</m:t>
+                      </m:r>
+                      <m:r>
+                        <a:rPr lang="zh-CN" altLang="en-US" i="1" smtClean="0">
+                          <a:latin typeface="Cambria Math" panose="02040503050406030204" pitchFamily="18" charset="0"/>
+                        </a:rPr>
+                        <m:t>𝛾</m:t>
+                      </m:r>
+                      <m:d>
+                        <m:dPr>
+                          <m:ctrlPr>
+                            <a:rPr lang="en-US" altLang="zh-CN" i="1" smtClean="0">
+                              <a:latin typeface="Cambria Math" panose="02040503050406030204" pitchFamily="18" charset="0"/>
+                            </a:rPr>
+                          </m:ctrlPr>
+                        </m:dPr>
+                        <m:e>
+                          <m:r>
+                            <a:rPr lang="en-US" altLang="zh-CN" b="0" i="1" smtClean="0">
+                              <a:latin typeface="Cambria Math" panose="02040503050406030204" pitchFamily="18" charset="0"/>
+                            </a:rPr>
+                            <m:t>1+</m:t>
+                          </m:r>
+                          <m:r>
+                            <a:rPr lang="zh-CN" altLang="en-US" b="0" i="1" smtClean="0">
+                              <a:latin typeface="Cambria Math" panose="02040503050406030204" pitchFamily="18" charset="0"/>
+                            </a:rPr>
+                            <m:t>𝛽</m:t>
+                          </m:r>
+                        </m:e>
+                      </m:d>
+                    </m:oMath>
+                  </m:oMathPara>
+                </a14:m>
+                <a:endParaRPr lang="zh-CN" altLang="en-US" dirty="0"/>
+              </a:p>
+            </p:txBody>
+          </p:sp>
+        </mc:Choice>
+        <mc:Fallback>
+          <p:sp>
+            <p:nvSpPr>
+              <p:cNvPr id="7" name="矩形 6"/>
+              <p:cNvSpPr>
+                <a:spLocks noRot="1" noChangeAspect="1" noMove="1" noResize="1" noEditPoints="1" noAdjustHandles="1" noChangeArrowheads="1" noChangeShapeType="1" noTextEdit="1"/>
+              </p:cNvSpPr>
+              <p:nvPr/>
+            </p:nvSpPr>
+            <p:spPr>
+              <a:xfrm>
+                <a:off x="9593878" y="2991998"/>
+                <a:ext cx="1686872" cy="369332"/>
+              </a:xfrm>
+              <a:prstGeom prst="rect">
+                <a:avLst/>
+              </a:prstGeom>
+              <a:blipFill rotWithShape="0">
+                <a:blip r:embed="rId6"/>
+                <a:stretch>
+                  <a:fillRect b="-13333"/>
+                </a:stretch>
+              </a:blipFill>
+            </p:spPr>
+            <p:txBody>
+              <a:bodyPr/>
+              <a:lstStyle/>
+              <a:p>
+                <a:r>
+                  <a:rPr lang="zh-CN" altLang="en-US">
+                    <a:noFill/>
+                  </a:rPr>
+                  <a:t> </a:t>
+                </a:r>
+              </a:p>
+            </p:txBody>
+          </p:sp>
+        </mc:Fallback>
+      </mc:AlternateContent>
+      <mc:AlternateContent xmlns:mc="http://schemas.openxmlformats.org/markup-compatibility/2006">
+        <mc:Choice xmlns:a14="http://schemas.microsoft.com/office/drawing/2010/main" Requires="a14">
+          <p:sp>
+            <p:nvSpPr>
+              <p:cNvPr id="8" name="矩形 7"/>
+              <p:cNvSpPr/>
+              <p:nvPr/>
+            </p:nvSpPr>
+            <p:spPr>
+              <a:xfrm>
+                <a:off x="9550180" y="3537746"/>
+                <a:ext cx="1808700" cy="369332"/>
+              </a:xfrm>
+              <a:prstGeom prst="rect">
+                <a:avLst/>
+              </a:prstGeom>
+            </p:spPr>
+            <p:txBody>
+              <a:bodyPr wrap="none">
+                <a:spAutoFit/>
+              </a:bodyPr>
+              <a:lstStyle/>
+              <a:p>
+                <a14:m>
+                  <m:oMathPara xmlns:m="http://schemas.openxmlformats.org/officeDocument/2006/math">
+                    <m:oMathParaPr>
+                      <m:jc m:val="centerGroup"/>
+                    </m:oMathParaPr>
+                    <m:oMath xmlns:m="http://schemas.openxmlformats.org/officeDocument/2006/math">
+                      <m:sSup>
+                        <m:sSupPr>
+                          <m:ctrlPr>
+                            <a:rPr lang="en-US" altLang="zh-CN" b="0" i="1" smtClean="0">
+                              <a:latin typeface="Cambria Math" panose="02040503050406030204" pitchFamily="18" charset="0"/>
+                            </a:rPr>
+                          </m:ctrlPr>
+                        </m:sSupPr>
+                        <m:e>
+                          <m:r>
+                            <a:rPr lang="en-US" altLang="zh-CN" b="0" i="1" smtClean="0">
+                              <a:latin typeface="Cambria Math" panose="02040503050406030204" pitchFamily="18" charset="0"/>
+                            </a:rPr>
+                            <m:t>𝑒</m:t>
+                          </m:r>
+                        </m:e>
+                        <m:sup>
+                          <m:r>
+                            <a:rPr lang="en-US" altLang="zh-CN" b="0" i="1" smtClean="0">
+                              <a:latin typeface="Cambria Math" panose="02040503050406030204" pitchFamily="18" charset="0"/>
+                            </a:rPr>
+                            <m:t>−</m:t>
+                          </m:r>
+                          <m:r>
+                            <a:rPr lang="en-US" altLang="zh-CN" b="0" i="1" smtClean="0">
+                              <a:latin typeface="Cambria Math" panose="02040503050406030204" pitchFamily="18" charset="0"/>
+                            </a:rPr>
+                            <m:t>𝑤</m:t>
+                          </m:r>
+                        </m:sup>
+                      </m:sSup>
+                      <m:r>
+                        <a:rPr lang="en-US" altLang="zh-CN" i="1">
+                          <a:latin typeface="Cambria Math" panose="02040503050406030204" pitchFamily="18" charset="0"/>
+                        </a:rPr>
+                        <m:t>=</m:t>
+                      </m:r>
+                      <m:r>
+                        <a:rPr lang="zh-CN" altLang="en-US" i="1" smtClean="0">
+                          <a:latin typeface="Cambria Math" panose="02040503050406030204" pitchFamily="18" charset="0"/>
+                        </a:rPr>
+                        <m:t>𝛾</m:t>
+                      </m:r>
+                      <m:d>
+                        <m:dPr>
+                          <m:ctrlPr>
+                            <a:rPr lang="en-US" altLang="zh-CN" i="1" smtClean="0">
+                              <a:latin typeface="Cambria Math" panose="02040503050406030204" pitchFamily="18" charset="0"/>
+                            </a:rPr>
+                          </m:ctrlPr>
+                        </m:dPr>
+                        <m:e>
+                          <m:r>
+                            <a:rPr lang="en-US" altLang="zh-CN" b="0" i="1" smtClean="0">
+                              <a:latin typeface="Cambria Math" panose="02040503050406030204" pitchFamily="18" charset="0"/>
+                            </a:rPr>
+                            <m:t>1−</m:t>
+                          </m:r>
+                          <m:r>
+                            <a:rPr lang="zh-CN" altLang="en-US" b="0" i="1" smtClean="0">
+                              <a:latin typeface="Cambria Math" panose="02040503050406030204" pitchFamily="18" charset="0"/>
+                            </a:rPr>
+                            <m:t>𝛽</m:t>
+                          </m:r>
+                        </m:e>
+                      </m:d>
+                    </m:oMath>
+                  </m:oMathPara>
+                </a14:m>
+                <a:endParaRPr lang="zh-CN" altLang="en-US" dirty="0"/>
+              </a:p>
+            </p:txBody>
+          </p:sp>
+        </mc:Choice>
+        <mc:Fallback>
+          <p:sp>
+            <p:nvSpPr>
+              <p:cNvPr id="8" name="矩形 7"/>
+              <p:cNvSpPr>
+                <a:spLocks noRot="1" noChangeAspect="1" noMove="1" noResize="1" noEditPoints="1" noAdjustHandles="1" noChangeArrowheads="1" noChangeShapeType="1" noTextEdit="1"/>
+              </p:cNvSpPr>
+              <p:nvPr/>
+            </p:nvSpPr>
+            <p:spPr>
+              <a:xfrm>
+                <a:off x="9550180" y="3537746"/>
+                <a:ext cx="1808700" cy="369332"/>
+              </a:xfrm>
+              <a:prstGeom prst="rect">
+                <a:avLst/>
+              </a:prstGeom>
+              <a:blipFill rotWithShape="0">
+                <a:blip r:embed="rId7"/>
+                <a:stretch>
+                  <a:fillRect b="-13115"/>
+                </a:stretch>
+              </a:blipFill>
+            </p:spPr>
+            <p:txBody>
+              <a:bodyPr/>
+              <a:lstStyle/>
+              <a:p>
+                <a:r>
+                  <a:rPr lang="zh-CN" altLang="en-US">
+                    <a:noFill/>
+                  </a:rPr>
+                  <a:t> </a:t>
+                </a:r>
+              </a:p>
+            </p:txBody>
+          </p:sp>
+        </mc:Fallback>
+      </mc:AlternateContent>
+      <mc:AlternateContent xmlns:mc="http://schemas.openxmlformats.org/markup-compatibility/2006">
+        <mc:Choice xmlns:a14="http://schemas.microsoft.com/office/drawing/2010/main" Requires="a14">
+          <p:sp>
+            <p:nvSpPr>
+              <p:cNvPr id="9" name="矩形 8"/>
+              <p:cNvSpPr/>
+              <p:nvPr/>
+            </p:nvSpPr>
+            <p:spPr>
+              <a:xfrm>
+                <a:off x="9550180" y="1024449"/>
+                <a:ext cx="1433534" cy="369332"/>
+              </a:xfrm>
+              <a:prstGeom prst="rect">
+                <a:avLst/>
+              </a:prstGeom>
+            </p:spPr>
+            <p:txBody>
+              <a:bodyPr wrap="none">
+                <a:spAutoFit/>
+              </a:bodyPr>
+              <a:lstStyle/>
+              <a:p>
+                <a:r>
+                  <a:rPr lang="en-US" altLang="zh-CN" dirty="0"/>
+                  <a:t> </a:t>
+                </a:r>
+                <a14:m>
+                  <m:oMath xmlns:m="http://schemas.openxmlformats.org/officeDocument/2006/math">
+                    <m:r>
+                      <a:rPr lang="zh-CN" altLang="en-US" i="1">
+                        <a:latin typeface="Cambria Math" panose="02040503050406030204" pitchFamily="18" charset="0"/>
+                      </a:rPr>
+                      <m:t>𝛾</m:t>
+                    </m:r>
+                    <m:r>
+                      <a:rPr lang="en-US" altLang="zh-CN" i="1">
+                        <a:latin typeface="Cambria Math" panose="02040503050406030204" pitchFamily="18" charset="0"/>
+                      </a:rPr>
+                      <m:t>  =</m:t>
+                    </m:r>
+                    <m:func>
+                      <m:funcPr>
+                        <m:ctrlPr>
+                          <a:rPr lang="en-US" altLang="zh-CN" i="1">
+                            <a:latin typeface="Cambria Math" panose="02040503050406030204" pitchFamily="18" charset="0"/>
+                          </a:rPr>
+                        </m:ctrlPr>
+                      </m:funcPr>
+                      <m:fName>
+                        <m:r>
+                          <m:rPr>
+                            <m:sty m:val="p"/>
+                          </m:rPr>
+                          <a:rPr lang="en-US" altLang="zh-CN">
+                            <a:latin typeface="Cambria Math" panose="02040503050406030204" pitchFamily="18" charset="0"/>
+                          </a:rPr>
+                          <m:t>cosh</m:t>
+                        </m:r>
+                      </m:fName>
+                      <m:e>
+                        <m:r>
+                          <a:rPr lang="en-US" altLang="zh-CN" i="1">
+                            <a:latin typeface="Cambria Math" panose="02040503050406030204" pitchFamily="18" charset="0"/>
+                          </a:rPr>
+                          <m:t>𝑤</m:t>
+                        </m:r>
+                      </m:e>
+                    </m:func>
+                  </m:oMath>
+                </a14:m>
+                <a:endParaRPr lang="zh-CN" altLang="en-US" dirty="0"/>
+              </a:p>
+            </p:txBody>
+          </p:sp>
+        </mc:Choice>
+        <mc:Fallback>
+          <p:sp>
+            <p:nvSpPr>
+              <p:cNvPr id="9" name="矩形 8"/>
+              <p:cNvSpPr>
+                <a:spLocks noRot="1" noChangeAspect="1" noMove="1" noResize="1" noEditPoints="1" noAdjustHandles="1" noChangeArrowheads="1" noChangeShapeType="1" noTextEdit="1"/>
+              </p:cNvSpPr>
+              <p:nvPr/>
+            </p:nvSpPr>
+            <p:spPr>
+              <a:xfrm>
+                <a:off x="9550180" y="1024449"/>
+                <a:ext cx="1433534" cy="369332"/>
+              </a:xfrm>
+              <a:prstGeom prst="rect">
+                <a:avLst/>
+              </a:prstGeom>
+              <a:blipFill rotWithShape="0">
+                <a:blip r:embed="rId8"/>
+                <a:stretch>
+                  <a:fillRect b="-3279"/>
+                </a:stretch>
+              </a:blipFill>
+            </p:spPr>
+            <p:txBody>
+              <a:bodyPr/>
+              <a:lstStyle/>
+              <a:p>
+                <a:r>
+                  <a:rPr lang="zh-CN" altLang="en-US">
+                    <a:noFill/>
+                  </a:rPr>
+                  <a:t> </a:t>
+                </a:r>
+              </a:p>
+            </p:txBody>
+          </p:sp>
+        </mc:Fallback>
+      </mc:AlternateContent>
+      <mc:AlternateContent xmlns:mc="http://schemas.openxmlformats.org/markup-compatibility/2006">
+        <mc:Choice xmlns:a14="http://schemas.microsoft.com/office/drawing/2010/main" Requires="a14">
+          <p:sp>
+            <p:nvSpPr>
+              <p:cNvPr id="10" name="矩形 9"/>
+              <p:cNvSpPr/>
+              <p:nvPr/>
+            </p:nvSpPr>
+            <p:spPr>
+              <a:xfrm>
+                <a:off x="9593878" y="4040897"/>
+                <a:ext cx="2008307" cy="623761"/>
+              </a:xfrm>
+              <a:prstGeom prst="rect">
+                <a:avLst/>
+              </a:prstGeom>
+            </p:spPr>
+            <p:txBody>
+              <a:bodyPr wrap="none">
+                <a:spAutoFit/>
+              </a:bodyPr>
+              <a:lstStyle/>
+              <a:p>
+                <a14:m>
+                  <m:oMathPara xmlns:m="http://schemas.openxmlformats.org/officeDocument/2006/math">
+                    <m:oMathParaPr>
+                      <m:jc m:val="centerGroup"/>
+                    </m:oMathParaPr>
+                    <m:oMath xmlns:m="http://schemas.openxmlformats.org/officeDocument/2006/math">
+                      <m:func>
+                        <m:funcPr>
+                          <m:ctrlPr>
+                            <a:rPr lang="en-US" altLang="zh-CN" b="0" i="1" smtClean="0">
+                              <a:latin typeface="Cambria Math" panose="02040503050406030204" pitchFamily="18" charset="0"/>
+                            </a:rPr>
+                          </m:ctrlPr>
+                        </m:funcPr>
+                        <m:fName>
+                          <m:r>
+                            <m:rPr>
+                              <m:sty m:val="p"/>
+                            </m:rPr>
+                            <a:rPr lang="en-US" altLang="zh-CN" b="0" i="0" smtClean="0">
+                              <a:latin typeface="Cambria Math" panose="02040503050406030204" pitchFamily="18" charset="0"/>
+                            </a:rPr>
+                            <m:t>sinh</m:t>
+                          </m:r>
+                        </m:fName>
+                        <m:e>
+                          <m:r>
+                            <a:rPr lang="en-US" altLang="zh-CN" b="0" i="1" smtClean="0">
+                              <a:latin typeface="Cambria Math" panose="02040503050406030204" pitchFamily="18" charset="0"/>
+                            </a:rPr>
+                            <m:t>𝑥</m:t>
+                          </m:r>
+                        </m:e>
+                      </m:func>
+                      <m:r>
+                        <a:rPr lang="en-US" altLang="zh-CN" b="0" i="1" smtClean="0">
+                          <a:latin typeface="Cambria Math" panose="02040503050406030204" pitchFamily="18" charset="0"/>
+                        </a:rPr>
+                        <m:t>=</m:t>
+                      </m:r>
+                      <m:f>
+                        <m:fPr>
+                          <m:ctrlPr>
+                            <a:rPr lang="en-US" altLang="zh-CN" b="0" i="1" smtClean="0">
+                              <a:latin typeface="Cambria Math" panose="02040503050406030204" pitchFamily="18" charset="0"/>
+                            </a:rPr>
+                          </m:ctrlPr>
+                        </m:fPr>
+                        <m:num>
+                          <m:sSup>
+                            <m:sSupPr>
+                              <m:ctrlPr>
+                                <a:rPr lang="en-US" altLang="zh-CN" b="0" i="1" smtClean="0">
+                                  <a:latin typeface="Cambria Math" panose="02040503050406030204" pitchFamily="18" charset="0"/>
+                                </a:rPr>
+                              </m:ctrlPr>
+                            </m:sSupPr>
+                            <m:e>
+                              <m:r>
+                                <a:rPr lang="en-US" altLang="zh-CN" b="0" i="1" smtClean="0">
+                                  <a:latin typeface="Cambria Math" panose="02040503050406030204" pitchFamily="18" charset="0"/>
+                                </a:rPr>
+                                <m:t>𝑒</m:t>
+                              </m:r>
+                            </m:e>
+                            <m:sup>
+                              <m:r>
+                                <a:rPr lang="en-US" altLang="zh-CN" b="0" i="1" smtClean="0">
+                                  <a:latin typeface="Cambria Math" panose="02040503050406030204" pitchFamily="18" charset="0"/>
+                                </a:rPr>
+                                <m:t>𝑥</m:t>
+                              </m:r>
+                            </m:sup>
+                          </m:sSup>
+                          <m:r>
+                            <a:rPr lang="en-US" altLang="zh-CN" b="0" i="1" smtClean="0">
+                              <a:latin typeface="Cambria Math" panose="02040503050406030204" pitchFamily="18" charset="0"/>
+                            </a:rPr>
+                            <m:t>−</m:t>
+                          </m:r>
+                          <m:sSup>
+                            <m:sSupPr>
+                              <m:ctrlPr>
+                                <a:rPr lang="en-US" altLang="zh-CN" i="1">
+                                  <a:latin typeface="Cambria Math" panose="02040503050406030204" pitchFamily="18" charset="0"/>
+                                </a:rPr>
+                              </m:ctrlPr>
+                            </m:sSupPr>
+                            <m:e>
+                              <m:r>
+                                <a:rPr lang="en-US" altLang="zh-CN" i="1">
+                                  <a:latin typeface="Cambria Math" panose="02040503050406030204" pitchFamily="18" charset="0"/>
+                                </a:rPr>
+                                <m:t>𝑒</m:t>
+                              </m:r>
+                            </m:e>
+                            <m:sup>
+                              <m:r>
+                                <a:rPr lang="en-US" altLang="zh-CN" b="0" i="1" smtClean="0">
+                                  <a:latin typeface="Cambria Math" panose="02040503050406030204" pitchFamily="18" charset="0"/>
+                                </a:rPr>
+                                <m:t>−</m:t>
+                              </m:r>
+                              <m:r>
+                                <a:rPr lang="en-US" altLang="zh-CN" i="1">
+                                  <a:latin typeface="Cambria Math" panose="02040503050406030204" pitchFamily="18" charset="0"/>
+                                </a:rPr>
+                                <m:t>𝑥</m:t>
+                              </m:r>
+                            </m:sup>
+                          </m:sSup>
+                        </m:num>
+                        <m:den>
+                          <m:r>
+                            <a:rPr lang="en-US" altLang="zh-CN" b="0" i="1" smtClean="0">
+                              <a:latin typeface="Cambria Math" panose="02040503050406030204" pitchFamily="18" charset="0"/>
+                            </a:rPr>
+                            <m:t>2</m:t>
+                          </m:r>
+                        </m:den>
+                      </m:f>
+                    </m:oMath>
+                  </m:oMathPara>
+                </a14:m>
+                <a:endParaRPr lang="zh-CN" altLang="en-US" dirty="0"/>
+              </a:p>
+            </p:txBody>
+          </p:sp>
+        </mc:Choice>
+        <mc:Fallback>
+          <p:sp>
+            <p:nvSpPr>
+              <p:cNvPr id="10" name="矩形 9"/>
+              <p:cNvSpPr>
+                <a:spLocks noRot="1" noChangeAspect="1" noMove="1" noResize="1" noEditPoints="1" noAdjustHandles="1" noChangeArrowheads="1" noChangeShapeType="1" noTextEdit="1"/>
+              </p:cNvSpPr>
+              <p:nvPr/>
+            </p:nvSpPr>
+            <p:spPr>
+              <a:xfrm>
+                <a:off x="9593878" y="4040897"/>
+                <a:ext cx="2008307" cy="623761"/>
+              </a:xfrm>
+              <a:prstGeom prst="rect">
+                <a:avLst/>
+              </a:prstGeom>
+              <a:blipFill rotWithShape="0">
+                <a:blip r:embed="rId9"/>
+                <a:stretch>
+                  <a:fillRect/>
+                </a:stretch>
+              </a:blipFill>
+            </p:spPr>
+            <p:txBody>
+              <a:bodyPr/>
+              <a:lstStyle/>
+              <a:p>
+                <a:r>
+                  <a:rPr lang="zh-CN" altLang="en-US">
+                    <a:noFill/>
+                  </a:rPr>
+                  <a:t> </a:t>
+                </a:r>
+              </a:p>
+            </p:txBody>
+          </p:sp>
+        </mc:Fallback>
+      </mc:AlternateContent>
+      <mc:AlternateContent xmlns:mc="http://schemas.openxmlformats.org/markup-compatibility/2006">
+        <mc:Choice xmlns:a14="http://schemas.microsoft.com/office/drawing/2010/main" Requires="a14">
+          <p:sp>
+            <p:nvSpPr>
+              <p:cNvPr id="11" name="矩形 10"/>
+              <p:cNvSpPr/>
+              <p:nvPr/>
+            </p:nvSpPr>
+            <p:spPr>
+              <a:xfrm>
+                <a:off x="9593878" y="4798477"/>
+                <a:ext cx="2038763" cy="623761"/>
+              </a:xfrm>
+              <a:prstGeom prst="rect">
+                <a:avLst/>
+              </a:prstGeom>
+            </p:spPr>
+            <p:txBody>
+              <a:bodyPr wrap="none">
+                <a:spAutoFit/>
+              </a:bodyPr>
+              <a:lstStyle/>
+              <a:p>
+                <a14:m>
+                  <m:oMathPara xmlns:m="http://schemas.openxmlformats.org/officeDocument/2006/math">
+                    <m:oMathParaPr>
+                      <m:jc m:val="centerGroup"/>
+                    </m:oMathParaPr>
+                    <m:oMath xmlns:m="http://schemas.openxmlformats.org/officeDocument/2006/math">
+                      <m:func>
+                        <m:funcPr>
+                          <m:ctrlPr>
+                            <a:rPr lang="en-US" altLang="zh-CN" b="0" i="1" smtClean="0">
+                              <a:latin typeface="Cambria Math" panose="02040503050406030204" pitchFamily="18" charset="0"/>
+                            </a:rPr>
+                          </m:ctrlPr>
+                        </m:funcPr>
+                        <m:fName>
+                          <m:r>
+                            <m:rPr>
+                              <m:sty m:val="p"/>
+                            </m:rPr>
+                            <a:rPr lang="en-US" altLang="zh-CN" b="0" i="0" smtClean="0">
+                              <a:latin typeface="Cambria Math" panose="02040503050406030204" pitchFamily="18" charset="0"/>
+                            </a:rPr>
+                            <m:t>cosh</m:t>
+                          </m:r>
+                        </m:fName>
+                        <m:e>
+                          <m:r>
+                            <a:rPr lang="en-US" altLang="zh-CN" b="0" i="1" smtClean="0">
+                              <a:latin typeface="Cambria Math" panose="02040503050406030204" pitchFamily="18" charset="0"/>
+                            </a:rPr>
+                            <m:t>𝑥</m:t>
+                          </m:r>
+                        </m:e>
+                      </m:func>
+                      <m:r>
+                        <a:rPr lang="en-US" altLang="zh-CN" b="0" i="1" smtClean="0">
+                          <a:latin typeface="Cambria Math" panose="02040503050406030204" pitchFamily="18" charset="0"/>
+                        </a:rPr>
+                        <m:t>=</m:t>
+                      </m:r>
+                      <m:f>
+                        <m:fPr>
+                          <m:ctrlPr>
+                            <a:rPr lang="en-US" altLang="zh-CN" i="1">
+                              <a:latin typeface="Cambria Math" panose="02040503050406030204" pitchFamily="18" charset="0"/>
+                            </a:rPr>
+                          </m:ctrlPr>
+                        </m:fPr>
+                        <m:num>
+                          <m:sSup>
+                            <m:sSupPr>
+                              <m:ctrlPr>
+                                <a:rPr lang="en-US" altLang="zh-CN" i="1">
+                                  <a:latin typeface="Cambria Math" panose="02040503050406030204" pitchFamily="18" charset="0"/>
+                                </a:rPr>
+                              </m:ctrlPr>
+                            </m:sSupPr>
+                            <m:e>
+                              <m:r>
+                                <a:rPr lang="en-US" altLang="zh-CN" i="1">
+                                  <a:latin typeface="Cambria Math" panose="02040503050406030204" pitchFamily="18" charset="0"/>
+                                </a:rPr>
+                                <m:t>𝑒</m:t>
+                              </m:r>
+                            </m:e>
+                            <m:sup>
+                              <m:r>
+                                <a:rPr lang="en-US" altLang="zh-CN" i="1">
+                                  <a:latin typeface="Cambria Math" panose="02040503050406030204" pitchFamily="18" charset="0"/>
+                                </a:rPr>
+                                <m:t>𝑥</m:t>
+                              </m:r>
+                            </m:sup>
+                          </m:sSup>
+                          <m:r>
+                            <a:rPr lang="en-US" altLang="zh-CN" b="0" i="1" smtClean="0">
+                              <a:latin typeface="Cambria Math" panose="02040503050406030204" pitchFamily="18" charset="0"/>
+                            </a:rPr>
+                            <m:t>+</m:t>
+                          </m:r>
+                          <m:sSup>
+                            <m:sSupPr>
+                              <m:ctrlPr>
+                                <a:rPr lang="en-US" altLang="zh-CN" i="1">
+                                  <a:latin typeface="Cambria Math" panose="02040503050406030204" pitchFamily="18" charset="0"/>
+                                </a:rPr>
+                              </m:ctrlPr>
+                            </m:sSupPr>
+                            <m:e>
+                              <m:r>
+                                <a:rPr lang="en-US" altLang="zh-CN" i="1">
+                                  <a:latin typeface="Cambria Math" panose="02040503050406030204" pitchFamily="18" charset="0"/>
+                                </a:rPr>
+                                <m:t>𝑒</m:t>
+                              </m:r>
+                            </m:e>
+                            <m:sup>
+                              <m:r>
+                                <a:rPr lang="en-US" altLang="zh-CN" i="1">
+                                  <a:latin typeface="Cambria Math" panose="02040503050406030204" pitchFamily="18" charset="0"/>
+                                </a:rPr>
+                                <m:t>−</m:t>
+                              </m:r>
+                              <m:r>
+                                <a:rPr lang="en-US" altLang="zh-CN" i="1">
+                                  <a:latin typeface="Cambria Math" panose="02040503050406030204" pitchFamily="18" charset="0"/>
+                                </a:rPr>
+                                <m:t>𝑥</m:t>
+                              </m:r>
+                            </m:sup>
+                          </m:sSup>
+                        </m:num>
+                        <m:den>
+                          <m:r>
+                            <a:rPr lang="en-US" altLang="zh-CN" i="1">
+                              <a:latin typeface="Cambria Math" panose="02040503050406030204" pitchFamily="18" charset="0"/>
+                            </a:rPr>
+                            <m:t>2</m:t>
+                          </m:r>
+                        </m:den>
+                      </m:f>
+                    </m:oMath>
+                  </m:oMathPara>
+                </a14:m>
+                <a:endParaRPr lang="zh-CN" altLang="en-US" dirty="0"/>
+              </a:p>
+            </p:txBody>
+          </p:sp>
+        </mc:Choice>
+        <mc:Fallback>
+          <p:sp>
+            <p:nvSpPr>
+              <p:cNvPr id="11" name="矩形 10"/>
+              <p:cNvSpPr>
+                <a:spLocks noRot="1" noChangeAspect="1" noMove="1" noResize="1" noEditPoints="1" noAdjustHandles="1" noChangeArrowheads="1" noChangeShapeType="1" noTextEdit="1"/>
+              </p:cNvSpPr>
+              <p:nvPr/>
+            </p:nvSpPr>
+            <p:spPr>
+              <a:xfrm>
+                <a:off x="9593878" y="4798477"/>
+                <a:ext cx="2038763" cy="623761"/>
+              </a:xfrm>
+              <a:prstGeom prst="rect">
+                <a:avLst/>
+              </a:prstGeom>
+              <a:blipFill rotWithShape="0">
+                <a:blip r:embed="rId10"/>
+                <a:stretch>
+                  <a:fillRect/>
+                </a:stretch>
+              </a:blipFill>
+            </p:spPr>
+            <p:txBody>
+              <a:bodyPr/>
+              <a:lstStyle/>
+              <a:p>
+                <a:r>
+                  <a:rPr lang="zh-CN" altLang="en-US">
+                    <a:noFill/>
+                  </a:rPr>
+                  <a:t> </a:t>
+                </a:r>
+              </a:p>
+            </p:txBody>
+          </p:sp>
+        </mc:Fallback>
+      </mc:AlternateContent>
+      <p:sp>
+        <p:nvSpPr>
+          <p:cNvPr id="15" name="TextBox 4"/>
+          <p:cNvSpPr txBox="1"/>
+          <p:nvPr/>
+        </p:nvSpPr>
+        <p:spPr>
+          <a:xfrm>
+            <a:off x="169914" y="1309817"/>
+            <a:ext cx="11587063" cy="646331"/>
+          </a:xfrm>
+          <a:prstGeom prst="rect">
+            <a:avLst/>
+          </a:prstGeom>
+          <a:noFill/>
+        </p:spPr>
+        <p:txBody>
+          <a:bodyPr wrap="square" rtlCol="0">
+            <a:spAutoFit/>
+          </a:bodyPr>
+          <a:lstStyle/>
+          <a:p>
+            <a:endParaRPr lang="en-US" altLang="zh-CN" dirty="0" smtClean="0"/>
+          </a:p>
+          <a:p>
+            <a:r>
+              <a:rPr lang="en-US" dirty="0"/>
+              <a:t>     </a:t>
+            </a:r>
+            <a:r>
+              <a:rPr lang="en-US" dirty="0" smtClean="0"/>
+              <a:t>● </a:t>
+            </a:r>
+            <a:r>
+              <a:rPr lang="zh-CN" altLang="en-US" dirty="0"/>
+              <a:t>快</a:t>
+            </a:r>
+            <a:r>
+              <a:rPr lang="zh-CN" altLang="en-US" dirty="0" smtClean="0"/>
+              <a:t>度可以通过测量的动量和能量测量</a:t>
+            </a:r>
+            <a:endParaRPr lang="en-US" altLang="zh-CN" dirty="0" smtClean="0"/>
+          </a:p>
+        </p:txBody>
+      </p:sp>
+      <mc:AlternateContent xmlns:mc="http://schemas.openxmlformats.org/markup-compatibility/2006">
+        <mc:Choice xmlns:a14="http://schemas.microsoft.com/office/drawing/2010/main" Requires="a14">
+          <p:sp>
+            <p:nvSpPr>
+              <p:cNvPr id="16" name="矩形 15"/>
+              <p:cNvSpPr/>
+              <p:nvPr/>
+            </p:nvSpPr>
+            <p:spPr>
+              <a:xfrm>
+                <a:off x="802805" y="2104741"/>
+                <a:ext cx="3127844" cy="685444"/>
+              </a:xfrm>
+              <a:prstGeom prst="rect">
+                <a:avLst/>
+              </a:prstGeom>
+            </p:spPr>
+            <p:txBody>
+              <a:bodyPr wrap="none">
+                <a:spAutoFit/>
+              </a:bodyPr>
+              <a:lstStyle/>
+              <a:p>
+                <a14:m>
+                  <m:oMathPara xmlns:m="http://schemas.openxmlformats.org/officeDocument/2006/math">
+                    <m:oMathParaPr>
+                      <m:jc m:val="centerGroup"/>
+                    </m:oMathParaPr>
+                    <m:oMath xmlns:m="http://schemas.openxmlformats.org/officeDocument/2006/math">
+                      <m:r>
+                        <a:rPr lang="en-US" altLang="zh-CN" b="0" i="1" smtClean="0">
+                          <a:latin typeface="Cambria Math" panose="02040503050406030204" pitchFamily="18" charset="0"/>
+                        </a:rPr>
+                        <m:t>𝑤</m:t>
+                      </m:r>
+                      <m:r>
+                        <a:rPr lang="en-US" altLang="zh-CN" i="1" smtClean="0">
+                          <a:latin typeface="Cambria Math" panose="02040503050406030204" pitchFamily="18" charset="0"/>
+                        </a:rPr>
+                        <m:t>=</m:t>
+                      </m:r>
+                      <m:f>
+                        <m:fPr>
+                          <m:ctrlPr>
+                            <a:rPr lang="en-US" altLang="zh-CN" i="1" smtClean="0">
+                              <a:latin typeface="Cambria Math" panose="02040503050406030204" pitchFamily="18" charset="0"/>
+                            </a:rPr>
+                          </m:ctrlPr>
+                        </m:fPr>
+                        <m:num>
+                          <m:r>
+                            <a:rPr lang="en-US" altLang="zh-CN" b="0" i="1" smtClean="0">
+                              <a:latin typeface="Cambria Math" panose="02040503050406030204" pitchFamily="18" charset="0"/>
+                            </a:rPr>
+                            <m:t>1</m:t>
+                          </m:r>
+                        </m:num>
+                        <m:den>
+                          <m:r>
+                            <a:rPr lang="en-US" altLang="zh-CN" b="0" i="1" smtClean="0">
+                              <a:latin typeface="Cambria Math" panose="02040503050406030204" pitchFamily="18" charset="0"/>
+                            </a:rPr>
+                            <m:t>2</m:t>
+                          </m:r>
+                        </m:den>
+                      </m:f>
+                      <m:r>
+                        <a:rPr lang="en-US" altLang="zh-CN" b="0" i="1" smtClean="0">
+                          <a:latin typeface="Cambria Math" panose="02040503050406030204" pitchFamily="18" charset="0"/>
+                        </a:rPr>
+                        <m:t>𝑙𝑛</m:t>
+                      </m:r>
+                      <m:f>
+                        <m:fPr>
+                          <m:ctrlPr>
+                            <a:rPr lang="en-US" altLang="zh-CN" b="0" i="1" smtClean="0">
+                              <a:latin typeface="Cambria Math" panose="02040503050406030204" pitchFamily="18" charset="0"/>
+                            </a:rPr>
+                          </m:ctrlPr>
+                        </m:fPr>
+                        <m:num>
+                          <m:r>
+                            <a:rPr lang="en-US" altLang="zh-CN" i="1">
+                              <a:latin typeface="Cambria Math" panose="02040503050406030204" pitchFamily="18" charset="0"/>
+                            </a:rPr>
+                            <m:t>𝐸</m:t>
+                          </m:r>
+                          <m:r>
+                            <a:rPr lang="en-US" altLang="zh-CN" b="0" i="1" smtClean="0">
+                              <a:latin typeface="Cambria Math" panose="02040503050406030204" pitchFamily="18" charset="0"/>
+                            </a:rPr>
+                            <m:t>+</m:t>
+                          </m:r>
+                          <m:d>
+                            <m:dPr>
+                              <m:begChr m:val="|"/>
+                              <m:endChr m:val="|"/>
+                              <m:ctrlPr>
+                                <a:rPr lang="en-US" altLang="zh-CN" i="1">
+                                  <a:latin typeface="Cambria Math" panose="02040503050406030204" pitchFamily="18" charset="0"/>
+                                </a:rPr>
+                              </m:ctrlPr>
+                            </m:dPr>
+                            <m:e>
+                              <m:acc>
+                                <m:accPr>
+                                  <m:chr m:val="⃗"/>
+                                  <m:ctrlPr>
+                                    <a:rPr lang="en-US" altLang="zh-CN" i="1">
+                                      <a:latin typeface="Cambria Math" panose="02040503050406030204" pitchFamily="18" charset="0"/>
+                                    </a:rPr>
+                                  </m:ctrlPr>
+                                </m:accPr>
+                                <m:e>
+                                  <m:r>
+                                    <a:rPr lang="en-US" altLang="zh-CN" i="1">
+                                      <a:latin typeface="Cambria Math" panose="02040503050406030204" pitchFamily="18" charset="0"/>
+                                    </a:rPr>
+                                    <m:t>𝑝</m:t>
+                                  </m:r>
+                                </m:e>
+                              </m:acc>
+                            </m:e>
+                          </m:d>
+                        </m:num>
+                        <m:den>
+                          <m:r>
+                            <a:rPr lang="en-US" altLang="zh-CN" b="0" i="1" smtClean="0">
+                              <a:latin typeface="Cambria Math" panose="02040503050406030204" pitchFamily="18" charset="0"/>
+                            </a:rPr>
+                            <m:t>𝐸</m:t>
+                          </m:r>
+                          <m:r>
+                            <a:rPr lang="en-US" altLang="zh-CN" b="0" i="1" smtClean="0">
+                              <a:latin typeface="Cambria Math" panose="02040503050406030204" pitchFamily="18" charset="0"/>
+                            </a:rPr>
+                            <m:t>−</m:t>
+                          </m:r>
+                          <m:d>
+                            <m:dPr>
+                              <m:begChr m:val="|"/>
+                              <m:endChr m:val="|"/>
+                              <m:ctrlPr>
+                                <a:rPr lang="en-US" altLang="zh-CN" b="0" i="1" smtClean="0">
+                                  <a:latin typeface="Cambria Math" panose="02040503050406030204" pitchFamily="18" charset="0"/>
+                                </a:rPr>
+                              </m:ctrlPr>
+                            </m:dPr>
+                            <m:e>
+                              <m:acc>
+                                <m:accPr>
+                                  <m:chr m:val="⃗"/>
+                                  <m:ctrlPr>
+                                    <a:rPr lang="en-US" altLang="zh-CN" b="0" i="1" smtClean="0">
+                                      <a:latin typeface="Cambria Math" panose="02040503050406030204" pitchFamily="18" charset="0"/>
+                                    </a:rPr>
+                                  </m:ctrlPr>
+                                </m:accPr>
+                                <m:e>
+                                  <m:r>
+                                    <a:rPr lang="en-US" altLang="zh-CN" b="0" i="1" smtClean="0">
+                                      <a:latin typeface="Cambria Math" panose="02040503050406030204" pitchFamily="18" charset="0"/>
+                                    </a:rPr>
+                                    <m:t>𝑝</m:t>
+                                  </m:r>
+                                </m:e>
+                              </m:acc>
+                            </m:e>
+                          </m:d>
+                        </m:den>
+                      </m:f>
+                      <m:r>
+                        <a:rPr lang="en-US" altLang="zh-CN" b="0" i="1" smtClean="0">
+                          <a:latin typeface="Cambria Math" panose="02040503050406030204" pitchFamily="18" charset="0"/>
+                        </a:rPr>
+                        <m:t>=</m:t>
+                      </m:r>
+                      <m:func>
+                        <m:funcPr>
+                          <m:ctrlPr>
+                            <a:rPr lang="en-US" altLang="zh-CN" b="0" i="1" smtClean="0">
+                              <a:latin typeface="Cambria Math" panose="02040503050406030204" pitchFamily="18" charset="0"/>
+                            </a:rPr>
+                          </m:ctrlPr>
+                        </m:funcPr>
+                        <m:fName>
+                          <m:sSup>
+                            <m:sSupPr>
+                              <m:ctrlPr>
+                                <a:rPr lang="en-US" altLang="zh-CN" b="0" i="1" smtClean="0">
+                                  <a:latin typeface="Cambria Math" panose="02040503050406030204" pitchFamily="18" charset="0"/>
+                                </a:rPr>
+                              </m:ctrlPr>
+                            </m:sSupPr>
+                            <m:e>
+                              <m:r>
+                                <m:rPr>
+                                  <m:sty m:val="p"/>
+                                </m:rPr>
+                                <a:rPr lang="en-US" altLang="zh-CN" b="0" i="0" smtClean="0">
+                                  <a:latin typeface="Cambria Math" panose="02040503050406030204" pitchFamily="18" charset="0"/>
+                                </a:rPr>
+                                <m:t>tanh</m:t>
+                              </m:r>
+                            </m:e>
+                            <m:sup>
+                              <m:r>
+                                <a:rPr lang="en-US" altLang="zh-CN" b="0" i="1" smtClean="0">
+                                  <a:latin typeface="Cambria Math" panose="02040503050406030204" pitchFamily="18" charset="0"/>
+                                </a:rPr>
+                                <m:t>−1</m:t>
+                              </m:r>
+                            </m:sup>
+                          </m:sSup>
+                        </m:fName>
+                        <m:e>
+                          <m:f>
+                            <m:fPr>
+                              <m:ctrlPr>
+                                <a:rPr lang="en-US" altLang="zh-CN" b="0" i="1" smtClean="0">
+                                  <a:latin typeface="Cambria Math" panose="02040503050406030204" pitchFamily="18" charset="0"/>
+                                </a:rPr>
+                              </m:ctrlPr>
+                            </m:fPr>
+                            <m:num>
+                              <m:d>
+                                <m:dPr>
+                                  <m:begChr m:val="|"/>
+                                  <m:endChr m:val="|"/>
+                                  <m:ctrlPr>
+                                    <a:rPr lang="en-US" altLang="zh-CN" i="1">
+                                      <a:latin typeface="Cambria Math" panose="02040503050406030204" pitchFamily="18" charset="0"/>
+                                    </a:rPr>
+                                  </m:ctrlPr>
+                                </m:dPr>
+                                <m:e>
+                                  <m:acc>
+                                    <m:accPr>
+                                      <m:chr m:val="⃗"/>
+                                      <m:ctrlPr>
+                                        <a:rPr lang="en-US" altLang="zh-CN" i="1">
+                                          <a:latin typeface="Cambria Math" panose="02040503050406030204" pitchFamily="18" charset="0"/>
+                                        </a:rPr>
+                                      </m:ctrlPr>
+                                    </m:accPr>
+                                    <m:e>
+                                      <m:r>
+                                        <a:rPr lang="en-US" altLang="zh-CN" i="1">
+                                          <a:latin typeface="Cambria Math" panose="02040503050406030204" pitchFamily="18" charset="0"/>
+                                        </a:rPr>
+                                        <m:t>𝑝</m:t>
+                                      </m:r>
+                                    </m:e>
+                                  </m:acc>
+                                </m:e>
+                              </m:d>
+                            </m:num>
+                            <m:den>
+                              <m:r>
+                                <a:rPr lang="en-US" altLang="zh-CN" b="0" i="1" smtClean="0">
+                                  <a:latin typeface="Cambria Math" panose="02040503050406030204" pitchFamily="18" charset="0"/>
+                                </a:rPr>
+                                <m:t>𝐸</m:t>
+                              </m:r>
+                            </m:den>
+                          </m:f>
+                        </m:e>
+                      </m:func>
+                    </m:oMath>
+                  </m:oMathPara>
+                </a14:m>
+                <a:endParaRPr lang="zh-CN" altLang="en-US" dirty="0"/>
+              </a:p>
+            </p:txBody>
+          </p:sp>
+        </mc:Choice>
+        <mc:Fallback>
+          <p:sp>
+            <p:nvSpPr>
+              <p:cNvPr id="16" name="矩形 15"/>
+              <p:cNvSpPr>
+                <a:spLocks noRot="1" noChangeAspect="1" noMove="1" noResize="1" noEditPoints="1" noAdjustHandles="1" noChangeArrowheads="1" noChangeShapeType="1" noTextEdit="1"/>
+              </p:cNvSpPr>
+              <p:nvPr/>
+            </p:nvSpPr>
+            <p:spPr>
+              <a:xfrm>
+                <a:off x="802805" y="2104741"/>
+                <a:ext cx="3127844" cy="685444"/>
+              </a:xfrm>
+              <a:prstGeom prst="rect">
+                <a:avLst/>
+              </a:prstGeom>
+              <a:blipFill rotWithShape="0">
+                <a:blip r:embed="rId11"/>
+                <a:stretch>
+                  <a:fillRect/>
+                </a:stretch>
+              </a:blipFill>
+            </p:spPr>
+            <p:txBody>
+              <a:bodyPr/>
+              <a:lstStyle/>
+              <a:p>
+                <a:r>
+                  <a:rPr lang="zh-CN" altLang="en-US">
+                    <a:noFill/>
+                  </a:rPr>
+                  <a:t> </a:t>
+                </a:r>
+              </a:p>
+            </p:txBody>
+          </p:sp>
+        </mc:Fallback>
+      </mc:AlternateContent>
+      <p:sp>
+        <p:nvSpPr>
+          <p:cNvPr id="17" name="TextBox 4"/>
+          <p:cNvSpPr txBox="1"/>
+          <p:nvPr/>
+        </p:nvSpPr>
+        <p:spPr>
+          <a:xfrm>
+            <a:off x="169914" y="2832199"/>
+            <a:ext cx="6407349" cy="646331"/>
+          </a:xfrm>
+          <a:prstGeom prst="rect">
+            <a:avLst/>
+          </a:prstGeom>
+          <a:noFill/>
+        </p:spPr>
+        <p:txBody>
+          <a:bodyPr wrap="square" rtlCol="0">
+            <a:spAutoFit/>
+          </a:bodyPr>
+          <a:lstStyle/>
+          <a:p>
+            <a:endParaRPr lang="en-US" altLang="zh-CN" dirty="0" smtClean="0"/>
+          </a:p>
+          <a:p>
+            <a:r>
+              <a:rPr lang="en-US" dirty="0"/>
+              <a:t>     </a:t>
+            </a:r>
+            <a:r>
+              <a:rPr lang="en-US" dirty="0" smtClean="0"/>
+              <a:t>● </a:t>
+            </a:r>
+            <a:r>
+              <a:rPr lang="zh-CN" altLang="en-US" dirty="0" smtClean="0"/>
+              <a:t>在粒子物理实验中，经常使用下面的定义：</a:t>
+            </a:r>
+            <a:endParaRPr lang="en-US" altLang="zh-CN" dirty="0" smtClean="0"/>
+          </a:p>
+        </p:txBody>
+      </p:sp>
+      <mc:AlternateContent xmlns:mc="http://schemas.openxmlformats.org/markup-compatibility/2006">
+        <mc:Choice xmlns:a14="http://schemas.microsoft.com/office/drawing/2010/main" Requires="a14">
+          <p:sp>
+            <p:nvSpPr>
+              <p:cNvPr id="18" name="矩形 17"/>
+              <p:cNvSpPr/>
+              <p:nvPr/>
+            </p:nvSpPr>
+            <p:spPr>
+              <a:xfrm>
+                <a:off x="802805" y="3564356"/>
+                <a:ext cx="1738360" cy="659411"/>
+              </a:xfrm>
+              <a:prstGeom prst="rect">
+                <a:avLst/>
+              </a:prstGeom>
+            </p:spPr>
+            <p:txBody>
+              <a:bodyPr wrap="none">
+                <a:spAutoFit/>
+              </a:bodyPr>
+              <a:lstStyle/>
+              <a:p>
+                <a14:m>
+                  <m:oMathPara xmlns:m="http://schemas.openxmlformats.org/officeDocument/2006/math">
+                    <m:oMathParaPr>
+                      <m:jc m:val="centerGroup"/>
+                    </m:oMathParaPr>
+                    <m:oMath xmlns:m="http://schemas.openxmlformats.org/officeDocument/2006/math">
+                      <m:r>
+                        <a:rPr lang="en-US" altLang="zh-CN" b="0" i="1" smtClean="0">
+                          <a:latin typeface="Cambria Math" panose="02040503050406030204" pitchFamily="18" charset="0"/>
+                        </a:rPr>
+                        <m:t>𝑦</m:t>
+                      </m:r>
+                      <m:r>
+                        <a:rPr lang="en-US" altLang="zh-CN" i="1" smtClean="0">
+                          <a:latin typeface="Cambria Math" panose="02040503050406030204" pitchFamily="18" charset="0"/>
+                        </a:rPr>
+                        <m:t>=</m:t>
+                      </m:r>
+                      <m:f>
+                        <m:fPr>
+                          <m:ctrlPr>
+                            <a:rPr lang="en-US" altLang="zh-CN" i="1" smtClean="0">
+                              <a:latin typeface="Cambria Math" panose="02040503050406030204" pitchFamily="18" charset="0"/>
+                            </a:rPr>
+                          </m:ctrlPr>
+                        </m:fPr>
+                        <m:num>
+                          <m:r>
+                            <a:rPr lang="en-US" altLang="zh-CN" b="0" i="1" smtClean="0">
+                              <a:latin typeface="Cambria Math" panose="02040503050406030204" pitchFamily="18" charset="0"/>
+                            </a:rPr>
+                            <m:t>1</m:t>
+                          </m:r>
+                        </m:num>
+                        <m:den>
+                          <m:r>
+                            <a:rPr lang="en-US" altLang="zh-CN" b="0" i="1" smtClean="0">
+                              <a:latin typeface="Cambria Math" panose="02040503050406030204" pitchFamily="18" charset="0"/>
+                            </a:rPr>
+                            <m:t>2</m:t>
+                          </m:r>
+                        </m:den>
+                      </m:f>
+                      <m:r>
+                        <a:rPr lang="en-US" altLang="zh-CN" b="0" i="1" smtClean="0">
+                          <a:latin typeface="Cambria Math" panose="02040503050406030204" pitchFamily="18" charset="0"/>
+                        </a:rPr>
+                        <m:t>𝑙𝑛</m:t>
+                      </m:r>
+                      <m:f>
+                        <m:fPr>
+                          <m:ctrlPr>
+                            <a:rPr lang="en-US" altLang="zh-CN" b="0" i="1" smtClean="0">
+                              <a:latin typeface="Cambria Math" panose="02040503050406030204" pitchFamily="18" charset="0"/>
+                            </a:rPr>
+                          </m:ctrlPr>
+                        </m:fPr>
+                        <m:num>
+                          <m:r>
+                            <a:rPr lang="en-US" altLang="zh-CN" i="1">
+                              <a:latin typeface="Cambria Math" panose="02040503050406030204" pitchFamily="18" charset="0"/>
+                            </a:rPr>
+                            <m:t>𝐸</m:t>
+                          </m:r>
+                          <m:r>
+                            <a:rPr lang="en-US" altLang="zh-CN" b="0" i="1" smtClean="0">
+                              <a:latin typeface="Cambria Math" panose="02040503050406030204" pitchFamily="18" charset="0"/>
+                            </a:rPr>
+                            <m:t>+</m:t>
+                          </m:r>
+                          <m:sSub>
+                            <m:sSubPr>
+                              <m:ctrlPr>
+                                <a:rPr lang="en-US" altLang="zh-CN" b="0" i="1" smtClean="0">
+                                  <a:latin typeface="Cambria Math" panose="02040503050406030204" pitchFamily="18" charset="0"/>
+                                </a:rPr>
+                              </m:ctrlPr>
+                            </m:sSubPr>
+                            <m:e>
+                              <m:r>
+                                <a:rPr lang="en-US" altLang="zh-CN" b="0" i="1" smtClean="0">
+                                  <a:latin typeface="Cambria Math" panose="02040503050406030204" pitchFamily="18" charset="0"/>
+                                </a:rPr>
+                                <m:t>𝑝</m:t>
+                              </m:r>
+                            </m:e>
+                            <m:sub>
+                              <m:r>
+                                <a:rPr lang="en-US" altLang="zh-CN" b="0" i="1" smtClean="0">
+                                  <a:latin typeface="Cambria Math" panose="02040503050406030204" pitchFamily="18" charset="0"/>
+                                </a:rPr>
+                                <m:t>𝑧</m:t>
+                              </m:r>
+                            </m:sub>
+                          </m:sSub>
+                        </m:num>
+                        <m:den>
+                          <m:r>
+                            <a:rPr lang="en-US" altLang="zh-CN" b="0" i="1" smtClean="0">
+                              <a:latin typeface="Cambria Math" panose="02040503050406030204" pitchFamily="18" charset="0"/>
+                            </a:rPr>
+                            <m:t>𝐸</m:t>
+                          </m:r>
+                          <m:r>
+                            <a:rPr lang="en-US" altLang="zh-CN" b="0" i="1" smtClean="0">
+                              <a:latin typeface="Cambria Math" panose="02040503050406030204" pitchFamily="18" charset="0"/>
+                            </a:rPr>
+                            <m:t>−</m:t>
+                          </m:r>
+                          <m:sSub>
+                            <m:sSubPr>
+                              <m:ctrlPr>
+                                <a:rPr lang="en-US" altLang="zh-CN" i="1">
+                                  <a:latin typeface="Cambria Math" panose="02040503050406030204" pitchFamily="18" charset="0"/>
+                                </a:rPr>
+                              </m:ctrlPr>
+                            </m:sSubPr>
+                            <m:e>
+                              <m:r>
+                                <a:rPr lang="en-US" altLang="zh-CN" i="1">
+                                  <a:latin typeface="Cambria Math" panose="02040503050406030204" pitchFamily="18" charset="0"/>
+                                </a:rPr>
+                                <m:t>𝑝</m:t>
+                              </m:r>
+                            </m:e>
+                            <m:sub>
+                              <m:r>
+                                <a:rPr lang="en-US" altLang="zh-CN" i="1">
+                                  <a:latin typeface="Cambria Math" panose="02040503050406030204" pitchFamily="18" charset="0"/>
+                                </a:rPr>
+                                <m:t>𝑧</m:t>
+                              </m:r>
+                            </m:sub>
+                          </m:sSub>
+                        </m:den>
+                      </m:f>
+                    </m:oMath>
+                  </m:oMathPara>
+                </a14:m>
+                <a:endParaRPr lang="zh-CN" altLang="en-US" dirty="0"/>
+              </a:p>
+            </p:txBody>
+          </p:sp>
+        </mc:Choice>
+        <mc:Fallback>
+          <p:sp>
+            <p:nvSpPr>
+              <p:cNvPr id="18" name="矩形 17"/>
+              <p:cNvSpPr>
+                <a:spLocks noRot="1" noChangeAspect="1" noMove="1" noResize="1" noEditPoints="1" noAdjustHandles="1" noChangeArrowheads="1" noChangeShapeType="1" noTextEdit="1"/>
+              </p:cNvSpPr>
+              <p:nvPr/>
+            </p:nvSpPr>
+            <p:spPr>
+              <a:xfrm>
+                <a:off x="802805" y="3564356"/>
+                <a:ext cx="1738360" cy="659411"/>
+              </a:xfrm>
+              <a:prstGeom prst="rect">
+                <a:avLst/>
+              </a:prstGeom>
+              <a:blipFill rotWithShape="0">
+                <a:blip r:embed="rId12"/>
+                <a:stretch>
+                  <a:fillRect/>
+                </a:stretch>
+              </a:blipFill>
+            </p:spPr>
+            <p:txBody>
+              <a:bodyPr/>
+              <a:lstStyle/>
+              <a:p>
+                <a:r>
+                  <a:rPr lang="zh-CN" altLang="en-US">
+                    <a:noFill/>
+                  </a:rPr>
+                  <a:t> </a:t>
+                </a:r>
+              </a:p>
+            </p:txBody>
+          </p:sp>
+        </mc:Fallback>
+      </mc:AlternateContent>
+      <mc:AlternateContent xmlns:mc="http://schemas.openxmlformats.org/markup-compatibility/2006">
+        <mc:Choice xmlns:a14="http://schemas.microsoft.com/office/drawing/2010/main" Requires="a14">
+          <p:sp>
+            <p:nvSpPr>
+              <p:cNvPr id="19" name="矩形 18"/>
+              <p:cNvSpPr/>
+              <p:nvPr/>
+            </p:nvSpPr>
+            <p:spPr>
+              <a:xfrm>
+                <a:off x="802805" y="4309593"/>
+                <a:ext cx="4512710" cy="369332"/>
+              </a:xfrm>
+              <a:prstGeom prst="rect">
+                <a:avLst/>
+              </a:prstGeom>
+            </p:spPr>
+            <p:txBody>
+              <a:bodyPr wrap="none">
+                <a:spAutoFit/>
+              </a:bodyPr>
+              <a:lstStyle/>
+              <a:p>
+                <a14:m>
+                  <m:oMath xmlns:m="http://schemas.openxmlformats.org/officeDocument/2006/math">
+                    <m:sSub>
+                      <m:sSubPr>
+                        <m:ctrlPr>
+                          <a:rPr lang="en-US" altLang="zh-CN" i="1" smtClean="0">
+                            <a:latin typeface="Cambria Math" panose="02040503050406030204" pitchFamily="18" charset="0"/>
+                          </a:rPr>
+                        </m:ctrlPr>
+                      </m:sSubPr>
+                      <m:e>
+                        <m:r>
+                          <a:rPr lang="en-US" altLang="zh-CN" i="1">
+                            <a:latin typeface="Cambria Math" panose="02040503050406030204" pitchFamily="18" charset="0"/>
+                          </a:rPr>
+                          <m:t>𝑝</m:t>
+                        </m:r>
+                      </m:e>
+                      <m:sub>
+                        <m:r>
+                          <a:rPr lang="en-US" altLang="zh-CN" b="0" i="1" smtClean="0">
+                            <a:latin typeface="Cambria Math" panose="02040503050406030204" pitchFamily="18" charset="0"/>
+                          </a:rPr>
+                          <m:t>𝑧</m:t>
+                        </m:r>
+                      </m:sub>
+                    </m:sSub>
+                  </m:oMath>
+                </a14:m>
+                <a:r>
+                  <a:rPr lang="zh-CN" altLang="en-US" dirty="0" smtClean="0"/>
+                  <a:t>是纵向动量</a:t>
+                </a:r>
+                <a:r>
+                  <a:rPr lang="en-US" altLang="zh-CN" dirty="0" smtClean="0"/>
+                  <a:t>, </a:t>
+                </a:r>
+                <a:r>
+                  <a:rPr lang="zh-CN" altLang="en-US" dirty="0" smtClean="0"/>
+                  <a:t>即动量沿着束流方向的分量</a:t>
+                </a:r>
+                <a:endParaRPr lang="zh-CN" altLang="en-US" dirty="0"/>
+              </a:p>
+            </p:txBody>
+          </p:sp>
+        </mc:Choice>
+        <mc:Fallback>
+          <p:sp>
+            <p:nvSpPr>
+              <p:cNvPr id="19" name="矩形 18"/>
+              <p:cNvSpPr>
+                <a:spLocks noRot="1" noChangeAspect="1" noMove="1" noResize="1" noEditPoints="1" noAdjustHandles="1" noChangeArrowheads="1" noChangeShapeType="1" noTextEdit="1"/>
+              </p:cNvSpPr>
+              <p:nvPr/>
+            </p:nvSpPr>
+            <p:spPr>
+              <a:xfrm>
+                <a:off x="802805" y="4309593"/>
+                <a:ext cx="4512710" cy="369332"/>
+              </a:xfrm>
+              <a:prstGeom prst="rect">
+                <a:avLst/>
+              </a:prstGeom>
+              <a:blipFill rotWithShape="0">
+                <a:blip r:embed="rId13"/>
+                <a:stretch>
+                  <a:fillRect t="-14754" b="-26230"/>
+                </a:stretch>
+              </a:blipFill>
+            </p:spPr>
+            <p:txBody>
+              <a:bodyPr/>
+              <a:lstStyle/>
+              <a:p>
+                <a:r>
+                  <a:rPr lang="zh-CN" altLang="en-US">
+                    <a:noFill/>
+                  </a:rPr>
+                  <a:t> </a:t>
+                </a:r>
+              </a:p>
+            </p:txBody>
+          </p:sp>
+        </mc:Fallback>
+      </mc:AlternateContent>
+      <mc:AlternateContent xmlns:mc="http://schemas.openxmlformats.org/markup-compatibility/2006">
+        <mc:Choice xmlns:a14="http://schemas.microsoft.com/office/drawing/2010/main" Requires="a14">
+          <p:sp>
+            <p:nvSpPr>
+              <p:cNvPr id="20" name="矩形 19"/>
+              <p:cNvSpPr/>
+              <p:nvPr/>
+            </p:nvSpPr>
+            <p:spPr>
+              <a:xfrm>
+                <a:off x="1579075" y="340288"/>
+                <a:ext cx="1575303" cy="369332"/>
+              </a:xfrm>
+              <a:prstGeom prst="rect">
+                <a:avLst/>
+              </a:prstGeom>
+            </p:spPr>
+            <p:txBody>
+              <a:bodyPr wrap="none">
+                <a:spAutoFit/>
+              </a:bodyPr>
+              <a:lstStyle/>
+              <a:p>
+                <a14:m>
+                  <m:oMathPara xmlns:m="http://schemas.openxmlformats.org/officeDocument/2006/math">
+                    <m:oMathParaPr>
+                      <m:jc m:val="centerGroup"/>
+                    </m:oMathParaPr>
+                    <m:oMath xmlns:m="http://schemas.openxmlformats.org/officeDocument/2006/math">
+                      <m:r>
+                        <a:rPr lang="en-US" altLang="zh-CN" b="0" i="1" smtClean="0">
+                          <a:latin typeface="Cambria Math" panose="02040503050406030204" pitchFamily="18" charset="0"/>
+                        </a:rPr>
+                        <m:t>𝑤</m:t>
+                      </m:r>
+                      <m:r>
+                        <a:rPr lang="en-US" altLang="zh-CN" i="1">
+                          <a:latin typeface="Cambria Math" panose="02040503050406030204" pitchFamily="18" charset="0"/>
+                        </a:rPr>
+                        <m:t>=</m:t>
+                      </m:r>
+                      <m:func>
+                        <m:funcPr>
+                          <m:ctrlPr>
+                            <a:rPr lang="en-US" altLang="zh-CN" i="1" smtClean="0">
+                              <a:latin typeface="Cambria Math" panose="02040503050406030204" pitchFamily="18" charset="0"/>
+                            </a:rPr>
+                          </m:ctrlPr>
+                        </m:funcPr>
+                        <m:fName>
+                          <m:sSup>
+                            <m:sSupPr>
+                              <m:ctrlPr>
+                                <a:rPr lang="en-US" altLang="zh-CN" i="1" smtClean="0">
+                                  <a:latin typeface="Cambria Math" panose="02040503050406030204" pitchFamily="18" charset="0"/>
+                                </a:rPr>
+                              </m:ctrlPr>
+                            </m:sSupPr>
+                            <m:e>
+                              <m:r>
+                                <m:rPr>
+                                  <m:sty m:val="p"/>
+                                </m:rPr>
+                                <a:rPr lang="en-US" altLang="zh-CN" i="0" smtClean="0">
+                                  <a:latin typeface="Cambria Math" panose="02040503050406030204" pitchFamily="18" charset="0"/>
+                                </a:rPr>
+                                <m:t>tanh</m:t>
+                              </m:r>
+                            </m:e>
+                            <m:sup>
+                              <m:r>
+                                <a:rPr lang="en-US" altLang="zh-CN" i="1" smtClean="0">
+                                  <a:latin typeface="Cambria Math" panose="02040503050406030204" pitchFamily="18" charset="0"/>
+                                </a:rPr>
+                                <m:t>−1</m:t>
+                              </m:r>
+                            </m:sup>
+                          </m:sSup>
+                        </m:fName>
+                        <m:e>
+                          <m:r>
+                            <a:rPr lang="zh-CN" altLang="en-US" i="1" smtClean="0">
+                              <a:latin typeface="Cambria Math" panose="02040503050406030204" pitchFamily="18" charset="0"/>
+                            </a:rPr>
+                            <m:t>𝛽</m:t>
+                          </m:r>
+                        </m:e>
+                      </m:func>
+                    </m:oMath>
+                  </m:oMathPara>
+                </a14:m>
+                <a:endParaRPr lang="zh-CN" altLang="en-US" dirty="0"/>
+              </a:p>
+            </p:txBody>
+          </p:sp>
+        </mc:Choice>
+        <mc:Fallback>
+          <p:sp>
+            <p:nvSpPr>
+              <p:cNvPr id="20" name="矩形 19"/>
+              <p:cNvSpPr>
+                <a:spLocks noRot="1" noChangeAspect="1" noMove="1" noResize="1" noEditPoints="1" noAdjustHandles="1" noChangeArrowheads="1" noChangeShapeType="1" noTextEdit="1"/>
+              </p:cNvSpPr>
+              <p:nvPr/>
+            </p:nvSpPr>
+            <p:spPr>
+              <a:xfrm>
+                <a:off x="1579075" y="340288"/>
+                <a:ext cx="1575303" cy="369332"/>
+              </a:xfrm>
+              <a:prstGeom prst="rect">
+                <a:avLst/>
+              </a:prstGeom>
+              <a:blipFill rotWithShape="0">
+                <a:blip r:embed="rId14"/>
+                <a:stretch>
+                  <a:fillRect b="-13333"/>
+                </a:stretch>
+              </a:blipFill>
+            </p:spPr>
+            <p:txBody>
+              <a:bodyPr/>
+              <a:lstStyle/>
+              <a:p>
+                <a:r>
+                  <a:rPr lang="zh-CN" altLang="en-US">
+                    <a:noFill/>
+                  </a:rPr>
+                  <a:t> </a:t>
+                </a:r>
+              </a:p>
+            </p:txBody>
+          </p:sp>
+        </mc:Fallback>
+      </mc:AlternateContent>
+    </p:spTree>
+    <p:extLst>
+      <p:ext uri="{BB962C8B-B14F-4D97-AF65-F5344CB8AC3E}">
+        <p14:creationId xmlns:p14="http://schemas.microsoft.com/office/powerpoint/2010/main" val="1102873507"/>
       </p:ext>
     </p:extLst>
   </p:cSld>
@@ -5219,63 +9720,10 @@
           <a:chExt cx="0" cy="0"/>
         </a:xfrm>
       </p:grpSpPr>
-      <p:sp>
-        <p:nvSpPr>
-          <p:cNvPr id="4" name="文本框 3"/>
-          <p:cNvSpPr txBox="1"/>
-          <p:nvPr/>
-        </p:nvSpPr>
-        <p:spPr>
-          <a:xfrm>
-            <a:off x="0" y="0"/>
-            <a:ext cx="3056021" cy="646331"/>
-          </a:xfrm>
-          <a:prstGeom prst="rect">
-            <a:avLst/>
-          </a:prstGeom>
-          <a:noFill/>
-          <a:ln w="25400">
-            <a:solidFill>
-              <a:srgbClr val="FF0000"/>
-            </a:solidFill>
-          </a:ln>
-        </p:spPr>
-        <p:txBody>
-          <a:bodyPr wrap="square" rtlCol="0">
-            <a:spAutoFit/>
-          </a:bodyPr>
-          <a:lstStyle/>
-          <a:p>
-            <a:r>
-              <a:rPr lang="en-US" altLang="zh-CN" dirty="0" smtClean="0">
-                <a:solidFill>
-                  <a:srgbClr val="FF0000"/>
-                </a:solidFill>
-              </a:rPr>
-              <a:t>Date:</a:t>
-            </a:r>
-          </a:p>
-          <a:p>
-            <a:r>
-              <a:rPr lang="en-US" altLang="zh-CN" dirty="0" smtClean="0">
-                <a:solidFill>
-                  <a:srgbClr val="FF0000"/>
-                </a:solidFill>
-              </a:rPr>
-              <a:t>Source:</a:t>
-            </a:r>
-            <a:endParaRPr lang="zh-CN" altLang="en-US" dirty="0">
-              <a:solidFill>
-                <a:srgbClr val="FF0000"/>
-              </a:solidFill>
-            </a:endParaRPr>
-          </a:p>
-        </p:txBody>
-      </p:sp>
     </p:spTree>
     <p:extLst>
       <p:ext uri="{BB962C8B-B14F-4D97-AF65-F5344CB8AC3E}">
-        <p14:creationId xmlns:p14="http://schemas.microsoft.com/office/powerpoint/2010/main" val="1428967206"/>
+        <p14:creationId xmlns:p14="http://schemas.microsoft.com/office/powerpoint/2010/main" val="4039211306"/>
       </p:ext>
     </p:extLst>
   </p:cSld>
